--- a/figures/full_neuts.pptx
+++ b/figures/full_neuts.pptx
@@ -259,7 +259,7 @@
           <a:p>
             <a:fld id="{AB667D60-C70F-8545-8032-B49411841C93}" type="datetimeFigureOut">
               <a:rPr lang="en-US" smtClean="0"/>
-              <a:t>4/17/20</a:t>
+              <a:t>4/19/20</a:t>
             </a:fld>
             <a:endParaRPr lang="en-US"/>
           </a:p>
@@ -457,7 +457,7 @@
           <a:p>
             <a:fld id="{AB667D60-C70F-8545-8032-B49411841C93}" type="datetimeFigureOut">
               <a:rPr lang="en-US" smtClean="0"/>
-              <a:t>4/17/20</a:t>
+              <a:t>4/19/20</a:t>
             </a:fld>
             <a:endParaRPr lang="en-US"/>
           </a:p>
@@ -665,7 +665,7 @@
           <a:p>
             <a:fld id="{AB667D60-C70F-8545-8032-B49411841C93}" type="datetimeFigureOut">
               <a:rPr lang="en-US" smtClean="0"/>
-              <a:t>4/17/20</a:t>
+              <a:t>4/19/20</a:t>
             </a:fld>
             <a:endParaRPr lang="en-US"/>
           </a:p>
@@ -863,7 +863,7 @@
           <a:p>
             <a:fld id="{AB667D60-C70F-8545-8032-B49411841C93}" type="datetimeFigureOut">
               <a:rPr lang="en-US" smtClean="0"/>
-              <a:t>4/17/20</a:t>
+              <a:t>4/19/20</a:t>
             </a:fld>
             <a:endParaRPr lang="en-US"/>
           </a:p>
@@ -1138,7 +1138,7 @@
           <a:p>
             <a:fld id="{AB667D60-C70F-8545-8032-B49411841C93}" type="datetimeFigureOut">
               <a:rPr lang="en-US" smtClean="0"/>
-              <a:t>4/17/20</a:t>
+              <a:t>4/19/20</a:t>
             </a:fld>
             <a:endParaRPr lang="en-US"/>
           </a:p>
@@ -1403,7 +1403,7 @@
           <a:p>
             <a:fld id="{AB667D60-C70F-8545-8032-B49411841C93}" type="datetimeFigureOut">
               <a:rPr lang="en-US" smtClean="0"/>
-              <a:t>4/17/20</a:t>
+              <a:t>4/19/20</a:t>
             </a:fld>
             <a:endParaRPr lang="en-US"/>
           </a:p>
@@ -1815,7 +1815,7 @@
           <a:p>
             <a:fld id="{AB667D60-C70F-8545-8032-B49411841C93}" type="datetimeFigureOut">
               <a:rPr lang="en-US" smtClean="0"/>
-              <a:t>4/17/20</a:t>
+              <a:t>4/19/20</a:t>
             </a:fld>
             <a:endParaRPr lang="en-US"/>
           </a:p>
@@ -1956,7 +1956,7 @@
           <a:p>
             <a:fld id="{AB667D60-C70F-8545-8032-B49411841C93}" type="datetimeFigureOut">
               <a:rPr lang="en-US" smtClean="0"/>
-              <a:t>4/17/20</a:t>
+              <a:t>4/19/20</a:t>
             </a:fld>
             <a:endParaRPr lang="en-US"/>
           </a:p>
@@ -2069,7 +2069,7 @@
           <a:p>
             <a:fld id="{AB667D60-C70F-8545-8032-B49411841C93}" type="datetimeFigureOut">
               <a:rPr lang="en-US" smtClean="0"/>
-              <a:t>4/17/20</a:t>
+              <a:t>4/19/20</a:t>
             </a:fld>
             <a:endParaRPr lang="en-US"/>
           </a:p>
@@ -2380,7 +2380,7 @@
           <a:p>
             <a:fld id="{AB667D60-C70F-8545-8032-B49411841C93}" type="datetimeFigureOut">
               <a:rPr lang="en-US" smtClean="0"/>
-              <a:t>4/17/20</a:t>
+              <a:t>4/19/20</a:t>
             </a:fld>
             <a:endParaRPr lang="en-US"/>
           </a:p>
@@ -2668,7 +2668,7 @@
           <a:p>
             <a:fld id="{AB667D60-C70F-8545-8032-B49411841C93}" type="datetimeFigureOut">
               <a:rPr lang="en-US" smtClean="0"/>
-              <a:t>4/17/20</a:t>
+              <a:t>4/19/20</a:t>
             </a:fld>
             <a:endParaRPr lang="en-US"/>
           </a:p>
@@ -2909,7 +2909,7 @@
           <a:p>
             <a:fld id="{AB667D60-C70F-8545-8032-B49411841C93}" type="datetimeFigureOut">
               <a:rPr lang="en-US" smtClean="0"/>
-              <a:t>4/17/20</a:t>
+              <a:t>4/19/20</a:t>
             </a:fld>
             <a:endParaRPr lang="en-US"/>
           </a:p>
@@ -3328,10 +3328,10 @@
       </p:grpSpPr>
       <p:grpSp>
         <p:nvGrpSpPr>
-          <p:cNvPr id="35" name="Group 34">
-            <a:extLst>
-              <a:ext uri="{FF2B5EF4-FFF2-40B4-BE49-F238E27FC236}">
-                <a16:creationId xmlns:a16="http://schemas.microsoft.com/office/drawing/2014/main" id="{0FB707BA-DC97-E647-A008-72C20B455BAC}"/>
+          <p:cNvPr id="2" name="Group 1">
+            <a:extLst>
+              <a:ext uri="{FF2B5EF4-FFF2-40B4-BE49-F238E27FC236}">
+                <a16:creationId xmlns:a16="http://schemas.microsoft.com/office/drawing/2014/main" id="{209ECB72-75ED-C744-9EA4-10C3B5FA94E9}"/>
               </a:ext>
             </a:extLst>
           </p:cNvPr>
@@ -3340,7 +3340,7 @@
         </p:nvGrpSpPr>
         <p:grpSpPr>
           <a:xfrm>
-            <a:off x="-87102" y="0"/>
+            <a:off x="205975" y="128954"/>
             <a:ext cx="10289341" cy="5588575"/>
             <a:chOff x="-87102" y="0"/>
             <a:chExt cx="10289341" cy="5588575"/>
@@ -3388,7 +3388,7 @@
             </p:grpSpPr>
             <p:pic>
               <p:nvPicPr>
-                <p:cNvPr id="15" name="Picture 14" descr="A close up of a map&#10;&#10;Description automatically generated">
+                <p:cNvPr id="15" name="Picture 14">
                   <a:extLst>
                     <a:ext uri="{FF2B5EF4-FFF2-40B4-BE49-F238E27FC236}">
                       <a16:creationId xmlns:a16="http://schemas.microsoft.com/office/drawing/2014/main" id="{B646ADDC-C777-A040-ABFC-C258C877BF98}"/>
@@ -3402,9 +3402,8 @@
               </p:nvPicPr>
               <p:blipFill>
                 <a:blip r:embed="rId2"/>
-                <a:stretch>
-                  <a:fillRect/>
-                </a:stretch>
+                <a:srcRect/>
+                <a:stretch/>
               </p:blipFill>
               <p:spPr>
                 <a:xfrm>
@@ -3555,7 +3554,7 @@
         </p:grpSp>
         <p:pic>
           <p:nvPicPr>
-            <p:cNvPr id="34" name="Picture 33" descr="A close up of a map&#10;&#10;Description automatically generated">
+            <p:cNvPr id="34" name="Picture 33">
               <a:extLst>
                 <a:ext uri="{FF2B5EF4-FFF2-40B4-BE49-F238E27FC236}">
                   <a16:creationId xmlns:a16="http://schemas.microsoft.com/office/drawing/2014/main" id="{103A2941-D652-BE47-AE60-9F94DAFAEACC}"/>
@@ -3569,9 +3568,8 @@
           </p:nvPicPr>
           <p:blipFill>
             <a:blip r:embed="rId4"/>
-            <a:stretch>
-              <a:fillRect/>
-            </a:stretch>
+            <a:srcRect/>
+            <a:stretch/>
           </p:blipFill>
           <p:spPr>
             <a:xfrm>

--- a/figures/full_neuts.pptx
+++ b/figures/full_neuts.pptx
@@ -2,18 +2,18 @@
 <file path=ppt/presentation.xml><?xml version="1.0" encoding="utf-8"?>
 <p:presentation xmlns:a="http://schemas.openxmlformats.org/drawingml/2006/main" xmlns:r="http://schemas.openxmlformats.org/officeDocument/2006/relationships" xmlns:p="http://schemas.openxmlformats.org/presentationml/2006/main" saveSubsetFonts="1" autoCompressPictures="0">
   <p:sldMasterIdLst>
-    <p:sldMasterId id="2147483648" r:id="rId1"/>
+    <p:sldMasterId id="2147483684" r:id="rId1"/>
   </p:sldMasterIdLst>
   <p:sldIdLst>
     <p:sldId id="256" r:id="rId2"/>
   </p:sldIdLst>
-  <p:sldSz cx="12192000" cy="6858000"/>
+  <p:sldSz cx="10698163" cy="5761038"/>
   <p:notesSz cx="6858000" cy="9144000"/>
   <p:defaultTextStyle>
     <a:defPPr>
       <a:defRPr lang="en-US"/>
     </a:defPPr>
-    <a:lvl1pPr marL="0" algn="l" defTabSz="914400" rtl="0" eaLnBrk="1" latinLnBrk="0" hangingPunct="1">
+    <a:lvl1pPr marL="0" algn="l" defTabSz="457200" rtl="0" eaLnBrk="1" latinLnBrk="0" hangingPunct="1">
       <a:defRPr sz="1800" kern="1200">
         <a:solidFill>
           <a:schemeClr val="tx1"/>
@@ -23,7 +23,7 @@
         <a:cs typeface="+mn-cs"/>
       </a:defRPr>
     </a:lvl1pPr>
-    <a:lvl2pPr marL="457200" algn="l" defTabSz="914400" rtl="0" eaLnBrk="1" latinLnBrk="0" hangingPunct="1">
+    <a:lvl2pPr marL="457200" algn="l" defTabSz="457200" rtl="0" eaLnBrk="1" latinLnBrk="0" hangingPunct="1">
       <a:defRPr sz="1800" kern="1200">
         <a:solidFill>
           <a:schemeClr val="tx1"/>
@@ -33,7 +33,7 @@
         <a:cs typeface="+mn-cs"/>
       </a:defRPr>
     </a:lvl2pPr>
-    <a:lvl3pPr marL="914400" algn="l" defTabSz="914400" rtl="0" eaLnBrk="1" latinLnBrk="0" hangingPunct="1">
+    <a:lvl3pPr marL="914400" algn="l" defTabSz="457200" rtl="0" eaLnBrk="1" latinLnBrk="0" hangingPunct="1">
       <a:defRPr sz="1800" kern="1200">
         <a:solidFill>
           <a:schemeClr val="tx1"/>
@@ -43,7 +43,7 @@
         <a:cs typeface="+mn-cs"/>
       </a:defRPr>
     </a:lvl3pPr>
-    <a:lvl4pPr marL="1371600" algn="l" defTabSz="914400" rtl="0" eaLnBrk="1" latinLnBrk="0" hangingPunct="1">
+    <a:lvl4pPr marL="1371600" algn="l" defTabSz="457200" rtl="0" eaLnBrk="1" latinLnBrk="0" hangingPunct="1">
       <a:defRPr sz="1800" kern="1200">
         <a:solidFill>
           <a:schemeClr val="tx1"/>
@@ -53,7 +53,7 @@
         <a:cs typeface="+mn-cs"/>
       </a:defRPr>
     </a:lvl4pPr>
-    <a:lvl5pPr marL="1828800" algn="l" defTabSz="914400" rtl="0" eaLnBrk="1" latinLnBrk="0" hangingPunct="1">
+    <a:lvl5pPr marL="1828800" algn="l" defTabSz="457200" rtl="0" eaLnBrk="1" latinLnBrk="0" hangingPunct="1">
       <a:defRPr sz="1800" kern="1200">
         <a:solidFill>
           <a:schemeClr val="tx1"/>
@@ -63,7 +63,7 @@
         <a:cs typeface="+mn-cs"/>
       </a:defRPr>
     </a:lvl5pPr>
-    <a:lvl6pPr marL="2286000" algn="l" defTabSz="914400" rtl="0" eaLnBrk="1" latinLnBrk="0" hangingPunct="1">
+    <a:lvl6pPr marL="2286000" algn="l" defTabSz="457200" rtl="0" eaLnBrk="1" latinLnBrk="0" hangingPunct="1">
       <a:defRPr sz="1800" kern="1200">
         <a:solidFill>
           <a:schemeClr val="tx1"/>
@@ -73,7 +73,7 @@
         <a:cs typeface="+mn-cs"/>
       </a:defRPr>
     </a:lvl6pPr>
-    <a:lvl7pPr marL="2743200" algn="l" defTabSz="914400" rtl="0" eaLnBrk="1" latinLnBrk="0" hangingPunct="1">
+    <a:lvl7pPr marL="2743200" algn="l" defTabSz="457200" rtl="0" eaLnBrk="1" latinLnBrk="0" hangingPunct="1">
       <a:defRPr sz="1800" kern="1200">
         <a:solidFill>
           <a:schemeClr val="tx1"/>
@@ -83,7 +83,7 @@
         <a:cs typeface="+mn-cs"/>
       </a:defRPr>
     </a:lvl7pPr>
-    <a:lvl8pPr marL="3200400" algn="l" defTabSz="914400" rtl="0" eaLnBrk="1" latinLnBrk="0" hangingPunct="1">
+    <a:lvl8pPr marL="3200400" algn="l" defTabSz="457200" rtl="0" eaLnBrk="1" latinLnBrk="0" hangingPunct="1">
       <a:defRPr sz="1800" kern="1200">
         <a:solidFill>
           <a:schemeClr val="tx1"/>
@@ -93,7 +93,7 @@
         <a:cs typeface="+mn-cs"/>
       </a:defRPr>
     </a:lvl8pPr>
-    <a:lvl9pPr marL="3657600" algn="l" defTabSz="914400" rtl="0" eaLnBrk="1" latinLnBrk="0" hangingPunct="1">
+    <a:lvl9pPr marL="3657600" algn="l" defTabSz="457200" rtl="0" eaLnBrk="1" latinLnBrk="0" hangingPunct="1">
       <a:defRPr sz="1800" kern="1200">
         <a:solidFill>
           <a:schemeClr val="tx1"/>
@@ -110,6 +110,1081 @@
     </p:ext>
   </p:extLst>
 </p:presentation>
+</file>
+
+<file path=ppt/revisionInfo.xml><?xml version="1.0" encoding="utf-8"?>
+<p1510:revInfo xmlns:a="http://schemas.openxmlformats.org/drawingml/2006/main" xmlns:r="http://schemas.openxmlformats.org/officeDocument/2006/relationships" xmlns:p1510="http://schemas.microsoft.com/office/powerpoint/2015/10/main">
+  <p1510:revLst>
+    <p1510:client id="{C7CC0401-F0A5-424D-9872-0D9B60BD9CEE}" v="9" dt="2020-04-20T18:17:06.878"/>
+  </p1510:revLst>
+</p1510:revInfo>
+</file>
+
+<file path=ppt/changesInfos/changesInfo1.xml><?xml version="1.0" encoding="utf-8"?>
+<pc:chgInfo xmlns:a="http://schemas.openxmlformats.org/drawingml/2006/main" xmlns:r="http://schemas.openxmlformats.org/officeDocument/2006/relationships" xmlns:ac="http://schemas.microsoft.com/office/drawing/2013/main/command" xmlns:pc="http://schemas.microsoft.com/office/powerpoint/2013/main/command">
+  <pc:docChgLst>
+    <pc:chgData name="Bloom PhD, Jesse D" userId="e17e4af4-92ba-4f4f-89d8-f6d4f5501821" providerId="ADAL" clId="{C7CC0401-F0A5-424D-9872-0D9B60BD9CEE}"/>
+    <pc:docChg chg="modSld modMainMaster">
+      <pc:chgData name="Bloom PhD, Jesse D" userId="e17e4af4-92ba-4f4f-89d8-f6d4f5501821" providerId="ADAL" clId="{C7CC0401-F0A5-424D-9872-0D9B60BD9CEE}" dt="2020-04-20T18:17:06.878" v="8"/>
+      <pc:docMkLst>
+        <pc:docMk/>
+      </pc:docMkLst>
+      <pc:sldChg chg="addSp delSp modSp">
+        <pc:chgData name="Bloom PhD, Jesse D" userId="e17e4af4-92ba-4f4f-89d8-f6d4f5501821" providerId="ADAL" clId="{C7CC0401-F0A5-424D-9872-0D9B60BD9CEE}" dt="2020-04-20T18:17:06.878" v="8"/>
+        <pc:sldMkLst>
+          <pc:docMk/>
+          <pc:sldMk cId="649786291" sldId="256"/>
+        </pc:sldMkLst>
+        <pc:spChg chg="mod">
+          <ac:chgData name="Bloom PhD, Jesse D" userId="e17e4af4-92ba-4f4f-89d8-f6d4f5501821" providerId="ADAL" clId="{C7CC0401-F0A5-424D-9872-0D9B60BD9CEE}" dt="2020-04-20T18:16:39.527" v="2"/>
+          <ac:spMkLst>
+            <pc:docMk/>
+            <pc:sldMk cId="649786291" sldId="256"/>
+            <ac:spMk id="20" creationId="{0772F47A-3C12-FE4D-8047-F5F415C6D842}"/>
+          </ac:spMkLst>
+        </pc:spChg>
+        <pc:spChg chg="mod">
+          <ac:chgData name="Bloom PhD, Jesse D" userId="e17e4af4-92ba-4f4f-89d8-f6d4f5501821" providerId="ADAL" clId="{C7CC0401-F0A5-424D-9872-0D9B60BD9CEE}" dt="2020-04-20T18:16:39.527" v="2"/>
+          <ac:spMkLst>
+            <pc:docMk/>
+            <pc:sldMk cId="649786291" sldId="256"/>
+            <ac:spMk id="21" creationId="{45B87216-C807-2E4A-A628-1988F645C890}"/>
+          </ac:spMkLst>
+        </pc:spChg>
+        <pc:spChg chg="mod">
+          <ac:chgData name="Bloom PhD, Jesse D" userId="e17e4af4-92ba-4f4f-89d8-f6d4f5501821" providerId="ADAL" clId="{C7CC0401-F0A5-424D-9872-0D9B60BD9CEE}" dt="2020-04-20T18:16:39.527" v="2"/>
+          <ac:spMkLst>
+            <pc:docMk/>
+            <pc:sldMk cId="649786291" sldId="256"/>
+            <ac:spMk id="22" creationId="{640C90CB-A416-3C48-8765-2318413D1C35}"/>
+          </ac:spMkLst>
+        </pc:spChg>
+        <pc:spChg chg="mod">
+          <ac:chgData name="Bloom PhD, Jesse D" userId="e17e4af4-92ba-4f4f-89d8-f6d4f5501821" providerId="ADAL" clId="{C7CC0401-F0A5-424D-9872-0D9B60BD9CEE}" dt="2020-04-20T18:16:53.115" v="5"/>
+          <ac:spMkLst>
+            <pc:docMk/>
+            <pc:sldMk cId="649786291" sldId="256"/>
+            <ac:spMk id="30" creationId="{0B02A318-E18F-7B4E-BA8B-D959366D34A4}"/>
+          </ac:spMkLst>
+        </pc:spChg>
+        <pc:spChg chg="mod">
+          <ac:chgData name="Bloom PhD, Jesse D" userId="e17e4af4-92ba-4f4f-89d8-f6d4f5501821" providerId="ADAL" clId="{C7CC0401-F0A5-424D-9872-0D9B60BD9CEE}" dt="2020-04-20T18:16:53.115" v="5"/>
+          <ac:spMkLst>
+            <pc:docMk/>
+            <pc:sldMk cId="649786291" sldId="256"/>
+            <ac:spMk id="33" creationId="{2902B04F-A6F8-EE4A-8054-C76FCD0C5484}"/>
+          </ac:spMkLst>
+        </pc:spChg>
+        <pc:spChg chg="mod">
+          <ac:chgData name="Bloom PhD, Jesse D" userId="e17e4af4-92ba-4f4f-89d8-f6d4f5501821" providerId="ADAL" clId="{C7CC0401-F0A5-424D-9872-0D9B60BD9CEE}" dt="2020-04-20T18:16:53.115" v="5"/>
+          <ac:spMkLst>
+            <pc:docMk/>
+            <pc:sldMk cId="649786291" sldId="256"/>
+            <ac:spMk id="35" creationId="{C7F544DE-89FA-7E45-85BB-FA2AE9D290CA}"/>
+          </ac:spMkLst>
+        </pc:spChg>
+        <pc:spChg chg="mod">
+          <ac:chgData name="Bloom PhD, Jesse D" userId="e17e4af4-92ba-4f4f-89d8-f6d4f5501821" providerId="ADAL" clId="{C7CC0401-F0A5-424D-9872-0D9B60BD9CEE}" dt="2020-04-20T18:17:06.878" v="8"/>
+          <ac:spMkLst>
+            <pc:docMk/>
+            <pc:sldMk cId="649786291" sldId="256"/>
+            <ac:spMk id="42" creationId="{98EABCB7-3047-8B4B-B7F7-E7C29A502A1B}"/>
+          </ac:spMkLst>
+        </pc:spChg>
+        <pc:spChg chg="mod">
+          <ac:chgData name="Bloom PhD, Jesse D" userId="e17e4af4-92ba-4f4f-89d8-f6d4f5501821" providerId="ADAL" clId="{C7CC0401-F0A5-424D-9872-0D9B60BD9CEE}" dt="2020-04-20T18:17:06.878" v="8"/>
+          <ac:spMkLst>
+            <pc:docMk/>
+            <pc:sldMk cId="649786291" sldId="256"/>
+            <ac:spMk id="43" creationId="{4BDF7150-00C0-D646-9F9F-703051D8A4FD}"/>
+          </ac:spMkLst>
+        </pc:spChg>
+        <pc:spChg chg="mod">
+          <ac:chgData name="Bloom PhD, Jesse D" userId="e17e4af4-92ba-4f4f-89d8-f6d4f5501821" providerId="ADAL" clId="{C7CC0401-F0A5-424D-9872-0D9B60BD9CEE}" dt="2020-04-20T18:17:06.878" v="8"/>
+          <ac:spMkLst>
+            <pc:docMk/>
+            <pc:sldMk cId="649786291" sldId="256"/>
+            <ac:spMk id="44" creationId="{78F498BE-159A-434D-9A14-A5E0957A15BF}"/>
+          </ac:spMkLst>
+        </pc:spChg>
+        <pc:grpChg chg="del">
+          <ac:chgData name="Bloom PhD, Jesse D" userId="e17e4af4-92ba-4f4f-89d8-f6d4f5501821" providerId="ADAL" clId="{C7CC0401-F0A5-424D-9872-0D9B60BD9CEE}" dt="2020-04-20T18:16:31.044" v="0"/>
+          <ac:grpSpMkLst>
+            <pc:docMk/>
+            <pc:sldMk cId="649786291" sldId="256"/>
+            <ac:grpSpMk id="2" creationId="{209ECB72-75ED-C744-9EA4-10C3B5FA94E9}"/>
+          </ac:grpSpMkLst>
+        </pc:grpChg>
+        <pc:grpChg chg="add del mod">
+          <ac:chgData name="Bloom PhD, Jesse D" userId="e17e4af4-92ba-4f4f-89d8-f6d4f5501821" providerId="ADAL" clId="{C7CC0401-F0A5-424D-9872-0D9B60BD9CEE}" dt="2020-04-20T18:16:43.573" v="3"/>
+          <ac:grpSpMkLst>
+            <pc:docMk/>
+            <pc:sldMk cId="649786291" sldId="256"/>
+            <ac:grpSpMk id="11" creationId="{601B8210-2887-4948-A301-F14076348FE0}"/>
+          </ac:grpSpMkLst>
+        </pc:grpChg>
+        <pc:grpChg chg="mod">
+          <ac:chgData name="Bloom PhD, Jesse D" userId="e17e4af4-92ba-4f4f-89d8-f6d4f5501821" providerId="ADAL" clId="{C7CC0401-F0A5-424D-9872-0D9B60BD9CEE}" dt="2020-04-20T18:16:39.527" v="2"/>
+          <ac:grpSpMkLst>
+            <pc:docMk/>
+            <pc:sldMk cId="649786291" sldId="256"/>
+            <ac:grpSpMk id="13" creationId="{295792C1-2656-F141-BA3D-B11274C69207}"/>
+          </ac:grpSpMkLst>
+        </pc:grpChg>
+        <pc:grpChg chg="mod">
+          <ac:chgData name="Bloom PhD, Jesse D" userId="e17e4af4-92ba-4f4f-89d8-f6d4f5501821" providerId="ADAL" clId="{C7CC0401-F0A5-424D-9872-0D9B60BD9CEE}" dt="2020-04-20T18:16:39.527" v="2"/>
+          <ac:grpSpMkLst>
+            <pc:docMk/>
+            <pc:sldMk cId="649786291" sldId="256"/>
+            <ac:grpSpMk id="16" creationId="{DC874BA0-FD6D-1042-9239-0DB999DAE0F8}"/>
+          </ac:grpSpMkLst>
+        </pc:grpChg>
+        <pc:grpChg chg="add del mod">
+          <ac:chgData name="Bloom PhD, Jesse D" userId="e17e4af4-92ba-4f4f-89d8-f6d4f5501821" providerId="ADAL" clId="{C7CC0401-F0A5-424D-9872-0D9B60BD9CEE}" dt="2020-04-20T18:16:58.262" v="6"/>
+          <ac:grpSpMkLst>
+            <pc:docMk/>
+            <pc:sldMk cId="649786291" sldId="256"/>
+            <ac:grpSpMk id="23" creationId="{5EA8B624-9921-1F42-9283-8B5DB65DA1DD}"/>
+          </ac:grpSpMkLst>
+        </pc:grpChg>
+        <pc:grpChg chg="mod">
+          <ac:chgData name="Bloom PhD, Jesse D" userId="e17e4af4-92ba-4f4f-89d8-f6d4f5501821" providerId="ADAL" clId="{C7CC0401-F0A5-424D-9872-0D9B60BD9CEE}" dt="2020-04-20T18:16:53.115" v="5"/>
+          <ac:grpSpMkLst>
+            <pc:docMk/>
+            <pc:sldMk cId="649786291" sldId="256"/>
+            <ac:grpSpMk id="24" creationId="{03F940D8-E025-3B4A-94B8-EDA6EB22ABBF}"/>
+          </ac:grpSpMkLst>
+        </pc:grpChg>
+        <pc:grpChg chg="mod">
+          <ac:chgData name="Bloom PhD, Jesse D" userId="e17e4af4-92ba-4f4f-89d8-f6d4f5501821" providerId="ADAL" clId="{C7CC0401-F0A5-424D-9872-0D9B60BD9CEE}" dt="2020-04-20T18:16:53.115" v="5"/>
+          <ac:grpSpMkLst>
+            <pc:docMk/>
+            <pc:sldMk cId="649786291" sldId="256"/>
+            <ac:grpSpMk id="26" creationId="{D99512AE-6EEF-7A42-9891-5DF2178989C5}"/>
+          </ac:grpSpMkLst>
+        </pc:grpChg>
+        <pc:grpChg chg="add mod">
+          <ac:chgData name="Bloom PhD, Jesse D" userId="e17e4af4-92ba-4f4f-89d8-f6d4f5501821" providerId="ADAL" clId="{C7CC0401-F0A5-424D-9872-0D9B60BD9CEE}" dt="2020-04-20T18:17:06.878" v="8"/>
+          <ac:grpSpMkLst>
+            <pc:docMk/>
+            <pc:sldMk cId="649786291" sldId="256"/>
+            <ac:grpSpMk id="36" creationId="{F8CEE61E-0D81-604C-BD70-314DBFD433F8}"/>
+          </ac:grpSpMkLst>
+        </pc:grpChg>
+        <pc:grpChg chg="mod">
+          <ac:chgData name="Bloom PhD, Jesse D" userId="e17e4af4-92ba-4f4f-89d8-f6d4f5501821" providerId="ADAL" clId="{C7CC0401-F0A5-424D-9872-0D9B60BD9CEE}" dt="2020-04-20T18:17:06.878" v="8"/>
+          <ac:grpSpMkLst>
+            <pc:docMk/>
+            <pc:sldMk cId="649786291" sldId="256"/>
+            <ac:grpSpMk id="37" creationId="{3306731B-C314-A041-A89A-DF30575FC237}"/>
+          </ac:grpSpMkLst>
+        </pc:grpChg>
+        <pc:grpChg chg="mod">
+          <ac:chgData name="Bloom PhD, Jesse D" userId="e17e4af4-92ba-4f4f-89d8-f6d4f5501821" providerId="ADAL" clId="{C7CC0401-F0A5-424D-9872-0D9B60BD9CEE}" dt="2020-04-20T18:17:06.878" v="8"/>
+          <ac:grpSpMkLst>
+            <pc:docMk/>
+            <pc:sldMk cId="649786291" sldId="256"/>
+            <ac:grpSpMk id="39" creationId="{CEB2E474-BF2D-704A-9B42-AE470B2C2D28}"/>
+          </ac:grpSpMkLst>
+        </pc:grpChg>
+        <pc:picChg chg="mod">
+          <ac:chgData name="Bloom PhD, Jesse D" userId="e17e4af4-92ba-4f4f-89d8-f6d4f5501821" providerId="ADAL" clId="{C7CC0401-F0A5-424D-9872-0D9B60BD9CEE}" dt="2020-04-20T18:16:39.527" v="2"/>
+          <ac:picMkLst>
+            <pc:docMk/>
+            <pc:sldMk cId="649786291" sldId="256"/>
+            <ac:picMk id="14" creationId="{6D058C93-D1D5-304D-A3B8-FA7C1CE61287}"/>
+          </ac:picMkLst>
+        </pc:picChg>
+        <pc:picChg chg="mod">
+          <ac:chgData name="Bloom PhD, Jesse D" userId="e17e4af4-92ba-4f4f-89d8-f6d4f5501821" providerId="ADAL" clId="{C7CC0401-F0A5-424D-9872-0D9B60BD9CEE}" dt="2020-04-20T18:16:39.527" v="2"/>
+          <ac:picMkLst>
+            <pc:docMk/>
+            <pc:sldMk cId="649786291" sldId="256"/>
+            <ac:picMk id="17" creationId="{477D0888-3297-8C49-874A-941707D71DC5}"/>
+          </ac:picMkLst>
+        </pc:picChg>
+        <pc:picChg chg="mod">
+          <ac:chgData name="Bloom PhD, Jesse D" userId="e17e4af4-92ba-4f4f-89d8-f6d4f5501821" providerId="ADAL" clId="{C7CC0401-F0A5-424D-9872-0D9B60BD9CEE}" dt="2020-04-20T18:16:39.527" v="2"/>
+          <ac:picMkLst>
+            <pc:docMk/>
+            <pc:sldMk cId="649786291" sldId="256"/>
+            <ac:picMk id="19" creationId="{2140946E-0048-0344-BCAA-6BCCACEBB901}"/>
+          </ac:picMkLst>
+        </pc:picChg>
+        <pc:picChg chg="mod">
+          <ac:chgData name="Bloom PhD, Jesse D" userId="e17e4af4-92ba-4f4f-89d8-f6d4f5501821" providerId="ADAL" clId="{C7CC0401-F0A5-424D-9872-0D9B60BD9CEE}" dt="2020-04-20T18:16:53.115" v="5"/>
+          <ac:picMkLst>
+            <pc:docMk/>
+            <pc:sldMk cId="649786291" sldId="256"/>
+            <ac:picMk id="25" creationId="{963A78D6-4F53-7945-8EE6-DC87CD0D03FA}"/>
+          </ac:picMkLst>
+        </pc:picChg>
+        <pc:picChg chg="mod">
+          <ac:chgData name="Bloom PhD, Jesse D" userId="e17e4af4-92ba-4f4f-89d8-f6d4f5501821" providerId="ADAL" clId="{C7CC0401-F0A5-424D-9872-0D9B60BD9CEE}" dt="2020-04-20T18:16:53.115" v="5"/>
+          <ac:picMkLst>
+            <pc:docMk/>
+            <pc:sldMk cId="649786291" sldId="256"/>
+            <ac:picMk id="27" creationId="{8BFD2BE9-2AB9-8146-8954-AF2CD1854A4C}"/>
+          </ac:picMkLst>
+        </pc:picChg>
+        <pc:picChg chg="mod">
+          <ac:chgData name="Bloom PhD, Jesse D" userId="e17e4af4-92ba-4f4f-89d8-f6d4f5501821" providerId="ADAL" clId="{C7CC0401-F0A5-424D-9872-0D9B60BD9CEE}" dt="2020-04-20T18:16:53.115" v="5"/>
+          <ac:picMkLst>
+            <pc:docMk/>
+            <pc:sldMk cId="649786291" sldId="256"/>
+            <ac:picMk id="28" creationId="{AE282B39-C455-7144-94D9-47E93F729F17}"/>
+          </ac:picMkLst>
+        </pc:picChg>
+        <pc:picChg chg="mod">
+          <ac:chgData name="Bloom PhD, Jesse D" userId="e17e4af4-92ba-4f4f-89d8-f6d4f5501821" providerId="ADAL" clId="{C7CC0401-F0A5-424D-9872-0D9B60BD9CEE}" dt="2020-04-20T18:17:06.878" v="8"/>
+          <ac:picMkLst>
+            <pc:docMk/>
+            <pc:sldMk cId="649786291" sldId="256"/>
+            <ac:picMk id="38" creationId="{5B06AD6A-D375-DE43-9D48-98655D67DF12}"/>
+          </ac:picMkLst>
+        </pc:picChg>
+        <pc:picChg chg="mod">
+          <ac:chgData name="Bloom PhD, Jesse D" userId="e17e4af4-92ba-4f4f-89d8-f6d4f5501821" providerId="ADAL" clId="{C7CC0401-F0A5-424D-9872-0D9B60BD9CEE}" dt="2020-04-20T18:17:06.878" v="8"/>
+          <ac:picMkLst>
+            <pc:docMk/>
+            <pc:sldMk cId="649786291" sldId="256"/>
+            <ac:picMk id="40" creationId="{5AE0610E-17B9-9A4E-BB95-E3A1FB7CB6E5}"/>
+          </ac:picMkLst>
+        </pc:picChg>
+        <pc:picChg chg="mod">
+          <ac:chgData name="Bloom PhD, Jesse D" userId="e17e4af4-92ba-4f4f-89d8-f6d4f5501821" providerId="ADAL" clId="{C7CC0401-F0A5-424D-9872-0D9B60BD9CEE}" dt="2020-04-20T18:17:06.878" v="8"/>
+          <ac:picMkLst>
+            <pc:docMk/>
+            <pc:sldMk cId="649786291" sldId="256"/>
+            <ac:picMk id="41" creationId="{2CE71567-3476-FC4D-86FF-1DFBBD93A87B}"/>
+          </ac:picMkLst>
+        </pc:picChg>
+      </pc:sldChg>
+      <pc:sldMasterChg chg="modSp modSldLayout">
+        <pc:chgData name="Bloom PhD, Jesse D" userId="e17e4af4-92ba-4f4f-89d8-f6d4f5501821" providerId="ADAL" clId="{C7CC0401-F0A5-424D-9872-0D9B60BD9CEE}" dt="2020-04-20T18:16:38.311" v="1"/>
+        <pc:sldMasterMkLst>
+          <pc:docMk/>
+          <pc:sldMasterMk cId="3471692575" sldId="2147483648"/>
+        </pc:sldMasterMkLst>
+        <pc:spChg chg="mod">
+          <ac:chgData name="Bloom PhD, Jesse D" userId="e17e4af4-92ba-4f4f-89d8-f6d4f5501821" providerId="ADAL" clId="{C7CC0401-F0A5-424D-9872-0D9B60BD9CEE}" dt="2020-04-20T18:16:38.311" v="1"/>
+          <ac:spMkLst>
+            <pc:docMk/>
+            <pc:sldMasterMk cId="3471692575" sldId="2147483648"/>
+            <ac:spMk id="2" creationId="{9B97EFE9-41FD-6443-AEAA-7A461982764A}"/>
+          </ac:spMkLst>
+        </pc:spChg>
+        <pc:spChg chg="mod">
+          <ac:chgData name="Bloom PhD, Jesse D" userId="e17e4af4-92ba-4f4f-89d8-f6d4f5501821" providerId="ADAL" clId="{C7CC0401-F0A5-424D-9872-0D9B60BD9CEE}" dt="2020-04-20T18:16:38.311" v="1"/>
+          <ac:spMkLst>
+            <pc:docMk/>
+            <pc:sldMasterMk cId="3471692575" sldId="2147483648"/>
+            <ac:spMk id="3" creationId="{8D308B4A-7947-2147-AB35-106E1CFAA107}"/>
+          </ac:spMkLst>
+        </pc:spChg>
+        <pc:spChg chg="mod">
+          <ac:chgData name="Bloom PhD, Jesse D" userId="e17e4af4-92ba-4f4f-89d8-f6d4f5501821" providerId="ADAL" clId="{C7CC0401-F0A5-424D-9872-0D9B60BD9CEE}" dt="2020-04-20T18:16:38.311" v="1"/>
+          <ac:spMkLst>
+            <pc:docMk/>
+            <pc:sldMasterMk cId="3471692575" sldId="2147483648"/>
+            <ac:spMk id="4" creationId="{496E0640-5D10-C54E-8D33-6D161823F60C}"/>
+          </ac:spMkLst>
+        </pc:spChg>
+        <pc:spChg chg="mod">
+          <ac:chgData name="Bloom PhD, Jesse D" userId="e17e4af4-92ba-4f4f-89d8-f6d4f5501821" providerId="ADAL" clId="{C7CC0401-F0A5-424D-9872-0D9B60BD9CEE}" dt="2020-04-20T18:16:38.311" v="1"/>
+          <ac:spMkLst>
+            <pc:docMk/>
+            <pc:sldMasterMk cId="3471692575" sldId="2147483648"/>
+            <ac:spMk id="5" creationId="{BBBBDDF3-A7EF-0844-B4FC-C8C4138998F4}"/>
+          </ac:spMkLst>
+        </pc:spChg>
+        <pc:spChg chg="mod">
+          <ac:chgData name="Bloom PhD, Jesse D" userId="e17e4af4-92ba-4f4f-89d8-f6d4f5501821" providerId="ADAL" clId="{C7CC0401-F0A5-424D-9872-0D9B60BD9CEE}" dt="2020-04-20T18:16:38.311" v="1"/>
+          <ac:spMkLst>
+            <pc:docMk/>
+            <pc:sldMasterMk cId="3471692575" sldId="2147483648"/>
+            <ac:spMk id="6" creationId="{A4ACFA7D-B337-BA46-8345-5F26A45AE7B2}"/>
+          </ac:spMkLst>
+        </pc:spChg>
+        <pc:sldLayoutChg chg="modSp">
+          <pc:chgData name="Bloom PhD, Jesse D" userId="e17e4af4-92ba-4f4f-89d8-f6d4f5501821" providerId="ADAL" clId="{C7CC0401-F0A5-424D-9872-0D9B60BD9CEE}" dt="2020-04-20T18:16:38.311" v="1"/>
+          <pc:sldLayoutMkLst>
+            <pc:docMk/>
+            <pc:sldMasterMk cId="3471692575" sldId="2147483648"/>
+            <pc:sldLayoutMk cId="1017893911" sldId="2147483649"/>
+          </pc:sldLayoutMkLst>
+          <pc:spChg chg="mod">
+            <ac:chgData name="Bloom PhD, Jesse D" userId="e17e4af4-92ba-4f4f-89d8-f6d4f5501821" providerId="ADAL" clId="{C7CC0401-F0A5-424D-9872-0D9B60BD9CEE}" dt="2020-04-20T18:16:38.311" v="1"/>
+            <ac:spMkLst>
+              <pc:docMk/>
+              <pc:sldMasterMk cId="3471692575" sldId="2147483648"/>
+              <pc:sldLayoutMk cId="1017893911" sldId="2147483649"/>
+              <ac:spMk id="2" creationId="{0C9EB090-25CC-664A-B7B1-8DC537964400}"/>
+            </ac:spMkLst>
+          </pc:spChg>
+          <pc:spChg chg="mod">
+            <ac:chgData name="Bloom PhD, Jesse D" userId="e17e4af4-92ba-4f4f-89d8-f6d4f5501821" providerId="ADAL" clId="{C7CC0401-F0A5-424D-9872-0D9B60BD9CEE}" dt="2020-04-20T18:16:38.311" v="1"/>
+            <ac:spMkLst>
+              <pc:docMk/>
+              <pc:sldMasterMk cId="3471692575" sldId="2147483648"/>
+              <pc:sldLayoutMk cId="1017893911" sldId="2147483649"/>
+              <ac:spMk id="3" creationId="{26E30435-1C8F-7F4D-AE00-8F7E2CCBA1DF}"/>
+            </ac:spMkLst>
+          </pc:spChg>
+        </pc:sldLayoutChg>
+        <pc:sldLayoutChg chg="modSp">
+          <pc:chgData name="Bloom PhD, Jesse D" userId="e17e4af4-92ba-4f4f-89d8-f6d4f5501821" providerId="ADAL" clId="{C7CC0401-F0A5-424D-9872-0D9B60BD9CEE}" dt="2020-04-20T18:16:38.311" v="1"/>
+          <pc:sldLayoutMkLst>
+            <pc:docMk/>
+            <pc:sldMasterMk cId="3471692575" sldId="2147483648"/>
+            <pc:sldLayoutMk cId="337736597" sldId="2147483651"/>
+          </pc:sldLayoutMkLst>
+          <pc:spChg chg="mod">
+            <ac:chgData name="Bloom PhD, Jesse D" userId="e17e4af4-92ba-4f4f-89d8-f6d4f5501821" providerId="ADAL" clId="{C7CC0401-F0A5-424D-9872-0D9B60BD9CEE}" dt="2020-04-20T18:16:38.311" v="1"/>
+            <ac:spMkLst>
+              <pc:docMk/>
+              <pc:sldMasterMk cId="3471692575" sldId="2147483648"/>
+              <pc:sldLayoutMk cId="337736597" sldId="2147483651"/>
+              <ac:spMk id="2" creationId="{BDAAB882-A65A-6044-9C90-717C4608FC27}"/>
+            </ac:spMkLst>
+          </pc:spChg>
+          <pc:spChg chg="mod">
+            <ac:chgData name="Bloom PhD, Jesse D" userId="e17e4af4-92ba-4f4f-89d8-f6d4f5501821" providerId="ADAL" clId="{C7CC0401-F0A5-424D-9872-0D9B60BD9CEE}" dt="2020-04-20T18:16:38.311" v="1"/>
+            <ac:spMkLst>
+              <pc:docMk/>
+              <pc:sldMasterMk cId="3471692575" sldId="2147483648"/>
+              <pc:sldLayoutMk cId="337736597" sldId="2147483651"/>
+              <ac:spMk id="3" creationId="{78025813-3119-674F-91F3-E10F86C45E27}"/>
+            </ac:spMkLst>
+          </pc:spChg>
+        </pc:sldLayoutChg>
+        <pc:sldLayoutChg chg="modSp">
+          <pc:chgData name="Bloom PhD, Jesse D" userId="e17e4af4-92ba-4f4f-89d8-f6d4f5501821" providerId="ADAL" clId="{C7CC0401-F0A5-424D-9872-0D9B60BD9CEE}" dt="2020-04-20T18:16:38.311" v="1"/>
+          <pc:sldLayoutMkLst>
+            <pc:docMk/>
+            <pc:sldMasterMk cId="3471692575" sldId="2147483648"/>
+            <pc:sldLayoutMk cId="3722682389" sldId="2147483652"/>
+          </pc:sldLayoutMkLst>
+          <pc:spChg chg="mod">
+            <ac:chgData name="Bloom PhD, Jesse D" userId="e17e4af4-92ba-4f4f-89d8-f6d4f5501821" providerId="ADAL" clId="{C7CC0401-F0A5-424D-9872-0D9B60BD9CEE}" dt="2020-04-20T18:16:38.311" v="1"/>
+            <ac:spMkLst>
+              <pc:docMk/>
+              <pc:sldMasterMk cId="3471692575" sldId="2147483648"/>
+              <pc:sldLayoutMk cId="3722682389" sldId="2147483652"/>
+              <ac:spMk id="3" creationId="{99FB3456-61C4-204D-960B-F5B97BB7628A}"/>
+            </ac:spMkLst>
+          </pc:spChg>
+          <pc:spChg chg="mod">
+            <ac:chgData name="Bloom PhD, Jesse D" userId="e17e4af4-92ba-4f4f-89d8-f6d4f5501821" providerId="ADAL" clId="{C7CC0401-F0A5-424D-9872-0D9B60BD9CEE}" dt="2020-04-20T18:16:38.311" v="1"/>
+            <ac:spMkLst>
+              <pc:docMk/>
+              <pc:sldMasterMk cId="3471692575" sldId="2147483648"/>
+              <pc:sldLayoutMk cId="3722682389" sldId="2147483652"/>
+              <ac:spMk id="4" creationId="{A00CCAE7-DE4F-F644-9382-73206C8E555A}"/>
+            </ac:spMkLst>
+          </pc:spChg>
+        </pc:sldLayoutChg>
+        <pc:sldLayoutChg chg="modSp">
+          <pc:chgData name="Bloom PhD, Jesse D" userId="e17e4af4-92ba-4f4f-89d8-f6d4f5501821" providerId="ADAL" clId="{C7CC0401-F0A5-424D-9872-0D9B60BD9CEE}" dt="2020-04-20T18:16:38.311" v="1"/>
+          <pc:sldLayoutMkLst>
+            <pc:docMk/>
+            <pc:sldMasterMk cId="3471692575" sldId="2147483648"/>
+            <pc:sldLayoutMk cId="2681276992" sldId="2147483653"/>
+          </pc:sldLayoutMkLst>
+          <pc:spChg chg="mod">
+            <ac:chgData name="Bloom PhD, Jesse D" userId="e17e4af4-92ba-4f4f-89d8-f6d4f5501821" providerId="ADAL" clId="{C7CC0401-F0A5-424D-9872-0D9B60BD9CEE}" dt="2020-04-20T18:16:38.311" v="1"/>
+            <ac:spMkLst>
+              <pc:docMk/>
+              <pc:sldMasterMk cId="3471692575" sldId="2147483648"/>
+              <pc:sldLayoutMk cId="2681276992" sldId="2147483653"/>
+              <ac:spMk id="2" creationId="{4D794CE9-17BC-4745-BAB0-5F52754D7629}"/>
+            </ac:spMkLst>
+          </pc:spChg>
+          <pc:spChg chg="mod">
+            <ac:chgData name="Bloom PhD, Jesse D" userId="e17e4af4-92ba-4f4f-89d8-f6d4f5501821" providerId="ADAL" clId="{C7CC0401-F0A5-424D-9872-0D9B60BD9CEE}" dt="2020-04-20T18:16:38.311" v="1"/>
+            <ac:spMkLst>
+              <pc:docMk/>
+              <pc:sldMasterMk cId="3471692575" sldId="2147483648"/>
+              <pc:sldLayoutMk cId="2681276992" sldId="2147483653"/>
+              <ac:spMk id="3" creationId="{36207B7B-3F2A-5F41-95BA-5DD2884174C1}"/>
+            </ac:spMkLst>
+          </pc:spChg>
+          <pc:spChg chg="mod">
+            <ac:chgData name="Bloom PhD, Jesse D" userId="e17e4af4-92ba-4f4f-89d8-f6d4f5501821" providerId="ADAL" clId="{C7CC0401-F0A5-424D-9872-0D9B60BD9CEE}" dt="2020-04-20T18:16:38.311" v="1"/>
+            <ac:spMkLst>
+              <pc:docMk/>
+              <pc:sldMasterMk cId="3471692575" sldId="2147483648"/>
+              <pc:sldLayoutMk cId="2681276992" sldId="2147483653"/>
+              <ac:spMk id="4" creationId="{2C64AB71-AC4F-8D46-AAA0-AA2D0BFE63B6}"/>
+            </ac:spMkLst>
+          </pc:spChg>
+          <pc:spChg chg="mod">
+            <ac:chgData name="Bloom PhD, Jesse D" userId="e17e4af4-92ba-4f4f-89d8-f6d4f5501821" providerId="ADAL" clId="{C7CC0401-F0A5-424D-9872-0D9B60BD9CEE}" dt="2020-04-20T18:16:38.311" v="1"/>
+            <ac:spMkLst>
+              <pc:docMk/>
+              <pc:sldMasterMk cId="3471692575" sldId="2147483648"/>
+              <pc:sldLayoutMk cId="2681276992" sldId="2147483653"/>
+              <ac:spMk id="5" creationId="{0B381EB1-481A-E942-91D5-F5A14274092B}"/>
+            </ac:spMkLst>
+          </pc:spChg>
+          <pc:spChg chg="mod">
+            <ac:chgData name="Bloom PhD, Jesse D" userId="e17e4af4-92ba-4f4f-89d8-f6d4f5501821" providerId="ADAL" clId="{C7CC0401-F0A5-424D-9872-0D9B60BD9CEE}" dt="2020-04-20T18:16:38.311" v="1"/>
+            <ac:spMkLst>
+              <pc:docMk/>
+              <pc:sldMasterMk cId="3471692575" sldId="2147483648"/>
+              <pc:sldLayoutMk cId="2681276992" sldId="2147483653"/>
+              <ac:spMk id="6" creationId="{6BAF7C8E-D7EE-E44A-A082-432EB67549E2}"/>
+            </ac:spMkLst>
+          </pc:spChg>
+        </pc:sldLayoutChg>
+        <pc:sldLayoutChg chg="modSp">
+          <pc:chgData name="Bloom PhD, Jesse D" userId="e17e4af4-92ba-4f4f-89d8-f6d4f5501821" providerId="ADAL" clId="{C7CC0401-F0A5-424D-9872-0D9B60BD9CEE}" dt="2020-04-20T18:16:38.311" v="1"/>
+          <pc:sldLayoutMkLst>
+            <pc:docMk/>
+            <pc:sldMasterMk cId="3471692575" sldId="2147483648"/>
+            <pc:sldLayoutMk cId="1453845464" sldId="2147483656"/>
+          </pc:sldLayoutMkLst>
+          <pc:spChg chg="mod">
+            <ac:chgData name="Bloom PhD, Jesse D" userId="e17e4af4-92ba-4f4f-89d8-f6d4f5501821" providerId="ADAL" clId="{C7CC0401-F0A5-424D-9872-0D9B60BD9CEE}" dt="2020-04-20T18:16:38.311" v="1"/>
+            <ac:spMkLst>
+              <pc:docMk/>
+              <pc:sldMasterMk cId="3471692575" sldId="2147483648"/>
+              <pc:sldLayoutMk cId="1453845464" sldId="2147483656"/>
+              <ac:spMk id="2" creationId="{EF66EF51-9EBA-624B-B464-45C8C0D850D0}"/>
+            </ac:spMkLst>
+          </pc:spChg>
+          <pc:spChg chg="mod">
+            <ac:chgData name="Bloom PhD, Jesse D" userId="e17e4af4-92ba-4f4f-89d8-f6d4f5501821" providerId="ADAL" clId="{C7CC0401-F0A5-424D-9872-0D9B60BD9CEE}" dt="2020-04-20T18:16:38.311" v="1"/>
+            <ac:spMkLst>
+              <pc:docMk/>
+              <pc:sldMasterMk cId="3471692575" sldId="2147483648"/>
+              <pc:sldLayoutMk cId="1453845464" sldId="2147483656"/>
+              <ac:spMk id="3" creationId="{A847330B-0ABC-6042-A7CE-179C45990961}"/>
+            </ac:spMkLst>
+          </pc:spChg>
+          <pc:spChg chg="mod">
+            <ac:chgData name="Bloom PhD, Jesse D" userId="e17e4af4-92ba-4f4f-89d8-f6d4f5501821" providerId="ADAL" clId="{C7CC0401-F0A5-424D-9872-0D9B60BD9CEE}" dt="2020-04-20T18:16:38.311" v="1"/>
+            <ac:spMkLst>
+              <pc:docMk/>
+              <pc:sldMasterMk cId="3471692575" sldId="2147483648"/>
+              <pc:sldLayoutMk cId="1453845464" sldId="2147483656"/>
+              <ac:spMk id="4" creationId="{AB606E9F-5A13-304F-B738-188AB89B9315}"/>
+            </ac:spMkLst>
+          </pc:spChg>
+        </pc:sldLayoutChg>
+        <pc:sldLayoutChg chg="modSp">
+          <pc:chgData name="Bloom PhD, Jesse D" userId="e17e4af4-92ba-4f4f-89d8-f6d4f5501821" providerId="ADAL" clId="{C7CC0401-F0A5-424D-9872-0D9B60BD9CEE}" dt="2020-04-20T18:16:38.311" v="1"/>
+          <pc:sldLayoutMkLst>
+            <pc:docMk/>
+            <pc:sldMasterMk cId="3471692575" sldId="2147483648"/>
+            <pc:sldLayoutMk cId="3883536601" sldId="2147483657"/>
+          </pc:sldLayoutMkLst>
+          <pc:spChg chg="mod">
+            <ac:chgData name="Bloom PhD, Jesse D" userId="e17e4af4-92ba-4f4f-89d8-f6d4f5501821" providerId="ADAL" clId="{C7CC0401-F0A5-424D-9872-0D9B60BD9CEE}" dt="2020-04-20T18:16:38.311" v="1"/>
+            <ac:spMkLst>
+              <pc:docMk/>
+              <pc:sldMasterMk cId="3471692575" sldId="2147483648"/>
+              <pc:sldLayoutMk cId="3883536601" sldId="2147483657"/>
+              <ac:spMk id="2" creationId="{9459965D-89E1-0746-84A0-3D39C8B5347E}"/>
+            </ac:spMkLst>
+          </pc:spChg>
+          <pc:spChg chg="mod">
+            <ac:chgData name="Bloom PhD, Jesse D" userId="e17e4af4-92ba-4f4f-89d8-f6d4f5501821" providerId="ADAL" clId="{C7CC0401-F0A5-424D-9872-0D9B60BD9CEE}" dt="2020-04-20T18:16:38.311" v="1"/>
+            <ac:spMkLst>
+              <pc:docMk/>
+              <pc:sldMasterMk cId="3471692575" sldId="2147483648"/>
+              <pc:sldLayoutMk cId="3883536601" sldId="2147483657"/>
+              <ac:spMk id="3" creationId="{A69C7E08-C24C-714D-A570-A642432A805D}"/>
+            </ac:spMkLst>
+          </pc:spChg>
+          <pc:spChg chg="mod">
+            <ac:chgData name="Bloom PhD, Jesse D" userId="e17e4af4-92ba-4f4f-89d8-f6d4f5501821" providerId="ADAL" clId="{C7CC0401-F0A5-424D-9872-0D9B60BD9CEE}" dt="2020-04-20T18:16:38.311" v="1"/>
+            <ac:spMkLst>
+              <pc:docMk/>
+              <pc:sldMasterMk cId="3471692575" sldId="2147483648"/>
+              <pc:sldLayoutMk cId="3883536601" sldId="2147483657"/>
+              <ac:spMk id="4" creationId="{4353CBEC-F461-1543-8FFC-50C4F09F9E75}"/>
+            </ac:spMkLst>
+          </pc:spChg>
+        </pc:sldLayoutChg>
+        <pc:sldLayoutChg chg="modSp">
+          <pc:chgData name="Bloom PhD, Jesse D" userId="e17e4af4-92ba-4f4f-89d8-f6d4f5501821" providerId="ADAL" clId="{C7CC0401-F0A5-424D-9872-0D9B60BD9CEE}" dt="2020-04-20T18:16:38.311" v="1"/>
+          <pc:sldLayoutMkLst>
+            <pc:docMk/>
+            <pc:sldMasterMk cId="3471692575" sldId="2147483648"/>
+            <pc:sldLayoutMk cId="2211743269" sldId="2147483659"/>
+          </pc:sldLayoutMkLst>
+          <pc:spChg chg="mod">
+            <ac:chgData name="Bloom PhD, Jesse D" userId="e17e4af4-92ba-4f4f-89d8-f6d4f5501821" providerId="ADAL" clId="{C7CC0401-F0A5-424D-9872-0D9B60BD9CEE}" dt="2020-04-20T18:16:38.311" v="1"/>
+            <ac:spMkLst>
+              <pc:docMk/>
+              <pc:sldMasterMk cId="3471692575" sldId="2147483648"/>
+              <pc:sldLayoutMk cId="2211743269" sldId="2147483659"/>
+              <ac:spMk id="2" creationId="{D345586D-FBD1-704E-9D69-8FA8FB6F76DF}"/>
+            </ac:spMkLst>
+          </pc:spChg>
+          <pc:spChg chg="mod">
+            <ac:chgData name="Bloom PhD, Jesse D" userId="e17e4af4-92ba-4f4f-89d8-f6d4f5501821" providerId="ADAL" clId="{C7CC0401-F0A5-424D-9872-0D9B60BD9CEE}" dt="2020-04-20T18:16:38.311" v="1"/>
+            <ac:spMkLst>
+              <pc:docMk/>
+              <pc:sldMasterMk cId="3471692575" sldId="2147483648"/>
+              <pc:sldLayoutMk cId="2211743269" sldId="2147483659"/>
+              <ac:spMk id="3" creationId="{75098D94-7A2C-CA40-A265-6C5E22045D7C}"/>
+            </ac:spMkLst>
+          </pc:spChg>
+        </pc:sldLayoutChg>
+      </pc:sldMasterChg>
+      <pc:sldMasterChg chg="modSp modSldLayout">
+        <pc:chgData name="Bloom PhD, Jesse D" userId="e17e4af4-92ba-4f4f-89d8-f6d4f5501821" providerId="ADAL" clId="{C7CC0401-F0A5-424D-9872-0D9B60BD9CEE}" dt="2020-04-20T18:16:51.832" v="4"/>
+        <pc:sldMasterMkLst>
+          <pc:docMk/>
+          <pc:sldMasterMk cId="482551787" sldId="2147483660"/>
+        </pc:sldMasterMkLst>
+        <pc:spChg chg="mod">
+          <ac:chgData name="Bloom PhD, Jesse D" userId="e17e4af4-92ba-4f4f-89d8-f6d4f5501821" providerId="ADAL" clId="{C7CC0401-F0A5-424D-9872-0D9B60BD9CEE}" dt="2020-04-20T18:16:51.832" v="4"/>
+          <ac:spMkLst>
+            <pc:docMk/>
+            <pc:sldMasterMk cId="482551787" sldId="2147483660"/>
+            <ac:spMk id="2" creationId="{00000000-0000-0000-0000-000000000000}"/>
+          </ac:spMkLst>
+        </pc:spChg>
+        <pc:spChg chg="mod">
+          <ac:chgData name="Bloom PhD, Jesse D" userId="e17e4af4-92ba-4f4f-89d8-f6d4f5501821" providerId="ADAL" clId="{C7CC0401-F0A5-424D-9872-0D9B60BD9CEE}" dt="2020-04-20T18:16:51.832" v="4"/>
+          <ac:spMkLst>
+            <pc:docMk/>
+            <pc:sldMasterMk cId="482551787" sldId="2147483660"/>
+            <ac:spMk id="3" creationId="{00000000-0000-0000-0000-000000000000}"/>
+          </ac:spMkLst>
+        </pc:spChg>
+        <pc:spChg chg="mod">
+          <ac:chgData name="Bloom PhD, Jesse D" userId="e17e4af4-92ba-4f4f-89d8-f6d4f5501821" providerId="ADAL" clId="{C7CC0401-F0A5-424D-9872-0D9B60BD9CEE}" dt="2020-04-20T18:16:51.832" v="4"/>
+          <ac:spMkLst>
+            <pc:docMk/>
+            <pc:sldMasterMk cId="482551787" sldId="2147483660"/>
+            <ac:spMk id="4" creationId="{00000000-0000-0000-0000-000000000000}"/>
+          </ac:spMkLst>
+        </pc:spChg>
+        <pc:spChg chg="mod">
+          <ac:chgData name="Bloom PhD, Jesse D" userId="e17e4af4-92ba-4f4f-89d8-f6d4f5501821" providerId="ADAL" clId="{C7CC0401-F0A5-424D-9872-0D9B60BD9CEE}" dt="2020-04-20T18:16:51.832" v="4"/>
+          <ac:spMkLst>
+            <pc:docMk/>
+            <pc:sldMasterMk cId="482551787" sldId="2147483660"/>
+            <ac:spMk id="5" creationId="{00000000-0000-0000-0000-000000000000}"/>
+          </ac:spMkLst>
+        </pc:spChg>
+        <pc:spChg chg="mod">
+          <ac:chgData name="Bloom PhD, Jesse D" userId="e17e4af4-92ba-4f4f-89d8-f6d4f5501821" providerId="ADAL" clId="{C7CC0401-F0A5-424D-9872-0D9B60BD9CEE}" dt="2020-04-20T18:16:51.832" v="4"/>
+          <ac:spMkLst>
+            <pc:docMk/>
+            <pc:sldMasterMk cId="482551787" sldId="2147483660"/>
+            <ac:spMk id="6" creationId="{00000000-0000-0000-0000-000000000000}"/>
+          </ac:spMkLst>
+        </pc:spChg>
+        <pc:sldLayoutChg chg="modSp">
+          <pc:chgData name="Bloom PhD, Jesse D" userId="e17e4af4-92ba-4f4f-89d8-f6d4f5501821" providerId="ADAL" clId="{C7CC0401-F0A5-424D-9872-0D9B60BD9CEE}" dt="2020-04-20T18:16:51.832" v="4"/>
+          <pc:sldLayoutMkLst>
+            <pc:docMk/>
+            <pc:sldMasterMk cId="482551787" sldId="2147483660"/>
+            <pc:sldLayoutMk cId="1616464629" sldId="2147483661"/>
+          </pc:sldLayoutMkLst>
+          <pc:spChg chg="mod">
+            <ac:chgData name="Bloom PhD, Jesse D" userId="e17e4af4-92ba-4f4f-89d8-f6d4f5501821" providerId="ADAL" clId="{C7CC0401-F0A5-424D-9872-0D9B60BD9CEE}" dt="2020-04-20T18:16:51.832" v="4"/>
+            <ac:spMkLst>
+              <pc:docMk/>
+              <pc:sldMasterMk cId="482551787" sldId="2147483660"/>
+              <pc:sldLayoutMk cId="1616464629" sldId="2147483661"/>
+              <ac:spMk id="2" creationId="{00000000-0000-0000-0000-000000000000}"/>
+            </ac:spMkLst>
+          </pc:spChg>
+          <pc:spChg chg="mod">
+            <ac:chgData name="Bloom PhD, Jesse D" userId="e17e4af4-92ba-4f4f-89d8-f6d4f5501821" providerId="ADAL" clId="{C7CC0401-F0A5-424D-9872-0D9B60BD9CEE}" dt="2020-04-20T18:16:51.832" v="4"/>
+            <ac:spMkLst>
+              <pc:docMk/>
+              <pc:sldMasterMk cId="482551787" sldId="2147483660"/>
+              <pc:sldLayoutMk cId="1616464629" sldId="2147483661"/>
+              <ac:spMk id="3" creationId="{00000000-0000-0000-0000-000000000000}"/>
+            </ac:spMkLst>
+          </pc:spChg>
+        </pc:sldLayoutChg>
+        <pc:sldLayoutChg chg="modSp">
+          <pc:chgData name="Bloom PhD, Jesse D" userId="e17e4af4-92ba-4f4f-89d8-f6d4f5501821" providerId="ADAL" clId="{C7CC0401-F0A5-424D-9872-0D9B60BD9CEE}" dt="2020-04-20T18:16:51.832" v="4"/>
+          <pc:sldLayoutMkLst>
+            <pc:docMk/>
+            <pc:sldMasterMk cId="482551787" sldId="2147483660"/>
+            <pc:sldLayoutMk cId="2787478036" sldId="2147483663"/>
+          </pc:sldLayoutMkLst>
+          <pc:spChg chg="mod">
+            <ac:chgData name="Bloom PhD, Jesse D" userId="e17e4af4-92ba-4f4f-89d8-f6d4f5501821" providerId="ADAL" clId="{C7CC0401-F0A5-424D-9872-0D9B60BD9CEE}" dt="2020-04-20T18:16:51.832" v="4"/>
+            <ac:spMkLst>
+              <pc:docMk/>
+              <pc:sldMasterMk cId="482551787" sldId="2147483660"/>
+              <pc:sldLayoutMk cId="2787478036" sldId="2147483663"/>
+              <ac:spMk id="2" creationId="{00000000-0000-0000-0000-000000000000}"/>
+            </ac:spMkLst>
+          </pc:spChg>
+          <pc:spChg chg="mod">
+            <ac:chgData name="Bloom PhD, Jesse D" userId="e17e4af4-92ba-4f4f-89d8-f6d4f5501821" providerId="ADAL" clId="{C7CC0401-F0A5-424D-9872-0D9B60BD9CEE}" dt="2020-04-20T18:16:51.832" v="4"/>
+            <ac:spMkLst>
+              <pc:docMk/>
+              <pc:sldMasterMk cId="482551787" sldId="2147483660"/>
+              <pc:sldLayoutMk cId="2787478036" sldId="2147483663"/>
+              <ac:spMk id="3" creationId="{00000000-0000-0000-0000-000000000000}"/>
+            </ac:spMkLst>
+          </pc:spChg>
+        </pc:sldLayoutChg>
+        <pc:sldLayoutChg chg="modSp">
+          <pc:chgData name="Bloom PhD, Jesse D" userId="e17e4af4-92ba-4f4f-89d8-f6d4f5501821" providerId="ADAL" clId="{C7CC0401-F0A5-424D-9872-0D9B60BD9CEE}" dt="2020-04-20T18:16:51.832" v="4"/>
+          <pc:sldLayoutMkLst>
+            <pc:docMk/>
+            <pc:sldMasterMk cId="482551787" sldId="2147483660"/>
+            <pc:sldLayoutMk cId="772640045" sldId="2147483664"/>
+          </pc:sldLayoutMkLst>
+          <pc:spChg chg="mod">
+            <ac:chgData name="Bloom PhD, Jesse D" userId="e17e4af4-92ba-4f4f-89d8-f6d4f5501821" providerId="ADAL" clId="{C7CC0401-F0A5-424D-9872-0D9B60BD9CEE}" dt="2020-04-20T18:16:51.832" v="4"/>
+            <ac:spMkLst>
+              <pc:docMk/>
+              <pc:sldMasterMk cId="482551787" sldId="2147483660"/>
+              <pc:sldLayoutMk cId="772640045" sldId="2147483664"/>
+              <ac:spMk id="3" creationId="{00000000-0000-0000-0000-000000000000}"/>
+            </ac:spMkLst>
+          </pc:spChg>
+          <pc:spChg chg="mod">
+            <ac:chgData name="Bloom PhD, Jesse D" userId="e17e4af4-92ba-4f4f-89d8-f6d4f5501821" providerId="ADAL" clId="{C7CC0401-F0A5-424D-9872-0D9B60BD9CEE}" dt="2020-04-20T18:16:51.832" v="4"/>
+            <ac:spMkLst>
+              <pc:docMk/>
+              <pc:sldMasterMk cId="482551787" sldId="2147483660"/>
+              <pc:sldLayoutMk cId="772640045" sldId="2147483664"/>
+              <ac:spMk id="4" creationId="{00000000-0000-0000-0000-000000000000}"/>
+            </ac:spMkLst>
+          </pc:spChg>
+        </pc:sldLayoutChg>
+        <pc:sldLayoutChg chg="modSp">
+          <pc:chgData name="Bloom PhD, Jesse D" userId="e17e4af4-92ba-4f4f-89d8-f6d4f5501821" providerId="ADAL" clId="{C7CC0401-F0A5-424D-9872-0D9B60BD9CEE}" dt="2020-04-20T18:16:51.832" v="4"/>
+          <pc:sldLayoutMkLst>
+            <pc:docMk/>
+            <pc:sldMasterMk cId="482551787" sldId="2147483660"/>
+            <pc:sldLayoutMk cId="2991364690" sldId="2147483665"/>
+          </pc:sldLayoutMkLst>
+          <pc:spChg chg="mod">
+            <ac:chgData name="Bloom PhD, Jesse D" userId="e17e4af4-92ba-4f4f-89d8-f6d4f5501821" providerId="ADAL" clId="{C7CC0401-F0A5-424D-9872-0D9B60BD9CEE}" dt="2020-04-20T18:16:51.832" v="4"/>
+            <ac:spMkLst>
+              <pc:docMk/>
+              <pc:sldMasterMk cId="482551787" sldId="2147483660"/>
+              <pc:sldLayoutMk cId="2991364690" sldId="2147483665"/>
+              <ac:spMk id="2" creationId="{00000000-0000-0000-0000-000000000000}"/>
+            </ac:spMkLst>
+          </pc:spChg>
+          <pc:spChg chg="mod">
+            <ac:chgData name="Bloom PhD, Jesse D" userId="e17e4af4-92ba-4f4f-89d8-f6d4f5501821" providerId="ADAL" clId="{C7CC0401-F0A5-424D-9872-0D9B60BD9CEE}" dt="2020-04-20T18:16:51.832" v="4"/>
+            <ac:spMkLst>
+              <pc:docMk/>
+              <pc:sldMasterMk cId="482551787" sldId="2147483660"/>
+              <pc:sldLayoutMk cId="2991364690" sldId="2147483665"/>
+              <ac:spMk id="3" creationId="{00000000-0000-0000-0000-000000000000}"/>
+            </ac:spMkLst>
+          </pc:spChg>
+          <pc:spChg chg="mod">
+            <ac:chgData name="Bloom PhD, Jesse D" userId="e17e4af4-92ba-4f4f-89d8-f6d4f5501821" providerId="ADAL" clId="{C7CC0401-F0A5-424D-9872-0D9B60BD9CEE}" dt="2020-04-20T18:16:51.832" v="4"/>
+            <ac:spMkLst>
+              <pc:docMk/>
+              <pc:sldMasterMk cId="482551787" sldId="2147483660"/>
+              <pc:sldLayoutMk cId="2991364690" sldId="2147483665"/>
+              <ac:spMk id="4" creationId="{00000000-0000-0000-0000-000000000000}"/>
+            </ac:spMkLst>
+          </pc:spChg>
+          <pc:spChg chg="mod">
+            <ac:chgData name="Bloom PhD, Jesse D" userId="e17e4af4-92ba-4f4f-89d8-f6d4f5501821" providerId="ADAL" clId="{C7CC0401-F0A5-424D-9872-0D9B60BD9CEE}" dt="2020-04-20T18:16:51.832" v="4"/>
+            <ac:spMkLst>
+              <pc:docMk/>
+              <pc:sldMasterMk cId="482551787" sldId="2147483660"/>
+              <pc:sldLayoutMk cId="2991364690" sldId="2147483665"/>
+              <ac:spMk id="5" creationId="{00000000-0000-0000-0000-000000000000}"/>
+            </ac:spMkLst>
+          </pc:spChg>
+          <pc:spChg chg="mod">
+            <ac:chgData name="Bloom PhD, Jesse D" userId="e17e4af4-92ba-4f4f-89d8-f6d4f5501821" providerId="ADAL" clId="{C7CC0401-F0A5-424D-9872-0D9B60BD9CEE}" dt="2020-04-20T18:16:51.832" v="4"/>
+            <ac:spMkLst>
+              <pc:docMk/>
+              <pc:sldMasterMk cId="482551787" sldId="2147483660"/>
+              <pc:sldLayoutMk cId="2991364690" sldId="2147483665"/>
+              <ac:spMk id="6" creationId="{00000000-0000-0000-0000-000000000000}"/>
+            </ac:spMkLst>
+          </pc:spChg>
+        </pc:sldLayoutChg>
+        <pc:sldLayoutChg chg="modSp">
+          <pc:chgData name="Bloom PhD, Jesse D" userId="e17e4af4-92ba-4f4f-89d8-f6d4f5501821" providerId="ADAL" clId="{C7CC0401-F0A5-424D-9872-0D9B60BD9CEE}" dt="2020-04-20T18:16:51.832" v="4"/>
+          <pc:sldLayoutMkLst>
+            <pc:docMk/>
+            <pc:sldMasterMk cId="482551787" sldId="2147483660"/>
+            <pc:sldLayoutMk cId="1869024652" sldId="2147483668"/>
+          </pc:sldLayoutMkLst>
+          <pc:spChg chg="mod">
+            <ac:chgData name="Bloom PhD, Jesse D" userId="e17e4af4-92ba-4f4f-89d8-f6d4f5501821" providerId="ADAL" clId="{C7CC0401-F0A5-424D-9872-0D9B60BD9CEE}" dt="2020-04-20T18:16:51.832" v="4"/>
+            <ac:spMkLst>
+              <pc:docMk/>
+              <pc:sldMasterMk cId="482551787" sldId="2147483660"/>
+              <pc:sldLayoutMk cId="1869024652" sldId="2147483668"/>
+              <ac:spMk id="2" creationId="{00000000-0000-0000-0000-000000000000}"/>
+            </ac:spMkLst>
+          </pc:spChg>
+          <pc:spChg chg="mod">
+            <ac:chgData name="Bloom PhD, Jesse D" userId="e17e4af4-92ba-4f4f-89d8-f6d4f5501821" providerId="ADAL" clId="{C7CC0401-F0A5-424D-9872-0D9B60BD9CEE}" dt="2020-04-20T18:16:51.832" v="4"/>
+            <ac:spMkLst>
+              <pc:docMk/>
+              <pc:sldMasterMk cId="482551787" sldId="2147483660"/>
+              <pc:sldLayoutMk cId="1869024652" sldId="2147483668"/>
+              <ac:spMk id="3" creationId="{00000000-0000-0000-0000-000000000000}"/>
+            </ac:spMkLst>
+          </pc:spChg>
+          <pc:spChg chg="mod">
+            <ac:chgData name="Bloom PhD, Jesse D" userId="e17e4af4-92ba-4f4f-89d8-f6d4f5501821" providerId="ADAL" clId="{C7CC0401-F0A5-424D-9872-0D9B60BD9CEE}" dt="2020-04-20T18:16:51.832" v="4"/>
+            <ac:spMkLst>
+              <pc:docMk/>
+              <pc:sldMasterMk cId="482551787" sldId="2147483660"/>
+              <pc:sldLayoutMk cId="1869024652" sldId="2147483668"/>
+              <ac:spMk id="4" creationId="{00000000-0000-0000-0000-000000000000}"/>
+            </ac:spMkLst>
+          </pc:spChg>
+        </pc:sldLayoutChg>
+        <pc:sldLayoutChg chg="modSp">
+          <pc:chgData name="Bloom PhD, Jesse D" userId="e17e4af4-92ba-4f4f-89d8-f6d4f5501821" providerId="ADAL" clId="{C7CC0401-F0A5-424D-9872-0D9B60BD9CEE}" dt="2020-04-20T18:16:51.832" v="4"/>
+          <pc:sldLayoutMkLst>
+            <pc:docMk/>
+            <pc:sldMasterMk cId="482551787" sldId="2147483660"/>
+            <pc:sldLayoutMk cId="1357457336" sldId="2147483669"/>
+          </pc:sldLayoutMkLst>
+          <pc:spChg chg="mod">
+            <ac:chgData name="Bloom PhD, Jesse D" userId="e17e4af4-92ba-4f4f-89d8-f6d4f5501821" providerId="ADAL" clId="{C7CC0401-F0A5-424D-9872-0D9B60BD9CEE}" dt="2020-04-20T18:16:51.832" v="4"/>
+            <ac:spMkLst>
+              <pc:docMk/>
+              <pc:sldMasterMk cId="482551787" sldId="2147483660"/>
+              <pc:sldLayoutMk cId="1357457336" sldId="2147483669"/>
+              <ac:spMk id="2" creationId="{00000000-0000-0000-0000-000000000000}"/>
+            </ac:spMkLst>
+          </pc:spChg>
+          <pc:spChg chg="mod">
+            <ac:chgData name="Bloom PhD, Jesse D" userId="e17e4af4-92ba-4f4f-89d8-f6d4f5501821" providerId="ADAL" clId="{C7CC0401-F0A5-424D-9872-0D9B60BD9CEE}" dt="2020-04-20T18:16:51.832" v="4"/>
+            <ac:spMkLst>
+              <pc:docMk/>
+              <pc:sldMasterMk cId="482551787" sldId="2147483660"/>
+              <pc:sldLayoutMk cId="1357457336" sldId="2147483669"/>
+              <ac:spMk id="3" creationId="{00000000-0000-0000-0000-000000000000}"/>
+            </ac:spMkLst>
+          </pc:spChg>
+          <pc:spChg chg="mod">
+            <ac:chgData name="Bloom PhD, Jesse D" userId="e17e4af4-92ba-4f4f-89d8-f6d4f5501821" providerId="ADAL" clId="{C7CC0401-F0A5-424D-9872-0D9B60BD9CEE}" dt="2020-04-20T18:16:51.832" v="4"/>
+            <ac:spMkLst>
+              <pc:docMk/>
+              <pc:sldMasterMk cId="482551787" sldId="2147483660"/>
+              <pc:sldLayoutMk cId="1357457336" sldId="2147483669"/>
+              <ac:spMk id="4" creationId="{00000000-0000-0000-0000-000000000000}"/>
+            </ac:spMkLst>
+          </pc:spChg>
+        </pc:sldLayoutChg>
+        <pc:sldLayoutChg chg="modSp">
+          <pc:chgData name="Bloom PhD, Jesse D" userId="e17e4af4-92ba-4f4f-89d8-f6d4f5501821" providerId="ADAL" clId="{C7CC0401-F0A5-424D-9872-0D9B60BD9CEE}" dt="2020-04-20T18:16:51.832" v="4"/>
+          <pc:sldLayoutMkLst>
+            <pc:docMk/>
+            <pc:sldMasterMk cId="482551787" sldId="2147483660"/>
+            <pc:sldLayoutMk cId="1849605035" sldId="2147483671"/>
+          </pc:sldLayoutMkLst>
+          <pc:spChg chg="mod">
+            <ac:chgData name="Bloom PhD, Jesse D" userId="e17e4af4-92ba-4f4f-89d8-f6d4f5501821" providerId="ADAL" clId="{C7CC0401-F0A5-424D-9872-0D9B60BD9CEE}" dt="2020-04-20T18:16:51.832" v="4"/>
+            <ac:spMkLst>
+              <pc:docMk/>
+              <pc:sldMasterMk cId="482551787" sldId="2147483660"/>
+              <pc:sldLayoutMk cId="1849605035" sldId="2147483671"/>
+              <ac:spMk id="2" creationId="{00000000-0000-0000-0000-000000000000}"/>
+            </ac:spMkLst>
+          </pc:spChg>
+          <pc:spChg chg="mod">
+            <ac:chgData name="Bloom PhD, Jesse D" userId="e17e4af4-92ba-4f4f-89d8-f6d4f5501821" providerId="ADAL" clId="{C7CC0401-F0A5-424D-9872-0D9B60BD9CEE}" dt="2020-04-20T18:16:51.832" v="4"/>
+            <ac:spMkLst>
+              <pc:docMk/>
+              <pc:sldMasterMk cId="482551787" sldId="2147483660"/>
+              <pc:sldLayoutMk cId="1849605035" sldId="2147483671"/>
+              <ac:spMk id="3" creationId="{00000000-0000-0000-0000-000000000000}"/>
+            </ac:spMkLst>
+          </pc:spChg>
+        </pc:sldLayoutChg>
+      </pc:sldMasterChg>
+      <pc:sldMasterChg chg="modSp modSldLayout">
+        <pc:chgData name="Bloom PhD, Jesse D" userId="e17e4af4-92ba-4f4f-89d8-f6d4f5501821" providerId="ADAL" clId="{C7CC0401-F0A5-424D-9872-0D9B60BD9CEE}" dt="2020-04-20T18:17:05.584" v="7"/>
+        <pc:sldMasterMkLst>
+          <pc:docMk/>
+          <pc:sldMasterMk cId="831224064" sldId="2147483672"/>
+        </pc:sldMasterMkLst>
+        <pc:spChg chg="mod">
+          <ac:chgData name="Bloom PhD, Jesse D" userId="e17e4af4-92ba-4f4f-89d8-f6d4f5501821" providerId="ADAL" clId="{C7CC0401-F0A5-424D-9872-0D9B60BD9CEE}" dt="2020-04-20T18:17:05.584" v="7"/>
+          <ac:spMkLst>
+            <pc:docMk/>
+            <pc:sldMasterMk cId="831224064" sldId="2147483672"/>
+            <ac:spMk id="2" creationId="{00000000-0000-0000-0000-000000000000}"/>
+          </ac:spMkLst>
+        </pc:spChg>
+        <pc:spChg chg="mod">
+          <ac:chgData name="Bloom PhD, Jesse D" userId="e17e4af4-92ba-4f4f-89d8-f6d4f5501821" providerId="ADAL" clId="{C7CC0401-F0A5-424D-9872-0D9B60BD9CEE}" dt="2020-04-20T18:17:05.584" v="7"/>
+          <ac:spMkLst>
+            <pc:docMk/>
+            <pc:sldMasterMk cId="831224064" sldId="2147483672"/>
+            <ac:spMk id="3" creationId="{00000000-0000-0000-0000-000000000000}"/>
+          </ac:spMkLst>
+        </pc:spChg>
+        <pc:spChg chg="mod">
+          <ac:chgData name="Bloom PhD, Jesse D" userId="e17e4af4-92ba-4f4f-89d8-f6d4f5501821" providerId="ADAL" clId="{C7CC0401-F0A5-424D-9872-0D9B60BD9CEE}" dt="2020-04-20T18:17:05.584" v="7"/>
+          <ac:spMkLst>
+            <pc:docMk/>
+            <pc:sldMasterMk cId="831224064" sldId="2147483672"/>
+            <ac:spMk id="4" creationId="{00000000-0000-0000-0000-000000000000}"/>
+          </ac:spMkLst>
+        </pc:spChg>
+        <pc:spChg chg="mod">
+          <ac:chgData name="Bloom PhD, Jesse D" userId="e17e4af4-92ba-4f4f-89d8-f6d4f5501821" providerId="ADAL" clId="{C7CC0401-F0A5-424D-9872-0D9B60BD9CEE}" dt="2020-04-20T18:17:05.584" v="7"/>
+          <ac:spMkLst>
+            <pc:docMk/>
+            <pc:sldMasterMk cId="831224064" sldId="2147483672"/>
+            <ac:spMk id="5" creationId="{00000000-0000-0000-0000-000000000000}"/>
+          </ac:spMkLst>
+        </pc:spChg>
+        <pc:spChg chg="mod">
+          <ac:chgData name="Bloom PhD, Jesse D" userId="e17e4af4-92ba-4f4f-89d8-f6d4f5501821" providerId="ADAL" clId="{C7CC0401-F0A5-424D-9872-0D9B60BD9CEE}" dt="2020-04-20T18:17:05.584" v="7"/>
+          <ac:spMkLst>
+            <pc:docMk/>
+            <pc:sldMasterMk cId="831224064" sldId="2147483672"/>
+            <ac:spMk id="6" creationId="{00000000-0000-0000-0000-000000000000}"/>
+          </ac:spMkLst>
+        </pc:spChg>
+        <pc:sldLayoutChg chg="modSp">
+          <pc:chgData name="Bloom PhD, Jesse D" userId="e17e4af4-92ba-4f4f-89d8-f6d4f5501821" providerId="ADAL" clId="{C7CC0401-F0A5-424D-9872-0D9B60BD9CEE}" dt="2020-04-20T18:17:05.584" v="7"/>
+          <pc:sldLayoutMkLst>
+            <pc:docMk/>
+            <pc:sldMasterMk cId="831224064" sldId="2147483672"/>
+            <pc:sldLayoutMk cId="3433838556" sldId="2147483673"/>
+          </pc:sldLayoutMkLst>
+          <pc:spChg chg="mod">
+            <ac:chgData name="Bloom PhD, Jesse D" userId="e17e4af4-92ba-4f4f-89d8-f6d4f5501821" providerId="ADAL" clId="{C7CC0401-F0A5-424D-9872-0D9B60BD9CEE}" dt="2020-04-20T18:17:05.584" v="7"/>
+            <ac:spMkLst>
+              <pc:docMk/>
+              <pc:sldMasterMk cId="831224064" sldId="2147483672"/>
+              <pc:sldLayoutMk cId="3433838556" sldId="2147483673"/>
+              <ac:spMk id="2" creationId="{00000000-0000-0000-0000-000000000000}"/>
+            </ac:spMkLst>
+          </pc:spChg>
+          <pc:spChg chg="mod">
+            <ac:chgData name="Bloom PhD, Jesse D" userId="e17e4af4-92ba-4f4f-89d8-f6d4f5501821" providerId="ADAL" clId="{C7CC0401-F0A5-424D-9872-0D9B60BD9CEE}" dt="2020-04-20T18:17:05.584" v="7"/>
+            <ac:spMkLst>
+              <pc:docMk/>
+              <pc:sldMasterMk cId="831224064" sldId="2147483672"/>
+              <pc:sldLayoutMk cId="3433838556" sldId="2147483673"/>
+              <ac:spMk id="3" creationId="{00000000-0000-0000-0000-000000000000}"/>
+            </ac:spMkLst>
+          </pc:spChg>
+        </pc:sldLayoutChg>
+        <pc:sldLayoutChg chg="modSp">
+          <pc:chgData name="Bloom PhD, Jesse D" userId="e17e4af4-92ba-4f4f-89d8-f6d4f5501821" providerId="ADAL" clId="{C7CC0401-F0A5-424D-9872-0D9B60BD9CEE}" dt="2020-04-20T18:17:05.584" v="7"/>
+          <pc:sldLayoutMkLst>
+            <pc:docMk/>
+            <pc:sldMasterMk cId="831224064" sldId="2147483672"/>
+            <pc:sldLayoutMk cId="3867159330" sldId="2147483675"/>
+          </pc:sldLayoutMkLst>
+          <pc:spChg chg="mod">
+            <ac:chgData name="Bloom PhD, Jesse D" userId="e17e4af4-92ba-4f4f-89d8-f6d4f5501821" providerId="ADAL" clId="{C7CC0401-F0A5-424D-9872-0D9B60BD9CEE}" dt="2020-04-20T18:17:05.584" v="7"/>
+            <ac:spMkLst>
+              <pc:docMk/>
+              <pc:sldMasterMk cId="831224064" sldId="2147483672"/>
+              <pc:sldLayoutMk cId="3867159330" sldId="2147483675"/>
+              <ac:spMk id="2" creationId="{00000000-0000-0000-0000-000000000000}"/>
+            </ac:spMkLst>
+          </pc:spChg>
+          <pc:spChg chg="mod">
+            <ac:chgData name="Bloom PhD, Jesse D" userId="e17e4af4-92ba-4f4f-89d8-f6d4f5501821" providerId="ADAL" clId="{C7CC0401-F0A5-424D-9872-0D9B60BD9CEE}" dt="2020-04-20T18:17:05.584" v="7"/>
+            <ac:spMkLst>
+              <pc:docMk/>
+              <pc:sldMasterMk cId="831224064" sldId="2147483672"/>
+              <pc:sldLayoutMk cId="3867159330" sldId="2147483675"/>
+              <ac:spMk id="3" creationId="{00000000-0000-0000-0000-000000000000}"/>
+            </ac:spMkLst>
+          </pc:spChg>
+        </pc:sldLayoutChg>
+        <pc:sldLayoutChg chg="modSp">
+          <pc:chgData name="Bloom PhD, Jesse D" userId="e17e4af4-92ba-4f4f-89d8-f6d4f5501821" providerId="ADAL" clId="{C7CC0401-F0A5-424D-9872-0D9B60BD9CEE}" dt="2020-04-20T18:17:05.584" v="7"/>
+          <pc:sldLayoutMkLst>
+            <pc:docMk/>
+            <pc:sldMasterMk cId="831224064" sldId="2147483672"/>
+            <pc:sldLayoutMk cId="2802077549" sldId="2147483676"/>
+          </pc:sldLayoutMkLst>
+          <pc:spChg chg="mod">
+            <ac:chgData name="Bloom PhD, Jesse D" userId="e17e4af4-92ba-4f4f-89d8-f6d4f5501821" providerId="ADAL" clId="{C7CC0401-F0A5-424D-9872-0D9B60BD9CEE}" dt="2020-04-20T18:17:05.584" v="7"/>
+            <ac:spMkLst>
+              <pc:docMk/>
+              <pc:sldMasterMk cId="831224064" sldId="2147483672"/>
+              <pc:sldLayoutMk cId="2802077549" sldId="2147483676"/>
+              <ac:spMk id="3" creationId="{00000000-0000-0000-0000-000000000000}"/>
+            </ac:spMkLst>
+          </pc:spChg>
+          <pc:spChg chg="mod">
+            <ac:chgData name="Bloom PhD, Jesse D" userId="e17e4af4-92ba-4f4f-89d8-f6d4f5501821" providerId="ADAL" clId="{C7CC0401-F0A5-424D-9872-0D9B60BD9CEE}" dt="2020-04-20T18:17:05.584" v="7"/>
+            <ac:spMkLst>
+              <pc:docMk/>
+              <pc:sldMasterMk cId="831224064" sldId="2147483672"/>
+              <pc:sldLayoutMk cId="2802077549" sldId="2147483676"/>
+              <ac:spMk id="4" creationId="{00000000-0000-0000-0000-000000000000}"/>
+            </ac:spMkLst>
+          </pc:spChg>
+        </pc:sldLayoutChg>
+        <pc:sldLayoutChg chg="modSp">
+          <pc:chgData name="Bloom PhD, Jesse D" userId="e17e4af4-92ba-4f4f-89d8-f6d4f5501821" providerId="ADAL" clId="{C7CC0401-F0A5-424D-9872-0D9B60BD9CEE}" dt="2020-04-20T18:17:05.584" v="7"/>
+          <pc:sldLayoutMkLst>
+            <pc:docMk/>
+            <pc:sldMasterMk cId="831224064" sldId="2147483672"/>
+            <pc:sldLayoutMk cId="1620532205" sldId="2147483677"/>
+          </pc:sldLayoutMkLst>
+          <pc:spChg chg="mod">
+            <ac:chgData name="Bloom PhD, Jesse D" userId="e17e4af4-92ba-4f4f-89d8-f6d4f5501821" providerId="ADAL" clId="{C7CC0401-F0A5-424D-9872-0D9B60BD9CEE}" dt="2020-04-20T18:17:05.584" v="7"/>
+            <ac:spMkLst>
+              <pc:docMk/>
+              <pc:sldMasterMk cId="831224064" sldId="2147483672"/>
+              <pc:sldLayoutMk cId="1620532205" sldId="2147483677"/>
+              <ac:spMk id="2" creationId="{00000000-0000-0000-0000-000000000000}"/>
+            </ac:spMkLst>
+          </pc:spChg>
+          <pc:spChg chg="mod">
+            <ac:chgData name="Bloom PhD, Jesse D" userId="e17e4af4-92ba-4f4f-89d8-f6d4f5501821" providerId="ADAL" clId="{C7CC0401-F0A5-424D-9872-0D9B60BD9CEE}" dt="2020-04-20T18:17:05.584" v="7"/>
+            <ac:spMkLst>
+              <pc:docMk/>
+              <pc:sldMasterMk cId="831224064" sldId="2147483672"/>
+              <pc:sldLayoutMk cId="1620532205" sldId="2147483677"/>
+              <ac:spMk id="3" creationId="{00000000-0000-0000-0000-000000000000}"/>
+            </ac:spMkLst>
+          </pc:spChg>
+          <pc:spChg chg="mod">
+            <ac:chgData name="Bloom PhD, Jesse D" userId="e17e4af4-92ba-4f4f-89d8-f6d4f5501821" providerId="ADAL" clId="{C7CC0401-F0A5-424D-9872-0D9B60BD9CEE}" dt="2020-04-20T18:17:05.584" v="7"/>
+            <ac:spMkLst>
+              <pc:docMk/>
+              <pc:sldMasterMk cId="831224064" sldId="2147483672"/>
+              <pc:sldLayoutMk cId="1620532205" sldId="2147483677"/>
+              <ac:spMk id="4" creationId="{00000000-0000-0000-0000-000000000000}"/>
+            </ac:spMkLst>
+          </pc:spChg>
+          <pc:spChg chg="mod">
+            <ac:chgData name="Bloom PhD, Jesse D" userId="e17e4af4-92ba-4f4f-89d8-f6d4f5501821" providerId="ADAL" clId="{C7CC0401-F0A5-424D-9872-0D9B60BD9CEE}" dt="2020-04-20T18:17:05.584" v="7"/>
+            <ac:spMkLst>
+              <pc:docMk/>
+              <pc:sldMasterMk cId="831224064" sldId="2147483672"/>
+              <pc:sldLayoutMk cId="1620532205" sldId="2147483677"/>
+              <ac:spMk id="5" creationId="{00000000-0000-0000-0000-000000000000}"/>
+            </ac:spMkLst>
+          </pc:spChg>
+          <pc:spChg chg="mod">
+            <ac:chgData name="Bloom PhD, Jesse D" userId="e17e4af4-92ba-4f4f-89d8-f6d4f5501821" providerId="ADAL" clId="{C7CC0401-F0A5-424D-9872-0D9B60BD9CEE}" dt="2020-04-20T18:17:05.584" v="7"/>
+            <ac:spMkLst>
+              <pc:docMk/>
+              <pc:sldMasterMk cId="831224064" sldId="2147483672"/>
+              <pc:sldLayoutMk cId="1620532205" sldId="2147483677"/>
+              <ac:spMk id="6" creationId="{00000000-0000-0000-0000-000000000000}"/>
+            </ac:spMkLst>
+          </pc:spChg>
+        </pc:sldLayoutChg>
+        <pc:sldLayoutChg chg="modSp">
+          <pc:chgData name="Bloom PhD, Jesse D" userId="e17e4af4-92ba-4f4f-89d8-f6d4f5501821" providerId="ADAL" clId="{C7CC0401-F0A5-424D-9872-0D9B60BD9CEE}" dt="2020-04-20T18:17:05.584" v="7"/>
+          <pc:sldLayoutMkLst>
+            <pc:docMk/>
+            <pc:sldMasterMk cId="831224064" sldId="2147483672"/>
+            <pc:sldLayoutMk cId="223153114" sldId="2147483680"/>
+          </pc:sldLayoutMkLst>
+          <pc:spChg chg="mod">
+            <ac:chgData name="Bloom PhD, Jesse D" userId="e17e4af4-92ba-4f4f-89d8-f6d4f5501821" providerId="ADAL" clId="{C7CC0401-F0A5-424D-9872-0D9B60BD9CEE}" dt="2020-04-20T18:17:05.584" v="7"/>
+            <ac:spMkLst>
+              <pc:docMk/>
+              <pc:sldMasterMk cId="831224064" sldId="2147483672"/>
+              <pc:sldLayoutMk cId="223153114" sldId="2147483680"/>
+              <ac:spMk id="2" creationId="{00000000-0000-0000-0000-000000000000}"/>
+            </ac:spMkLst>
+          </pc:spChg>
+          <pc:spChg chg="mod">
+            <ac:chgData name="Bloom PhD, Jesse D" userId="e17e4af4-92ba-4f4f-89d8-f6d4f5501821" providerId="ADAL" clId="{C7CC0401-F0A5-424D-9872-0D9B60BD9CEE}" dt="2020-04-20T18:17:05.584" v="7"/>
+            <ac:spMkLst>
+              <pc:docMk/>
+              <pc:sldMasterMk cId="831224064" sldId="2147483672"/>
+              <pc:sldLayoutMk cId="223153114" sldId="2147483680"/>
+              <ac:spMk id="3" creationId="{00000000-0000-0000-0000-000000000000}"/>
+            </ac:spMkLst>
+          </pc:spChg>
+          <pc:spChg chg="mod">
+            <ac:chgData name="Bloom PhD, Jesse D" userId="e17e4af4-92ba-4f4f-89d8-f6d4f5501821" providerId="ADAL" clId="{C7CC0401-F0A5-424D-9872-0D9B60BD9CEE}" dt="2020-04-20T18:17:05.584" v="7"/>
+            <ac:spMkLst>
+              <pc:docMk/>
+              <pc:sldMasterMk cId="831224064" sldId="2147483672"/>
+              <pc:sldLayoutMk cId="223153114" sldId="2147483680"/>
+              <ac:spMk id="4" creationId="{00000000-0000-0000-0000-000000000000}"/>
+            </ac:spMkLst>
+          </pc:spChg>
+        </pc:sldLayoutChg>
+        <pc:sldLayoutChg chg="modSp">
+          <pc:chgData name="Bloom PhD, Jesse D" userId="e17e4af4-92ba-4f4f-89d8-f6d4f5501821" providerId="ADAL" clId="{C7CC0401-F0A5-424D-9872-0D9B60BD9CEE}" dt="2020-04-20T18:17:05.584" v="7"/>
+          <pc:sldLayoutMkLst>
+            <pc:docMk/>
+            <pc:sldMasterMk cId="831224064" sldId="2147483672"/>
+            <pc:sldLayoutMk cId="1623667600" sldId="2147483681"/>
+          </pc:sldLayoutMkLst>
+          <pc:spChg chg="mod">
+            <ac:chgData name="Bloom PhD, Jesse D" userId="e17e4af4-92ba-4f4f-89d8-f6d4f5501821" providerId="ADAL" clId="{C7CC0401-F0A5-424D-9872-0D9B60BD9CEE}" dt="2020-04-20T18:17:05.584" v="7"/>
+            <ac:spMkLst>
+              <pc:docMk/>
+              <pc:sldMasterMk cId="831224064" sldId="2147483672"/>
+              <pc:sldLayoutMk cId="1623667600" sldId="2147483681"/>
+              <ac:spMk id="2" creationId="{00000000-0000-0000-0000-000000000000}"/>
+            </ac:spMkLst>
+          </pc:spChg>
+          <pc:spChg chg="mod">
+            <ac:chgData name="Bloom PhD, Jesse D" userId="e17e4af4-92ba-4f4f-89d8-f6d4f5501821" providerId="ADAL" clId="{C7CC0401-F0A5-424D-9872-0D9B60BD9CEE}" dt="2020-04-20T18:17:05.584" v="7"/>
+            <ac:spMkLst>
+              <pc:docMk/>
+              <pc:sldMasterMk cId="831224064" sldId="2147483672"/>
+              <pc:sldLayoutMk cId="1623667600" sldId="2147483681"/>
+              <ac:spMk id="3" creationId="{00000000-0000-0000-0000-000000000000}"/>
+            </ac:spMkLst>
+          </pc:spChg>
+          <pc:spChg chg="mod">
+            <ac:chgData name="Bloom PhD, Jesse D" userId="e17e4af4-92ba-4f4f-89d8-f6d4f5501821" providerId="ADAL" clId="{C7CC0401-F0A5-424D-9872-0D9B60BD9CEE}" dt="2020-04-20T18:17:05.584" v="7"/>
+            <ac:spMkLst>
+              <pc:docMk/>
+              <pc:sldMasterMk cId="831224064" sldId="2147483672"/>
+              <pc:sldLayoutMk cId="1623667600" sldId="2147483681"/>
+              <ac:spMk id="4" creationId="{00000000-0000-0000-0000-000000000000}"/>
+            </ac:spMkLst>
+          </pc:spChg>
+        </pc:sldLayoutChg>
+        <pc:sldLayoutChg chg="modSp">
+          <pc:chgData name="Bloom PhD, Jesse D" userId="e17e4af4-92ba-4f4f-89d8-f6d4f5501821" providerId="ADAL" clId="{C7CC0401-F0A5-424D-9872-0D9B60BD9CEE}" dt="2020-04-20T18:17:05.584" v="7"/>
+          <pc:sldLayoutMkLst>
+            <pc:docMk/>
+            <pc:sldMasterMk cId="831224064" sldId="2147483672"/>
+            <pc:sldLayoutMk cId="4287119402" sldId="2147483683"/>
+          </pc:sldLayoutMkLst>
+          <pc:spChg chg="mod">
+            <ac:chgData name="Bloom PhD, Jesse D" userId="e17e4af4-92ba-4f4f-89d8-f6d4f5501821" providerId="ADAL" clId="{C7CC0401-F0A5-424D-9872-0D9B60BD9CEE}" dt="2020-04-20T18:17:05.584" v="7"/>
+            <ac:spMkLst>
+              <pc:docMk/>
+              <pc:sldMasterMk cId="831224064" sldId="2147483672"/>
+              <pc:sldLayoutMk cId="4287119402" sldId="2147483683"/>
+              <ac:spMk id="2" creationId="{00000000-0000-0000-0000-000000000000}"/>
+            </ac:spMkLst>
+          </pc:spChg>
+          <pc:spChg chg="mod">
+            <ac:chgData name="Bloom PhD, Jesse D" userId="e17e4af4-92ba-4f4f-89d8-f6d4f5501821" providerId="ADAL" clId="{C7CC0401-F0A5-424D-9872-0D9B60BD9CEE}" dt="2020-04-20T18:17:05.584" v="7"/>
+            <ac:spMkLst>
+              <pc:docMk/>
+              <pc:sldMasterMk cId="831224064" sldId="2147483672"/>
+              <pc:sldLayoutMk cId="4287119402" sldId="2147483683"/>
+              <ac:spMk id="3" creationId="{00000000-0000-0000-0000-000000000000}"/>
+            </ac:spMkLst>
+          </pc:spChg>
+        </pc:sldLayoutChg>
+      </pc:sldMasterChg>
+    </pc:docChg>
+  </pc:docChgLst>
+</pc:chgInfo>
 </file>
 
 <file path=ppt/slideLayouts/slideLayout1.xml><?xml version="1.0" encoding="utf-8"?>
@@ -131,13 +1206,7 @@
       </p:grpSpPr>
       <p:sp>
         <p:nvSpPr>
-          <p:cNvPr id="2" name="Title 1">
-            <a:extLst>
-              <a:ext uri="{FF2B5EF4-FFF2-40B4-BE49-F238E27FC236}">
-                <a16:creationId xmlns:a16="http://schemas.microsoft.com/office/drawing/2014/main" id="{0C9EB090-25CC-664A-B7B1-8DC537964400}"/>
-              </a:ext>
-            </a:extLst>
-          </p:cNvPr>
+          <p:cNvPr id="2" name="Title 1"/>
           <p:cNvSpPr>
             <a:spLocks noGrp="1"/>
           </p:cNvSpPr>
@@ -147,15 +1216,15 @@
         </p:nvSpPr>
         <p:spPr>
           <a:xfrm>
-            <a:off x="1524000" y="1122363"/>
-            <a:ext cx="9144000" cy="2387600"/>
+            <a:off x="1337271" y="942837"/>
+            <a:ext cx="8023622" cy="2005695"/>
           </a:xfrm>
         </p:spPr>
         <p:txBody>
           <a:bodyPr anchor="b"/>
           <a:lstStyle>
             <a:lvl1pPr algn="ctr">
-              <a:defRPr sz="6000"/>
+              <a:defRPr sz="5040"/>
             </a:lvl1pPr>
           </a:lstStyle>
           <a:p>
@@ -163,18 +1232,13 @@
               <a:rPr lang="en-US"/>
               <a:t>Click to edit Master title style</a:t>
             </a:r>
-          </a:p>
-        </p:txBody>
-      </p:sp>
-      <p:sp>
-        <p:nvSpPr>
-          <p:cNvPr id="3" name="Subtitle 2">
-            <a:extLst>
-              <a:ext uri="{FF2B5EF4-FFF2-40B4-BE49-F238E27FC236}">
-                <a16:creationId xmlns:a16="http://schemas.microsoft.com/office/drawing/2014/main" id="{26E30435-1C8F-7F4D-AE00-8F7E2CCBA1DF}"/>
-              </a:ext>
-            </a:extLst>
-          </p:cNvPr>
+            <a:endParaRPr lang="en-US" dirty="0"/>
+          </a:p>
+        </p:txBody>
+      </p:sp>
+      <p:sp>
+        <p:nvSpPr>
+          <p:cNvPr id="3" name="Subtitle 2"/>
           <p:cNvSpPr>
             <a:spLocks noGrp="1"/>
           </p:cNvSpPr>
@@ -184,8 +1248,8 @@
         </p:nvSpPr>
         <p:spPr>
           <a:xfrm>
-            <a:off x="1524000" y="3602038"/>
-            <a:ext cx="9144000" cy="1655762"/>
+            <a:off x="1337271" y="3025879"/>
+            <a:ext cx="8023622" cy="1390917"/>
           </a:xfrm>
         </p:spPr>
         <p:txBody>
@@ -193,39 +1257,39 @@
           <a:lstStyle>
             <a:lvl1pPr marL="0" indent="0" algn="ctr">
               <a:buNone/>
-              <a:defRPr sz="2400"/>
+              <a:defRPr sz="2016"/>
             </a:lvl1pPr>
-            <a:lvl2pPr marL="457200" indent="0" algn="ctr">
-              <a:buNone/>
-              <a:defRPr sz="2000"/>
+            <a:lvl2pPr marL="384048" indent="0" algn="ctr">
+              <a:buNone/>
+              <a:defRPr sz="1680"/>
             </a:lvl2pPr>
-            <a:lvl3pPr marL="914400" indent="0" algn="ctr">
-              <a:buNone/>
-              <a:defRPr sz="1800"/>
+            <a:lvl3pPr marL="768096" indent="0" algn="ctr">
+              <a:buNone/>
+              <a:defRPr sz="1512"/>
             </a:lvl3pPr>
-            <a:lvl4pPr marL="1371600" indent="0" algn="ctr">
-              <a:buNone/>
-              <a:defRPr sz="1600"/>
+            <a:lvl4pPr marL="1152144" indent="0" algn="ctr">
+              <a:buNone/>
+              <a:defRPr sz="1344"/>
             </a:lvl4pPr>
-            <a:lvl5pPr marL="1828800" indent="0" algn="ctr">
-              <a:buNone/>
-              <a:defRPr sz="1600"/>
+            <a:lvl5pPr marL="1536192" indent="0" algn="ctr">
+              <a:buNone/>
+              <a:defRPr sz="1344"/>
             </a:lvl5pPr>
-            <a:lvl6pPr marL="2286000" indent="0" algn="ctr">
-              <a:buNone/>
-              <a:defRPr sz="1600"/>
+            <a:lvl6pPr marL="1920240" indent="0" algn="ctr">
+              <a:buNone/>
+              <a:defRPr sz="1344"/>
             </a:lvl6pPr>
-            <a:lvl7pPr marL="2743200" indent="0" algn="ctr">
-              <a:buNone/>
-              <a:defRPr sz="1600"/>
+            <a:lvl7pPr marL="2304288" indent="0" algn="ctr">
+              <a:buNone/>
+              <a:defRPr sz="1344"/>
             </a:lvl7pPr>
-            <a:lvl8pPr marL="3200400" indent="0" algn="ctr">
-              <a:buNone/>
-              <a:defRPr sz="1600"/>
+            <a:lvl8pPr marL="2688336" indent="0" algn="ctr">
+              <a:buNone/>
+              <a:defRPr sz="1344"/>
             </a:lvl8pPr>
-            <a:lvl9pPr marL="3657600" indent="0" algn="ctr">
-              <a:buNone/>
-              <a:defRPr sz="1600"/>
+            <a:lvl9pPr marL="3072384" indent="0" algn="ctr">
+              <a:buNone/>
+              <a:defRPr sz="1344"/>
             </a:lvl9pPr>
           </a:lstStyle>
           <a:p>
@@ -233,18 +1297,13 @@
               <a:rPr lang="en-US"/>
               <a:t>Click to edit Master subtitle style</a:t>
             </a:r>
-          </a:p>
-        </p:txBody>
-      </p:sp>
-      <p:sp>
-        <p:nvSpPr>
-          <p:cNvPr id="4" name="Date Placeholder 3">
-            <a:extLst>
-              <a:ext uri="{FF2B5EF4-FFF2-40B4-BE49-F238E27FC236}">
-                <a16:creationId xmlns:a16="http://schemas.microsoft.com/office/drawing/2014/main" id="{6A9B3097-D779-634D-AD6A-C5633BCCFB22}"/>
-              </a:ext>
-            </a:extLst>
-          </p:cNvPr>
+            <a:endParaRPr lang="en-US" dirty="0"/>
+          </a:p>
+        </p:txBody>
+      </p:sp>
+      <p:sp>
+        <p:nvSpPr>
+          <p:cNvPr id="4" name="Date Placeholder 3"/>
           <p:cNvSpPr>
             <a:spLocks noGrp="1"/>
           </p:cNvSpPr>
@@ -259,7 +1318,7 @@
           <a:p>
             <a:fld id="{AB667D60-C70F-8545-8032-B49411841C93}" type="datetimeFigureOut">
               <a:rPr lang="en-US" smtClean="0"/>
-              <a:t>4/19/20</a:t>
+              <a:t>4/20/20</a:t>
             </a:fld>
             <a:endParaRPr lang="en-US"/>
           </a:p>
@@ -267,13 +1326,7 @@
       </p:sp>
       <p:sp>
         <p:nvSpPr>
-          <p:cNvPr id="5" name="Footer Placeholder 4">
-            <a:extLst>
-              <a:ext uri="{FF2B5EF4-FFF2-40B4-BE49-F238E27FC236}">
-                <a16:creationId xmlns:a16="http://schemas.microsoft.com/office/drawing/2014/main" id="{A94EDA02-127E-5F4D-9262-EBBC168B2623}"/>
-              </a:ext>
-            </a:extLst>
-          </p:cNvPr>
+          <p:cNvPr id="5" name="Footer Placeholder 4"/>
           <p:cNvSpPr>
             <a:spLocks noGrp="1"/>
           </p:cNvSpPr>
@@ -292,13 +1345,7 @@
       </p:sp>
       <p:sp>
         <p:nvSpPr>
-          <p:cNvPr id="6" name="Slide Number Placeholder 5">
-            <a:extLst>
-              <a:ext uri="{FF2B5EF4-FFF2-40B4-BE49-F238E27FC236}">
-                <a16:creationId xmlns:a16="http://schemas.microsoft.com/office/drawing/2014/main" id="{B2DF93BF-75F8-EB4B-A83D-C044D982B646}"/>
-              </a:ext>
-            </a:extLst>
-          </p:cNvPr>
+          <p:cNvPr id="6" name="Slide Number Placeholder 5"/>
           <p:cNvSpPr>
             <a:spLocks noGrp="1"/>
           </p:cNvSpPr>
@@ -322,7 +1369,7 @@
     </p:spTree>
     <p:extLst>
       <p:ext uri="{BB962C8B-B14F-4D97-AF65-F5344CB8AC3E}">
-        <p14:creationId xmlns:p14="http://schemas.microsoft.com/office/powerpoint/2010/main" val="1017893911"/>
+        <p14:creationId xmlns:p14="http://schemas.microsoft.com/office/powerpoint/2010/main" val="1655436078"/>
       </p:ext>
     </p:extLst>
   </p:cSld>
@@ -351,13 +1398,7 @@
       </p:grpSpPr>
       <p:sp>
         <p:nvSpPr>
-          <p:cNvPr id="2" name="Title 1">
-            <a:extLst>
-              <a:ext uri="{FF2B5EF4-FFF2-40B4-BE49-F238E27FC236}">
-                <a16:creationId xmlns:a16="http://schemas.microsoft.com/office/drawing/2014/main" id="{6D0B2F46-87AC-3C49-97E4-1E83ED0ABA11}"/>
-              </a:ext>
-            </a:extLst>
-          </p:cNvPr>
+          <p:cNvPr id="2" name="Title 1"/>
           <p:cNvSpPr>
             <a:spLocks noGrp="1"/>
           </p:cNvSpPr>
@@ -374,18 +1415,13 @@
               <a:rPr lang="en-US"/>
               <a:t>Click to edit Master title style</a:t>
             </a:r>
-          </a:p>
-        </p:txBody>
-      </p:sp>
-      <p:sp>
-        <p:nvSpPr>
-          <p:cNvPr id="3" name="Vertical Text Placeholder 2">
-            <a:extLst>
-              <a:ext uri="{FF2B5EF4-FFF2-40B4-BE49-F238E27FC236}">
-                <a16:creationId xmlns:a16="http://schemas.microsoft.com/office/drawing/2014/main" id="{42E39EF3-1D05-C448-82C5-6596E3DE61CA}"/>
-              </a:ext>
-            </a:extLst>
-          </p:cNvPr>
+            <a:endParaRPr lang="en-US" dirty="0"/>
+          </a:p>
+        </p:txBody>
+      </p:sp>
+      <p:sp>
+        <p:nvSpPr>
+          <p:cNvPr id="3" name="Vertical Text Placeholder 2"/>
           <p:cNvSpPr>
             <a:spLocks noGrp="1"/>
           </p:cNvSpPr>
@@ -431,18 +1467,13 @@
               <a:rPr lang="en-US"/>
               <a:t>Fifth level</a:t>
             </a:r>
-          </a:p>
-        </p:txBody>
-      </p:sp>
-      <p:sp>
-        <p:nvSpPr>
-          <p:cNvPr id="4" name="Date Placeholder 3">
-            <a:extLst>
-              <a:ext uri="{FF2B5EF4-FFF2-40B4-BE49-F238E27FC236}">
-                <a16:creationId xmlns:a16="http://schemas.microsoft.com/office/drawing/2014/main" id="{A1A80719-B7D0-B94E-8E51-BE776EDB5AC1}"/>
-              </a:ext>
-            </a:extLst>
-          </p:cNvPr>
+            <a:endParaRPr lang="en-US" dirty="0"/>
+          </a:p>
+        </p:txBody>
+      </p:sp>
+      <p:sp>
+        <p:nvSpPr>
+          <p:cNvPr id="4" name="Date Placeholder 3"/>
           <p:cNvSpPr>
             <a:spLocks noGrp="1"/>
           </p:cNvSpPr>
@@ -457,7 +1488,7 @@
           <a:p>
             <a:fld id="{AB667D60-C70F-8545-8032-B49411841C93}" type="datetimeFigureOut">
               <a:rPr lang="en-US" smtClean="0"/>
-              <a:t>4/19/20</a:t>
+              <a:t>4/20/20</a:t>
             </a:fld>
             <a:endParaRPr lang="en-US"/>
           </a:p>
@@ -465,13 +1496,7 @@
       </p:sp>
       <p:sp>
         <p:nvSpPr>
-          <p:cNvPr id="5" name="Footer Placeholder 4">
-            <a:extLst>
-              <a:ext uri="{FF2B5EF4-FFF2-40B4-BE49-F238E27FC236}">
-                <a16:creationId xmlns:a16="http://schemas.microsoft.com/office/drawing/2014/main" id="{A3869C25-68B6-4A48-8C52-C52940391F86}"/>
-              </a:ext>
-            </a:extLst>
-          </p:cNvPr>
+          <p:cNvPr id="5" name="Footer Placeholder 4"/>
           <p:cNvSpPr>
             <a:spLocks noGrp="1"/>
           </p:cNvSpPr>
@@ -490,13 +1515,7 @@
       </p:sp>
       <p:sp>
         <p:nvSpPr>
-          <p:cNvPr id="6" name="Slide Number Placeholder 5">
-            <a:extLst>
-              <a:ext uri="{FF2B5EF4-FFF2-40B4-BE49-F238E27FC236}">
-                <a16:creationId xmlns:a16="http://schemas.microsoft.com/office/drawing/2014/main" id="{1337700B-A869-4A49-8418-50BAF792D446}"/>
-              </a:ext>
-            </a:extLst>
-          </p:cNvPr>
+          <p:cNvPr id="6" name="Slide Number Placeholder 5"/>
           <p:cNvSpPr>
             <a:spLocks noGrp="1"/>
           </p:cNvSpPr>
@@ -520,7 +1539,7 @@
     </p:spTree>
     <p:extLst>
       <p:ext uri="{BB962C8B-B14F-4D97-AF65-F5344CB8AC3E}">
-        <p14:creationId xmlns:p14="http://schemas.microsoft.com/office/powerpoint/2010/main" val="3206008773"/>
+        <p14:creationId xmlns:p14="http://schemas.microsoft.com/office/powerpoint/2010/main" val="2761836920"/>
       </p:ext>
     </p:extLst>
   </p:cSld>
@@ -549,13 +1568,7 @@
       </p:grpSpPr>
       <p:sp>
         <p:nvSpPr>
-          <p:cNvPr id="2" name="Vertical Title 1">
-            <a:extLst>
-              <a:ext uri="{FF2B5EF4-FFF2-40B4-BE49-F238E27FC236}">
-                <a16:creationId xmlns:a16="http://schemas.microsoft.com/office/drawing/2014/main" id="{D345586D-FBD1-704E-9D69-8FA8FB6F76DF}"/>
-              </a:ext>
-            </a:extLst>
-          </p:cNvPr>
+          <p:cNvPr id="2" name="Vertical Title 1"/>
           <p:cNvSpPr>
             <a:spLocks noGrp="1"/>
           </p:cNvSpPr>
@@ -565,8 +1578,8 @@
         </p:nvSpPr>
         <p:spPr>
           <a:xfrm>
-            <a:off x="8724900" y="365125"/>
-            <a:ext cx="2628900" cy="5811838"/>
+            <a:off x="7655873" y="306722"/>
+            <a:ext cx="2306791" cy="4882213"/>
           </a:xfrm>
         </p:spPr>
         <p:txBody>
@@ -577,18 +1590,13 @@
               <a:rPr lang="en-US"/>
               <a:t>Click to edit Master title style</a:t>
             </a:r>
-          </a:p>
-        </p:txBody>
-      </p:sp>
-      <p:sp>
-        <p:nvSpPr>
-          <p:cNvPr id="3" name="Vertical Text Placeholder 2">
-            <a:extLst>
-              <a:ext uri="{FF2B5EF4-FFF2-40B4-BE49-F238E27FC236}">
-                <a16:creationId xmlns:a16="http://schemas.microsoft.com/office/drawing/2014/main" id="{75098D94-7A2C-CA40-A265-6C5E22045D7C}"/>
-              </a:ext>
-            </a:extLst>
-          </p:cNvPr>
+            <a:endParaRPr lang="en-US" dirty="0"/>
+          </a:p>
+        </p:txBody>
+      </p:sp>
+      <p:sp>
+        <p:nvSpPr>
+          <p:cNvPr id="3" name="Vertical Text Placeholder 2"/>
           <p:cNvSpPr>
             <a:spLocks noGrp="1"/>
           </p:cNvSpPr>
@@ -598,8 +1606,8 @@
         </p:nvSpPr>
         <p:spPr>
           <a:xfrm>
-            <a:off x="838200" y="365125"/>
-            <a:ext cx="7734300" cy="5811838"/>
+            <a:off x="735499" y="306722"/>
+            <a:ext cx="6786647" cy="4882213"/>
           </a:xfrm>
         </p:spPr>
         <p:txBody>
@@ -639,18 +1647,13 @@
               <a:rPr lang="en-US"/>
               <a:t>Fifth level</a:t>
             </a:r>
-          </a:p>
-        </p:txBody>
-      </p:sp>
-      <p:sp>
-        <p:nvSpPr>
-          <p:cNvPr id="4" name="Date Placeholder 3">
-            <a:extLst>
-              <a:ext uri="{FF2B5EF4-FFF2-40B4-BE49-F238E27FC236}">
-                <a16:creationId xmlns:a16="http://schemas.microsoft.com/office/drawing/2014/main" id="{8780FF0E-263D-A94D-AF61-14CE856B195E}"/>
-              </a:ext>
-            </a:extLst>
-          </p:cNvPr>
+            <a:endParaRPr lang="en-US" dirty="0"/>
+          </a:p>
+        </p:txBody>
+      </p:sp>
+      <p:sp>
+        <p:nvSpPr>
+          <p:cNvPr id="4" name="Date Placeholder 3"/>
           <p:cNvSpPr>
             <a:spLocks noGrp="1"/>
           </p:cNvSpPr>
@@ -665,7 +1668,7 @@
           <a:p>
             <a:fld id="{AB667D60-C70F-8545-8032-B49411841C93}" type="datetimeFigureOut">
               <a:rPr lang="en-US" smtClean="0"/>
-              <a:t>4/19/20</a:t>
+              <a:t>4/20/20</a:t>
             </a:fld>
             <a:endParaRPr lang="en-US"/>
           </a:p>
@@ -673,13 +1676,7 @@
       </p:sp>
       <p:sp>
         <p:nvSpPr>
-          <p:cNvPr id="5" name="Footer Placeholder 4">
-            <a:extLst>
-              <a:ext uri="{FF2B5EF4-FFF2-40B4-BE49-F238E27FC236}">
-                <a16:creationId xmlns:a16="http://schemas.microsoft.com/office/drawing/2014/main" id="{74EA75AF-385A-D54D-BD8F-4B36D31DC31A}"/>
-              </a:ext>
-            </a:extLst>
-          </p:cNvPr>
+          <p:cNvPr id="5" name="Footer Placeholder 4"/>
           <p:cNvSpPr>
             <a:spLocks noGrp="1"/>
           </p:cNvSpPr>
@@ -698,13 +1695,7 @@
       </p:sp>
       <p:sp>
         <p:nvSpPr>
-          <p:cNvPr id="6" name="Slide Number Placeholder 5">
-            <a:extLst>
-              <a:ext uri="{FF2B5EF4-FFF2-40B4-BE49-F238E27FC236}">
-                <a16:creationId xmlns:a16="http://schemas.microsoft.com/office/drawing/2014/main" id="{FDFAF1C5-89B4-934C-9E90-7A8240843196}"/>
-              </a:ext>
-            </a:extLst>
-          </p:cNvPr>
+          <p:cNvPr id="6" name="Slide Number Placeholder 5"/>
           <p:cNvSpPr>
             <a:spLocks noGrp="1"/>
           </p:cNvSpPr>
@@ -728,7 +1719,7 @@
     </p:spTree>
     <p:extLst>
       <p:ext uri="{BB962C8B-B14F-4D97-AF65-F5344CB8AC3E}">
-        <p14:creationId xmlns:p14="http://schemas.microsoft.com/office/powerpoint/2010/main" val="2211743269"/>
+        <p14:creationId xmlns:p14="http://schemas.microsoft.com/office/powerpoint/2010/main" val="2451988534"/>
       </p:ext>
     </p:extLst>
   </p:cSld>
@@ -757,13 +1748,7 @@
       </p:grpSpPr>
       <p:sp>
         <p:nvSpPr>
-          <p:cNvPr id="2" name="Title 1">
-            <a:extLst>
-              <a:ext uri="{FF2B5EF4-FFF2-40B4-BE49-F238E27FC236}">
-                <a16:creationId xmlns:a16="http://schemas.microsoft.com/office/drawing/2014/main" id="{77084F40-270E-CF48-9139-FA98C9860D39}"/>
-              </a:ext>
-            </a:extLst>
-          </p:cNvPr>
+          <p:cNvPr id="2" name="Title 1"/>
           <p:cNvSpPr>
             <a:spLocks noGrp="1"/>
           </p:cNvSpPr>
@@ -780,18 +1765,13 @@
               <a:rPr lang="en-US"/>
               <a:t>Click to edit Master title style</a:t>
             </a:r>
-          </a:p>
-        </p:txBody>
-      </p:sp>
-      <p:sp>
-        <p:nvSpPr>
-          <p:cNvPr id="3" name="Content Placeholder 2">
-            <a:extLst>
-              <a:ext uri="{FF2B5EF4-FFF2-40B4-BE49-F238E27FC236}">
-                <a16:creationId xmlns:a16="http://schemas.microsoft.com/office/drawing/2014/main" id="{BF10D2A7-5D5D-284D-8471-5DF20D45CB98}"/>
-              </a:ext>
-            </a:extLst>
-          </p:cNvPr>
+            <a:endParaRPr lang="en-US" dirty="0"/>
+          </a:p>
+        </p:txBody>
+      </p:sp>
+      <p:sp>
+        <p:nvSpPr>
+          <p:cNvPr id="3" name="Content Placeholder 2"/>
           <p:cNvSpPr>
             <a:spLocks noGrp="1"/>
           </p:cNvSpPr>
@@ -837,18 +1817,13 @@
               <a:rPr lang="en-US"/>
               <a:t>Fifth level</a:t>
             </a:r>
-          </a:p>
-        </p:txBody>
-      </p:sp>
-      <p:sp>
-        <p:nvSpPr>
-          <p:cNvPr id="4" name="Date Placeholder 3">
-            <a:extLst>
-              <a:ext uri="{FF2B5EF4-FFF2-40B4-BE49-F238E27FC236}">
-                <a16:creationId xmlns:a16="http://schemas.microsoft.com/office/drawing/2014/main" id="{75B15E54-DBB6-AF48-8001-A93B7A984950}"/>
-              </a:ext>
-            </a:extLst>
-          </p:cNvPr>
+            <a:endParaRPr lang="en-US" dirty="0"/>
+          </a:p>
+        </p:txBody>
+      </p:sp>
+      <p:sp>
+        <p:nvSpPr>
+          <p:cNvPr id="4" name="Date Placeholder 3"/>
           <p:cNvSpPr>
             <a:spLocks noGrp="1"/>
           </p:cNvSpPr>
@@ -863,7 +1838,7 @@
           <a:p>
             <a:fld id="{AB667D60-C70F-8545-8032-B49411841C93}" type="datetimeFigureOut">
               <a:rPr lang="en-US" smtClean="0"/>
-              <a:t>4/19/20</a:t>
+              <a:t>4/20/20</a:t>
             </a:fld>
             <a:endParaRPr lang="en-US"/>
           </a:p>
@@ -871,13 +1846,7 @@
       </p:sp>
       <p:sp>
         <p:nvSpPr>
-          <p:cNvPr id="5" name="Footer Placeholder 4">
-            <a:extLst>
-              <a:ext uri="{FF2B5EF4-FFF2-40B4-BE49-F238E27FC236}">
-                <a16:creationId xmlns:a16="http://schemas.microsoft.com/office/drawing/2014/main" id="{007C5B0F-BD33-6B4D-A8F9-661A037608CB}"/>
-              </a:ext>
-            </a:extLst>
-          </p:cNvPr>
+          <p:cNvPr id="5" name="Footer Placeholder 4"/>
           <p:cNvSpPr>
             <a:spLocks noGrp="1"/>
           </p:cNvSpPr>
@@ -896,13 +1865,7 @@
       </p:sp>
       <p:sp>
         <p:nvSpPr>
-          <p:cNvPr id="6" name="Slide Number Placeholder 5">
-            <a:extLst>
-              <a:ext uri="{FF2B5EF4-FFF2-40B4-BE49-F238E27FC236}">
-                <a16:creationId xmlns:a16="http://schemas.microsoft.com/office/drawing/2014/main" id="{0C20A5CB-28E6-C341-8182-2105CE4EB5AC}"/>
-              </a:ext>
-            </a:extLst>
-          </p:cNvPr>
+          <p:cNvPr id="6" name="Slide Number Placeholder 5"/>
           <p:cNvSpPr>
             <a:spLocks noGrp="1"/>
           </p:cNvSpPr>
@@ -926,7 +1889,7 @@
     </p:spTree>
     <p:extLst>
       <p:ext uri="{BB962C8B-B14F-4D97-AF65-F5344CB8AC3E}">
-        <p14:creationId xmlns:p14="http://schemas.microsoft.com/office/powerpoint/2010/main" val="649627689"/>
+        <p14:creationId xmlns:p14="http://schemas.microsoft.com/office/powerpoint/2010/main" val="2827930143"/>
       </p:ext>
     </p:extLst>
   </p:cSld>
@@ -955,13 +1918,7 @@
       </p:grpSpPr>
       <p:sp>
         <p:nvSpPr>
-          <p:cNvPr id="2" name="Title 1">
-            <a:extLst>
-              <a:ext uri="{FF2B5EF4-FFF2-40B4-BE49-F238E27FC236}">
-                <a16:creationId xmlns:a16="http://schemas.microsoft.com/office/drawing/2014/main" id="{BDAAB882-A65A-6044-9C90-717C4608FC27}"/>
-              </a:ext>
-            </a:extLst>
-          </p:cNvPr>
+          <p:cNvPr id="2" name="Title 1"/>
           <p:cNvSpPr>
             <a:spLocks noGrp="1"/>
           </p:cNvSpPr>
@@ -971,15 +1928,15 @@
         </p:nvSpPr>
         <p:spPr>
           <a:xfrm>
-            <a:off x="831850" y="1709738"/>
-            <a:ext cx="10515600" cy="2852737"/>
+            <a:off x="729927" y="1436260"/>
+            <a:ext cx="9227166" cy="2396431"/>
           </a:xfrm>
         </p:spPr>
         <p:txBody>
           <a:bodyPr anchor="b"/>
           <a:lstStyle>
             <a:lvl1pPr>
-              <a:defRPr sz="6000"/>
+              <a:defRPr sz="5040"/>
             </a:lvl1pPr>
           </a:lstStyle>
           <a:p>
@@ -987,18 +1944,13 @@
               <a:rPr lang="en-US"/>
               <a:t>Click to edit Master title style</a:t>
             </a:r>
-          </a:p>
-        </p:txBody>
-      </p:sp>
-      <p:sp>
-        <p:nvSpPr>
-          <p:cNvPr id="3" name="Text Placeholder 2">
-            <a:extLst>
-              <a:ext uri="{FF2B5EF4-FFF2-40B4-BE49-F238E27FC236}">
-                <a16:creationId xmlns:a16="http://schemas.microsoft.com/office/drawing/2014/main" id="{78025813-3119-674F-91F3-E10F86C45E27}"/>
-              </a:ext>
-            </a:extLst>
-          </p:cNvPr>
+            <a:endParaRPr lang="en-US" dirty="0"/>
+          </a:p>
+        </p:txBody>
+      </p:sp>
+      <p:sp>
+        <p:nvSpPr>
+          <p:cNvPr id="3" name="Text Placeholder 2"/>
           <p:cNvSpPr>
             <a:spLocks noGrp="1"/>
           </p:cNvSpPr>
@@ -1008,8 +1960,8 @@
         </p:nvSpPr>
         <p:spPr>
           <a:xfrm>
-            <a:off x="831850" y="4589463"/>
-            <a:ext cx="10515600" cy="1500187"/>
+            <a:off x="729927" y="3855362"/>
+            <a:ext cx="9227166" cy="1260227"/>
           </a:xfrm>
         </p:spPr>
         <p:txBody>
@@ -1017,7 +1969,7 @@
           <a:lstStyle>
             <a:lvl1pPr marL="0" indent="0">
               <a:buNone/>
-              <a:defRPr sz="2400">
+              <a:defRPr sz="2016">
                 <a:solidFill>
                   <a:schemeClr val="tx1">
                     <a:tint val="75000"/>
@@ -1025,9 +1977,9 @@
                 </a:solidFill>
               </a:defRPr>
             </a:lvl1pPr>
-            <a:lvl2pPr marL="457200" indent="0">
-              <a:buNone/>
-              <a:defRPr sz="2000">
+            <a:lvl2pPr marL="384048" indent="0">
+              <a:buNone/>
+              <a:defRPr sz="1680">
                 <a:solidFill>
                   <a:schemeClr val="tx1">
                     <a:tint val="75000"/>
@@ -1035,9 +1987,9 @@
                 </a:solidFill>
               </a:defRPr>
             </a:lvl2pPr>
-            <a:lvl3pPr marL="914400" indent="0">
-              <a:buNone/>
-              <a:defRPr sz="1800">
+            <a:lvl3pPr marL="768096" indent="0">
+              <a:buNone/>
+              <a:defRPr sz="1512">
                 <a:solidFill>
                   <a:schemeClr val="tx1">
                     <a:tint val="75000"/>
@@ -1045,9 +1997,9 @@
                 </a:solidFill>
               </a:defRPr>
             </a:lvl3pPr>
-            <a:lvl4pPr marL="1371600" indent="0">
-              <a:buNone/>
-              <a:defRPr sz="1600">
+            <a:lvl4pPr marL="1152144" indent="0">
+              <a:buNone/>
+              <a:defRPr sz="1344">
                 <a:solidFill>
                   <a:schemeClr val="tx1">
                     <a:tint val="75000"/>
@@ -1055,9 +2007,9 @@
                 </a:solidFill>
               </a:defRPr>
             </a:lvl4pPr>
-            <a:lvl5pPr marL="1828800" indent="0">
-              <a:buNone/>
-              <a:defRPr sz="1600">
+            <a:lvl5pPr marL="1536192" indent="0">
+              <a:buNone/>
+              <a:defRPr sz="1344">
                 <a:solidFill>
                   <a:schemeClr val="tx1">
                     <a:tint val="75000"/>
@@ -1065,9 +2017,9 @@
                 </a:solidFill>
               </a:defRPr>
             </a:lvl5pPr>
-            <a:lvl6pPr marL="2286000" indent="0">
-              <a:buNone/>
-              <a:defRPr sz="1600">
+            <a:lvl6pPr marL="1920240" indent="0">
+              <a:buNone/>
+              <a:defRPr sz="1344">
                 <a:solidFill>
                   <a:schemeClr val="tx1">
                     <a:tint val="75000"/>
@@ -1075,9 +2027,9 @@
                 </a:solidFill>
               </a:defRPr>
             </a:lvl6pPr>
-            <a:lvl7pPr marL="2743200" indent="0">
-              <a:buNone/>
-              <a:defRPr sz="1600">
+            <a:lvl7pPr marL="2304288" indent="0">
+              <a:buNone/>
+              <a:defRPr sz="1344">
                 <a:solidFill>
                   <a:schemeClr val="tx1">
                     <a:tint val="75000"/>
@@ -1085,9 +2037,9 @@
                 </a:solidFill>
               </a:defRPr>
             </a:lvl7pPr>
-            <a:lvl8pPr marL="3200400" indent="0">
-              <a:buNone/>
-              <a:defRPr sz="1600">
+            <a:lvl8pPr marL="2688336" indent="0">
+              <a:buNone/>
+              <a:defRPr sz="1344">
                 <a:solidFill>
                   <a:schemeClr val="tx1">
                     <a:tint val="75000"/>
@@ -1095,9 +2047,9 @@
                 </a:solidFill>
               </a:defRPr>
             </a:lvl8pPr>
-            <a:lvl9pPr marL="3657600" indent="0">
-              <a:buNone/>
-              <a:defRPr sz="1600">
+            <a:lvl9pPr marL="3072384" indent="0">
+              <a:buNone/>
+              <a:defRPr sz="1344">
                 <a:solidFill>
                   <a:schemeClr val="tx1">
                     <a:tint val="75000"/>
@@ -1117,13 +2069,7 @@
       </p:sp>
       <p:sp>
         <p:nvSpPr>
-          <p:cNvPr id="4" name="Date Placeholder 3">
-            <a:extLst>
-              <a:ext uri="{FF2B5EF4-FFF2-40B4-BE49-F238E27FC236}">
-                <a16:creationId xmlns:a16="http://schemas.microsoft.com/office/drawing/2014/main" id="{76B020EC-B520-EF4F-84DC-AA4CD13B77DF}"/>
-              </a:ext>
-            </a:extLst>
-          </p:cNvPr>
+          <p:cNvPr id="4" name="Date Placeholder 3"/>
           <p:cNvSpPr>
             <a:spLocks noGrp="1"/>
           </p:cNvSpPr>
@@ -1138,7 +2084,7 @@
           <a:p>
             <a:fld id="{AB667D60-C70F-8545-8032-B49411841C93}" type="datetimeFigureOut">
               <a:rPr lang="en-US" smtClean="0"/>
-              <a:t>4/19/20</a:t>
+              <a:t>4/20/20</a:t>
             </a:fld>
             <a:endParaRPr lang="en-US"/>
           </a:p>
@@ -1146,13 +2092,7 @@
       </p:sp>
       <p:sp>
         <p:nvSpPr>
-          <p:cNvPr id="5" name="Footer Placeholder 4">
-            <a:extLst>
-              <a:ext uri="{FF2B5EF4-FFF2-40B4-BE49-F238E27FC236}">
-                <a16:creationId xmlns:a16="http://schemas.microsoft.com/office/drawing/2014/main" id="{9E77DD5D-2BB1-B542-AADB-D121AF8803EC}"/>
-              </a:ext>
-            </a:extLst>
-          </p:cNvPr>
+          <p:cNvPr id="5" name="Footer Placeholder 4"/>
           <p:cNvSpPr>
             <a:spLocks noGrp="1"/>
           </p:cNvSpPr>
@@ -1171,13 +2111,7 @@
       </p:sp>
       <p:sp>
         <p:nvSpPr>
-          <p:cNvPr id="6" name="Slide Number Placeholder 5">
-            <a:extLst>
-              <a:ext uri="{FF2B5EF4-FFF2-40B4-BE49-F238E27FC236}">
-                <a16:creationId xmlns:a16="http://schemas.microsoft.com/office/drawing/2014/main" id="{FD173A7D-7DA6-3449-A63E-16C861A3C649}"/>
-              </a:ext>
-            </a:extLst>
-          </p:cNvPr>
+          <p:cNvPr id="6" name="Slide Number Placeholder 5"/>
           <p:cNvSpPr>
             <a:spLocks noGrp="1"/>
           </p:cNvSpPr>
@@ -1201,7 +2135,7 @@
     </p:spTree>
     <p:extLst>
       <p:ext uri="{BB962C8B-B14F-4D97-AF65-F5344CB8AC3E}">
-        <p14:creationId xmlns:p14="http://schemas.microsoft.com/office/powerpoint/2010/main" val="337736597"/>
+        <p14:creationId xmlns:p14="http://schemas.microsoft.com/office/powerpoint/2010/main" val="2276538282"/>
       </p:ext>
     </p:extLst>
   </p:cSld>
@@ -1230,13 +2164,7 @@
       </p:grpSpPr>
       <p:sp>
         <p:nvSpPr>
-          <p:cNvPr id="2" name="Title 1">
-            <a:extLst>
-              <a:ext uri="{FF2B5EF4-FFF2-40B4-BE49-F238E27FC236}">
-                <a16:creationId xmlns:a16="http://schemas.microsoft.com/office/drawing/2014/main" id="{BF95C171-7AF2-D343-BD08-D1121BA6C38D}"/>
-              </a:ext>
-            </a:extLst>
-          </p:cNvPr>
+          <p:cNvPr id="2" name="Title 1"/>
           <p:cNvSpPr>
             <a:spLocks noGrp="1"/>
           </p:cNvSpPr>
@@ -1253,18 +2181,13 @@
               <a:rPr lang="en-US"/>
               <a:t>Click to edit Master title style</a:t>
             </a:r>
-          </a:p>
-        </p:txBody>
-      </p:sp>
-      <p:sp>
-        <p:nvSpPr>
-          <p:cNvPr id="3" name="Content Placeholder 2">
-            <a:extLst>
-              <a:ext uri="{FF2B5EF4-FFF2-40B4-BE49-F238E27FC236}">
-                <a16:creationId xmlns:a16="http://schemas.microsoft.com/office/drawing/2014/main" id="{99FB3456-61C4-204D-960B-F5B97BB7628A}"/>
-              </a:ext>
-            </a:extLst>
-          </p:cNvPr>
+            <a:endParaRPr lang="en-US" dirty="0"/>
+          </a:p>
+        </p:txBody>
+      </p:sp>
+      <p:sp>
+        <p:nvSpPr>
+          <p:cNvPr id="3" name="Content Placeholder 2"/>
           <p:cNvSpPr>
             <a:spLocks noGrp="1"/>
           </p:cNvSpPr>
@@ -1274,8 +2197,8 @@
         </p:nvSpPr>
         <p:spPr>
           <a:xfrm>
-            <a:off x="838200" y="1825625"/>
-            <a:ext cx="5181600" cy="4351338"/>
+            <a:off x="735499" y="1533609"/>
+            <a:ext cx="4546719" cy="3655326"/>
           </a:xfrm>
         </p:spPr>
         <p:txBody>
@@ -1315,18 +2238,13 @@
               <a:rPr lang="en-US"/>
               <a:t>Fifth level</a:t>
             </a:r>
-          </a:p>
-        </p:txBody>
-      </p:sp>
-      <p:sp>
-        <p:nvSpPr>
-          <p:cNvPr id="4" name="Content Placeholder 3">
-            <a:extLst>
-              <a:ext uri="{FF2B5EF4-FFF2-40B4-BE49-F238E27FC236}">
-                <a16:creationId xmlns:a16="http://schemas.microsoft.com/office/drawing/2014/main" id="{A00CCAE7-DE4F-F644-9382-73206C8E555A}"/>
-              </a:ext>
-            </a:extLst>
-          </p:cNvPr>
+            <a:endParaRPr lang="en-US" dirty="0"/>
+          </a:p>
+        </p:txBody>
+      </p:sp>
+      <p:sp>
+        <p:nvSpPr>
+          <p:cNvPr id="4" name="Content Placeholder 3"/>
           <p:cNvSpPr>
             <a:spLocks noGrp="1"/>
           </p:cNvSpPr>
@@ -1336,8 +2254,8 @@
         </p:nvSpPr>
         <p:spPr>
           <a:xfrm>
-            <a:off x="6172200" y="1825625"/>
-            <a:ext cx="5181600" cy="4351338"/>
+            <a:off x="5415945" y="1533609"/>
+            <a:ext cx="4546719" cy="3655326"/>
           </a:xfrm>
         </p:spPr>
         <p:txBody>
@@ -1377,18 +2295,13 @@
               <a:rPr lang="en-US"/>
               <a:t>Fifth level</a:t>
             </a:r>
-          </a:p>
-        </p:txBody>
-      </p:sp>
-      <p:sp>
-        <p:nvSpPr>
-          <p:cNvPr id="5" name="Date Placeholder 4">
-            <a:extLst>
-              <a:ext uri="{FF2B5EF4-FFF2-40B4-BE49-F238E27FC236}">
-                <a16:creationId xmlns:a16="http://schemas.microsoft.com/office/drawing/2014/main" id="{F60F086F-D23D-144A-BC30-F38F2A846FFE}"/>
-              </a:ext>
-            </a:extLst>
-          </p:cNvPr>
+            <a:endParaRPr lang="en-US" dirty="0"/>
+          </a:p>
+        </p:txBody>
+      </p:sp>
+      <p:sp>
+        <p:nvSpPr>
+          <p:cNvPr id="5" name="Date Placeholder 4"/>
           <p:cNvSpPr>
             <a:spLocks noGrp="1"/>
           </p:cNvSpPr>
@@ -1403,7 +2316,7 @@
           <a:p>
             <a:fld id="{AB667D60-C70F-8545-8032-B49411841C93}" type="datetimeFigureOut">
               <a:rPr lang="en-US" smtClean="0"/>
-              <a:t>4/19/20</a:t>
+              <a:t>4/20/20</a:t>
             </a:fld>
             <a:endParaRPr lang="en-US"/>
           </a:p>
@@ -1411,13 +2324,7 @@
       </p:sp>
       <p:sp>
         <p:nvSpPr>
-          <p:cNvPr id="6" name="Footer Placeholder 5">
-            <a:extLst>
-              <a:ext uri="{FF2B5EF4-FFF2-40B4-BE49-F238E27FC236}">
-                <a16:creationId xmlns:a16="http://schemas.microsoft.com/office/drawing/2014/main" id="{6BEAB00D-85DE-0E46-A7F6-30AD2B63322C}"/>
-              </a:ext>
-            </a:extLst>
-          </p:cNvPr>
+          <p:cNvPr id="6" name="Footer Placeholder 5"/>
           <p:cNvSpPr>
             <a:spLocks noGrp="1"/>
           </p:cNvSpPr>
@@ -1436,13 +2343,7 @@
       </p:sp>
       <p:sp>
         <p:nvSpPr>
-          <p:cNvPr id="7" name="Slide Number Placeholder 6">
-            <a:extLst>
-              <a:ext uri="{FF2B5EF4-FFF2-40B4-BE49-F238E27FC236}">
-                <a16:creationId xmlns:a16="http://schemas.microsoft.com/office/drawing/2014/main" id="{EA4A6F17-21F5-3B4E-92E8-10272FB3371A}"/>
-              </a:ext>
-            </a:extLst>
-          </p:cNvPr>
+          <p:cNvPr id="7" name="Slide Number Placeholder 6"/>
           <p:cNvSpPr>
             <a:spLocks noGrp="1"/>
           </p:cNvSpPr>
@@ -1466,7 +2367,7 @@
     </p:spTree>
     <p:extLst>
       <p:ext uri="{BB962C8B-B14F-4D97-AF65-F5344CB8AC3E}">
-        <p14:creationId xmlns:p14="http://schemas.microsoft.com/office/powerpoint/2010/main" val="3722682389"/>
+        <p14:creationId xmlns:p14="http://schemas.microsoft.com/office/powerpoint/2010/main" val="3842093161"/>
       </p:ext>
     </p:extLst>
   </p:cSld>
@@ -1495,13 +2396,7 @@
       </p:grpSpPr>
       <p:sp>
         <p:nvSpPr>
-          <p:cNvPr id="2" name="Title 1">
-            <a:extLst>
-              <a:ext uri="{FF2B5EF4-FFF2-40B4-BE49-F238E27FC236}">
-                <a16:creationId xmlns:a16="http://schemas.microsoft.com/office/drawing/2014/main" id="{4D794CE9-17BC-4745-BAB0-5F52754D7629}"/>
-              </a:ext>
-            </a:extLst>
-          </p:cNvPr>
+          <p:cNvPr id="2" name="Title 1"/>
           <p:cNvSpPr>
             <a:spLocks noGrp="1"/>
           </p:cNvSpPr>
@@ -1511,8 +2406,8 @@
         </p:nvSpPr>
         <p:spPr>
           <a:xfrm>
-            <a:off x="839788" y="365125"/>
-            <a:ext cx="10515600" cy="1325563"/>
+            <a:off x="736892" y="306723"/>
+            <a:ext cx="9227166" cy="1113534"/>
           </a:xfrm>
         </p:spPr>
         <p:txBody>
@@ -1523,18 +2418,13 @@
               <a:rPr lang="en-US"/>
               <a:t>Click to edit Master title style</a:t>
             </a:r>
-          </a:p>
-        </p:txBody>
-      </p:sp>
-      <p:sp>
-        <p:nvSpPr>
-          <p:cNvPr id="3" name="Text Placeholder 2">
-            <a:extLst>
-              <a:ext uri="{FF2B5EF4-FFF2-40B4-BE49-F238E27FC236}">
-                <a16:creationId xmlns:a16="http://schemas.microsoft.com/office/drawing/2014/main" id="{36207B7B-3F2A-5F41-95BA-5DD2884174C1}"/>
-              </a:ext>
-            </a:extLst>
-          </p:cNvPr>
+            <a:endParaRPr lang="en-US" dirty="0"/>
+          </a:p>
+        </p:txBody>
+      </p:sp>
+      <p:sp>
+        <p:nvSpPr>
+          <p:cNvPr id="3" name="Text Placeholder 2"/>
           <p:cNvSpPr>
             <a:spLocks noGrp="1"/>
           </p:cNvSpPr>
@@ -1544,8 +2434,8 @@
         </p:nvSpPr>
         <p:spPr>
           <a:xfrm>
-            <a:off x="839788" y="1681163"/>
-            <a:ext cx="5157787" cy="823912"/>
+            <a:off x="736893" y="1412255"/>
+            <a:ext cx="4525824" cy="692124"/>
           </a:xfrm>
         </p:spPr>
         <p:txBody>
@@ -1553,39 +2443,39 @@
           <a:lstStyle>
             <a:lvl1pPr marL="0" indent="0">
               <a:buNone/>
-              <a:defRPr sz="2400" b="1"/>
+              <a:defRPr sz="2016" b="1"/>
             </a:lvl1pPr>
-            <a:lvl2pPr marL="457200" indent="0">
-              <a:buNone/>
-              <a:defRPr sz="2000" b="1"/>
+            <a:lvl2pPr marL="384048" indent="0">
+              <a:buNone/>
+              <a:defRPr sz="1680" b="1"/>
             </a:lvl2pPr>
-            <a:lvl3pPr marL="914400" indent="0">
-              <a:buNone/>
-              <a:defRPr sz="1800" b="1"/>
+            <a:lvl3pPr marL="768096" indent="0">
+              <a:buNone/>
+              <a:defRPr sz="1512" b="1"/>
             </a:lvl3pPr>
-            <a:lvl4pPr marL="1371600" indent="0">
-              <a:buNone/>
-              <a:defRPr sz="1600" b="1"/>
+            <a:lvl4pPr marL="1152144" indent="0">
+              <a:buNone/>
+              <a:defRPr sz="1344" b="1"/>
             </a:lvl4pPr>
-            <a:lvl5pPr marL="1828800" indent="0">
-              <a:buNone/>
-              <a:defRPr sz="1600" b="1"/>
+            <a:lvl5pPr marL="1536192" indent="0">
+              <a:buNone/>
+              <a:defRPr sz="1344" b="1"/>
             </a:lvl5pPr>
-            <a:lvl6pPr marL="2286000" indent="0">
-              <a:buNone/>
-              <a:defRPr sz="1600" b="1"/>
+            <a:lvl6pPr marL="1920240" indent="0">
+              <a:buNone/>
+              <a:defRPr sz="1344" b="1"/>
             </a:lvl6pPr>
-            <a:lvl7pPr marL="2743200" indent="0">
-              <a:buNone/>
-              <a:defRPr sz="1600" b="1"/>
+            <a:lvl7pPr marL="2304288" indent="0">
+              <a:buNone/>
+              <a:defRPr sz="1344" b="1"/>
             </a:lvl7pPr>
-            <a:lvl8pPr marL="3200400" indent="0">
-              <a:buNone/>
-              <a:defRPr sz="1600" b="1"/>
+            <a:lvl8pPr marL="2688336" indent="0">
+              <a:buNone/>
+              <a:defRPr sz="1344" b="1"/>
             </a:lvl8pPr>
-            <a:lvl9pPr marL="3657600" indent="0">
-              <a:buNone/>
-              <a:defRPr sz="1600" b="1"/>
+            <a:lvl9pPr marL="3072384" indent="0">
+              <a:buNone/>
+              <a:defRPr sz="1344" b="1"/>
             </a:lvl9pPr>
           </a:lstStyle>
           <a:p>
@@ -1599,13 +2489,7 @@
       </p:sp>
       <p:sp>
         <p:nvSpPr>
-          <p:cNvPr id="4" name="Content Placeholder 3">
-            <a:extLst>
-              <a:ext uri="{FF2B5EF4-FFF2-40B4-BE49-F238E27FC236}">
-                <a16:creationId xmlns:a16="http://schemas.microsoft.com/office/drawing/2014/main" id="{2C64AB71-AC4F-8D46-AAA0-AA2D0BFE63B6}"/>
-              </a:ext>
-            </a:extLst>
-          </p:cNvPr>
+          <p:cNvPr id="4" name="Content Placeholder 3"/>
           <p:cNvSpPr>
             <a:spLocks noGrp="1"/>
           </p:cNvSpPr>
@@ -1615,8 +2499,8 @@
         </p:nvSpPr>
         <p:spPr>
           <a:xfrm>
-            <a:off x="839788" y="2505075"/>
-            <a:ext cx="5157787" cy="3684588"/>
+            <a:off x="736893" y="2104379"/>
+            <a:ext cx="4525824" cy="3095225"/>
           </a:xfrm>
         </p:spPr>
         <p:txBody>
@@ -1656,18 +2540,13 @@
               <a:rPr lang="en-US"/>
               <a:t>Fifth level</a:t>
             </a:r>
-          </a:p>
-        </p:txBody>
-      </p:sp>
-      <p:sp>
-        <p:nvSpPr>
-          <p:cNvPr id="5" name="Text Placeholder 4">
-            <a:extLst>
-              <a:ext uri="{FF2B5EF4-FFF2-40B4-BE49-F238E27FC236}">
-                <a16:creationId xmlns:a16="http://schemas.microsoft.com/office/drawing/2014/main" id="{0B381EB1-481A-E942-91D5-F5A14274092B}"/>
-              </a:ext>
-            </a:extLst>
-          </p:cNvPr>
+            <a:endParaRPr lang="en-US" dirty="0"/>
+          </a:p>
+        </p:txBody>
+      </p:sp>
+      <p:sp>
+        <p:nvSpPr>
+          <p:cNvPr id="5" name="Text Placeholder 4"/>
           <p:cNvSpPr>
             <a:spLocks noGrp="1"/>
           </p:cNvSpPr>
@@ -1677,8 +2556,8 @@
         </p:nvSpPr>
         <p:spPr>
           <a:xfrm>
-            <a:off x="6172200" y="1681163"/>
-            <a:ext cx="5183188" cy="823912"/>
+            <a:off x="5415945" y="1412255"/>
+            <a:ext cx="4548113" cy="692124"/>
           </a:xfrm>
         </p:spPr>
         <p:txBody>
@@ -1686,39 +2565,39 @@
           <a:lstStyle>
             <a:lvl1pPr marL="0" indent="0">
               <a:buNone/>
-              <a:defRPr sz="2400" b="1"/>
+              <a:defRPr sz="2016" b="1"/>
             </a:lvl1pPr>
-            <a:lvl2pPr marL="457200" indent="0">
-              <a:buNone/>
-              <a:defRPr sz="2000" b="1"/>
+            <a:lvl2pPr marL="384048" indent="0">
+              <a:buNone/>
+              <a:defRPr sz="1680" b="1"/>
             </a:lvl2pPr>
-            <a:lvl3pPr marL="914400" indent="0">
-              <a:buNone/>
-              <a:defRPr sz="1800" b="1"/>
+            <a:lvl3pPr marL="768096" indent="0">
+              <a:buNone/>
+              <a:defRPr sz="1512" b="1"/>
             </a:lvl3pPr>
-            <a:lvl4pPr marL="1371600" indent="0">
-              <a:buNone/>
-              <a:defRPr sz="1600" b="1"/>
+            <a:lvl4pPr marL="1152144" indent="0">
+              <a:buNone/>
+              <a:defRPr sz="1344" b="1"/>
             </a:lvl4pPr>
-            <a:lvl5pPr marL="1828800" indent="0">
-              <a:buNone/>
-              <a:defRPr sz="1600" b="1"/>
+            <a:lvl5pPr marL="1536192" indent="0">
+              <a:buNone/>
+              <a:defRPr sz="1344" b="1"/>
             </a:lvl5pPr>
-            <a:lvl6pPr marL="2286000" indent="0">
-              <a:buNone/>
-              <a:defRPr sz="1600" b="1"/>
+            <a:lvl6pPr marL="1920240" indent="0">
+              <a:buNone/>
+              <a:defRPr sz="1344" b="1"/>
             </a:lvl6pPr>
-            <a:lvl7pPr marL="2743200" indent="0">
-              <a:buNone/>
-              <a:defRPr sz="1600" b="1"/>
+            <a:lvl7pPr marL="2304288" indent="0">
+              <a:buNone/>
+              <a:defRPr sz="1344" b="1"/>
             </a:lvl7pPr>
-            <a:lvl8pPr marL="3200400" indent="0">
-              <a:buNone/>
-              <a:defRPr sz="1600" b="1"/>
+            <a:lvl8pPr marL="2688336" indent="0">
+              <a:buNone/>
+              <a:defRPr sz="1344" b="1"/>
             </a:lvl8pPr>
-            <a:lvl9pPr marL="3657600" indent="0">
-              <a:buNone/>
-              <a:defRPr sz="1600" b="1"/>
+            <a:lvl9pPr marL="3072384" indent="0">
+              <a:buNone/>
+              <a:defRPr sz="1344" b="1"/>
             </a:lvl9pPr>
           </a:lstStyle>
           <a:p>
@@ -1732,13 +2611,7 @@
       </p:sp>
       <p:sp>
         <p:nvSpPr>
-          <p:cNvPr id="6" name="Content Placeholder 5">
-            <a:extLst>
-              <a:ext uri="{FF2B5EF4-FFF2-40B4-BE49-F238E27FC236}">
-                <a16:creationId xmlns:a16="http://schemas.microsoft.com/office/drawing/2014/main" id="{6BAF7C8E-D7EE-E44A-A082-432EB67549E2}"/>
-              </a:ext>
-            </a:extLst>
-          </p:cNvPr>
+          <p:cNvPr id="6" name="Content Placeholder 5"/>
           <p:cNvSpPr>
             <a:spLocks noGrp="1"/>
           </p:cNvSpPr>
@@ -1748,8 +2621,8 @@
         </p:nvSpPr>
         <p:spPr>
           <a:xfrm>
-            <a:off x="6172200" y="2505075"/>
-            <a:ext cx="5183188" cy="3684588"/>
+            <a:off x="5415945" y="2104379"/>
+            <a:ext cx="4548113" cy="3095225"/>
           </a:xfrm>
         </p:spPr>
         <p:txBody>
@@ -1789,18 +2662,13 @@
               <a:rPr lang="en-US"/>
               <a:t>Fifth level</a:t>
             </a:r>
-          </a:p>
-        </p:txBody>
-      </p:sp>
-      <p:sp>
-        <p:nvSpPr>
-          <p:cNvPr id="7" name="Date Placeholder 6">
-            <a:extLst>
-              <a:ext uri="{FF2B5EF4-FFF2-40B4-BE49-F238E27FC236}">
-                <a16:creationId xmlns:a16="http://schemas.microsoft.com/office/drawing/2014/main" id="{1B56B207-FDAB-7442-BFC6-4409E6465E3E}"/>
-              </a:ext>
-            </a:extLst>
-          </p:cNvPr>
+            <a:endParaRPr lang="en-US" dirty="0"/>
+          </a:p>
+        </p:txBody>
+      </p:sp>
+      <p:sp>
+        <p:nvSpPr>
+          <p:cNvPr id="7" name="Date Placeholder 6"/>
           <p:cNvSpPr>
             <a:spLocks noGrp="1"/>
           </p:cNvSpPr>
@@ -1815,7 +2683,7 @@
           <a:p>
             <a:fld id="{AB667D60-C70F-8545-8032-B49411841C93}" type="datetimeFigureOut">
               <a:rPr lang="en-US" smtClean="0"/>
-              <a:t>4/19/20</a:t>
+              <a:t>4/20/20</a:t>
             </a:fld>
             <a:endParaRPr lang="en-US"/>
           </a:p>
@@ -1823,13 +2691,7 @@
       </p:sp>
       <p:sp>
         <p:nvSpPr>
-          <p:cNvPr id="8" name="Footer Placeholder 7">
-            <a:extLst>
-              <a:ext uri="{FF2B5EF4-FFF2-40B4-BE49-F238E27FC236}">
-                <a16:creationId xmlns:a16="http://schemas.microsoft.com/office/drawing/2014/main" id="{5A6F9264-84A3-864C-86CA-716F6764022E}"/>
-              </a:ext>
-            </a:extLst>
-          </p:cNvPr>
+          <p:cNvPr id="8" name="Footer Placeholder 7"/>
           <p:cNvSpPr>
             <a:spLocks noGrp="1"/>
           </p:cNvSpPr>
@@ -1848,13 +2710,7 @@
       </p:sp>
       <p:sp>
         <p:nvSpPr>
-          <p:cNvPr id="9" name="Slide Number Placeholder 8">
-            <a:extLst>
-              <a:ext uri="{FF2B5EF4-FFF2-40B4-BE49-F238E27FC236}">
-                <a16:creationId xmlns:a16="http://schemas.microsoft.com/office/drawing/2014/main" id="{3E0E617E-BBEA-4C4D-98FF-CCC6678F584C}"/>
-              </a:ext>
-            </a:extLst>
-          </p:cNvPr>
+          <p:cNvPr id="9" name="Slide Number Placeholder 8"/>
           <p:cNvSpPr>
             <a:spLocks noGrp="1"/>
           </p:cNvSpPr>
@@ -1878,7 +2734,7 @@
     </p:spTree>
     <p:extLst>
       <p:ext uri="{BB962C8B-B14F-4D97-AF65-F5344CB8AC3E}">
-        <p14:creationId xmlns:p14="http://schemas.microsoft.com/office/powerpoint/2010/main" val="2681276992"/>
+        <p14:creationId xmlns:p14="http://schemas.microsoft.com/office/powerpoint/2010/main" val="1274905123"/>
       </p:ext>
     </p:extLst>
   </p:cSld>
@@ -1907,13 +2763,7 @@
       </p:grpSpPr>
       <p:sp>
         <p:nvSpPr>
-          <p:cNvPr id="2" name="Title 1">
-            <a:extLst>
-              <a:ext uri="{FF2B5EF4-FFF2-40B4-BE49-F238E27FC236}">
-                <a16:creationId xmlns:a16="http://schemas.microsoft.com/office/drawing/2014/main" id="{EBCCE114-4861-104A-89C4-548B26CA2771}"/>
-              </a:ext>
-            </a:extLst>
-          </p:cNvPr>
+          <p:cNvPr id="2" name="Title 1"/>
           <p:cNvSpPr>
             <a:spLocks noGrp="1"/>
           </p:cNvSpPr>
@@ -1930,18 +2780,13 @@
               <a:rPr lang="en-US"/>
               <a:t>Click to edit Master title style</a:t>
             </a:r>
-          </a:p>
-        </p:txBody>
-      </p:sp>
-      <p:sp>
-        <p:nvSpPr>
-          <p:cNvPr id="3" name="Date Placeholder 2">
-            <a:extLst>
-              <a:ext uri="{FF2B5EF4-FFF2-40B4-BE49-F238E27FC236}">
-                <a16:creationId xmlns:a16="http://schemas.microsoft.com/office/drawing/2014/main" id="{67241E10-DE3C-0545-834B-B3EF66BC7289}"/>
-              </a:ext>
-            </a:extLst>
-          </p:cNvPr>
+            <a:endParaRPr lang="en-US" dirty="0"/>
+          </a:p>
+        </p:txBody>
+      </p:sp>
+      <p:sp>
+        <p:nvSpPr>
+          <p:cNvPr id="3" name="Date Placeholder 2"/>
           <p:cNvSpPr>
             <a:spLocks noGrp="1"/>
           </p:cNvSpPr>
@@ -1956,7 +2801,7 @@
           <a:p>
             <a:fld id="{AB667D60-C70F-8545-8032-B49411841C93}" type="datetimeFigureOut">
               <a:rPr lang="en-US" smtClean="0"/>
-              <a:t>4/19/20</a:t>
+              <a:t>4/20/20</a:t>
             </a:fld>
             <a:endParaRPr lang="en-US"/>
           </a:p>
@@ -1964,13 +2809,7 @@
       </p:sp>
       <p:sp>
         <p:nvSpPr>
-          <p:cNvPr id="4" name="Footer Placeholder 3">
-            <a:extLst>
-              <a:ext uri="{FF2B5EF4-FFF2-40B4-BE49-F238E27FC236}">
-                <a16:creationId xmlns:a16="http://schemas.microsoft.com/office/drawing/2014/main" id="{CFA2DDDA-799E-CC47-8C24-905D99F9AFA7}"/>
-              </a:ext>
-            </a:extLst>
-          </p:cNvPr>
+          <p:cNvPr id="4" name="Footer Placeholder 3"/>
           <p:cNvSpPr>
             <a:spLocks noGrp="1"/>
           </p:cNvSpPr>
@@ -1989,13 +2828,7 @@
       </p:sp>
       <p:sp>
         <p:nvSpPr>
-          <p:cNvPr id="5" name="Slide Number Placeholder 4">
-            <a:extLst>
-              <a:ext uri="{FF2B5EF4-FFF2-40B4-BE49-F238E27FC236}">
-                <a16:creationId xmlns:a16="http://schemas.microsoft.com/office/drawing/2014/main" id="{A0F38F4C-B302-A24D-9F98-6864B620F727}"/>
-              </a:ext>
-            </a:extLst>
-          </p:cNvPr>
+          <p:cNvPr id="5" name="Slide Number Placeholder 4"/>
           <p:cNvSpPr>
             <a:spLocks noGrp="1"/>
           </p:cNvSpPr>
@@ -2019,7 +2852,7 @@
     </p:spTree>
     <p:extLst>
       <p:ext uri="{BB962C8B-B14F-4D97-AF65-F5344CB8AC3E}">
-        <p14:creationId xmlns:p14="http://schemas.microsoft.com/office/powerpoint/2010/main" val="4210648832"/>
+        <p14:creationId xmlns:p14="http://schemas.microsoft.com/office/powerpoint/2010/main" val="3736892730"/>
       </p:ext>
     </p:extLst>
   </p:cSld>
@@ -2048,13 +2881,7 @@
       </p:grpSpPr>
       <p:sp>
         <p:nvSpPr>
-          <p:cNvPr id="2" name="Date Placeholder 1">
-            <a:extLst>
-              <a:ext uri="{FF2B5EF4-FFF2-40B4-BE49-F238E27FC236}">
-                <a16:creationId xmlns:a16="http://schemas.microsoft.com/office/drawing/2014/main" id="{7B394781-4F9E-BD41-8686-0C0387D78BF4}"/>
-              </a:ext>
-            </a:extLst>
-          </p:cNvPr>
+          <p:cNvPr id="2" name="Date Placeholder 1"/>
           <p:cNvSpPr>
             <a:spLocks noGrp="1"/>
           </p:cNvSpPr>
@@ -2069,7 +2896,7 @@
           <a:p>
             <a:fld id="{AB667D60-C70F-8545-8032-B49411841C93}" type="datetimeFigureOut">
               <a:rPr lang="en-US" smtClean="0"/>
-              <a:t>4/19/20</a:t>
+              <a:t>4/20/20</a:t>
             </a:fld>
             <a:endParaRPr lang="en-US"/>
           </a:p>
@@ -2077,13 +2904,7 @@
       </p:sp>
       <p:sp>
         <p:nvSpPr>
-          <p:cNvPr id="3" name="Footer Placeholder 2">
-            <a:extLst>
-              <a:ext uri="{FF2B5EF4-FFF2-40B4-BE49-F238E27FC236}">
-                <a16:creationId xmlns:a16="http://schemas.microsoft.com/office/drawing/2014/main" id="{B1E421E0-0E43-924F-B9AE-D4C5B3CA1CEE}"/>
-              </a:ext>
-            </a:extLst>
-          </p:cNvPr>
+          <p:cNvPr id="3" name="Footer Placeholder 2"/>
           <p:cNvSpPr>
             <a:spLocks noGrp="1"/>
           </p:cNvSpPr>
@@ -2102,13 +2923,7 @@
       </p:sp>
       <p:sp>
         <p:nvSpPr>
-          <p:cNvPr id="4" name="Slide Number Placeholder 3">
-            <a:extLst>
-              <a:ext uri="{FF2B5EF4-FFF2-40B4-BE49-F238E27FC236}">
-                <a16:creationId xmlns:a16="http://schemas.microsoft.com/office/drawing/2014/main" id="{0D075E52-BB75-AB44-8BA1-FCAF0F079CA9}"/>
-              </a:ext>
-            </a:extLst>
-          </p:cNvPr>
+          <p:cNvPr id="4" name="Slide Number Placeholder 3"/>
           <p:cNvSpPr>
             <a:spLocks noGrp="1"/>
           </p:cNvSpPr>
@@ -2132,7 +2947,7 @@
     </p:spTree>
     <p:extLst>
       <p:ext uri="{BB962C8B-B14F-4D97-AF65-F5344CB8AC3E}">
-        <p14:creationId xmlns:p14="http://schemas.microsoft.com/office/powerpoint/2010/main" val="1964458911"/>
+        <p14:creationId xmlns:p14="http://schemas.microsoft.com/office/powerpoint/2010/main" val="4276269611"/>
       </p:ext>
     </p:extLst>
   </p:cSld>
@@ -2161,13 +2976,7 @@
       </p:grpSpPr>
       <p:sp>
         <p:nvSpPr>
-          <p:cNvPr id="2" name="Title 1">
-            <a:extLst>
-              <a:ext uri="{FF2B5EF4-FFF2-40B4-BE49-F238E27FC236}">
-                <a16:creationId xmlns:a16="http://schemas.microsoft.com/office/drawing/2014/main" id="{EF66EF51-9EBA-624B-B464-45C8C0D850D0}"/>
-              </a:ext>
-            </a:extLst>
-          </p:cNvPr>
+          <p:cNvPr id="2" name="Title 1"/>
           <p:cNvSpPr>
             <a:spLocks noGrp="1"/>
           </p:cNvSpPr>
@@ -2177,15 +2986,15 @@
         </p:nvSpPr>
         <p:spPr>
           <a:xfrm>
-            <a:off x="839788" y="457200"/>
-            <a:ext cx="3932237" cy="1600200"/>
+            <a:off x="736892" y="384069"/>
+            <a:ext cx="3450436" cy="1344242"/>
           </a:xfrm>
         </p:spPr>
         <p:txBody>
           <a:bodyPr anchor="b"/>
           <a:lstStyle>
             <a:lvl1pPr>
-              <a:defRPr sz="3200"/>
+              <a:defRPr sz="2688"/>
             </a:lvl1pPr>
           </a:lstStyle>
           <a:p>
@@ -2193,18 +3002,13 @@
               <a:rPr lang="en-US"/>
               <a:t>Click to edit Master title style</a:t>
             </a:r>
-          </a:p>
-        </p:txBody>
-      </p:sp>
-      <p:sp>
-        <p:nvSpPr>
-          <p:cNvPr id="3" name="Content Placeholder 2">
-            <a:extLst>
-              <a:ext uri="{FF2B5EF4-FFF2-40B4-BE49-F238E27FC236}">
-                <a16:creationId xmlns:a16="http://schemas.microsoft.com/office/drawing/2014/main" id="{A847330B-0ABC-6042-A7CE-179C45990961}"/>
-              </a:ext>
-            </a:extLst>
-          </p:cNvPr>
+            <a:endParaRPr lang="en-US" dirty="0"/>
+          </a:p>
+        </p:txBody>
+      </p:sp>
+      <p:sp>
+        <p:nvSpPr>
+          <p:cNvPr id="3" name="Content Placeholder 2"/>
           <p:cNvSpPr>
             <a:spLocks noGrp="1"/>
           </p:cNvSpPr>
@@ -2214,39 +3018,39 @@
         </p:nvSpPr>
         <p:spPr>
           <a:xfrm>
-            <a:off x="5183188" y="987425"/>
-            <a:ext cx="6172200" cy="4873625"/>
+            <a:off x="4548113" y="829483"/>
+            <a:ext cx="5415945" cy="4094071"/>
           </a:xfrm>
         </p:spPr>
         <p:txBody>
           <a:bodyPr/>
           <a:lstStyle>
             <a:lvl1pPr>
-              <a:defRPr sz="3200"/>
+              <a:defRPr sz="2688"/>
             </a:lvl1pPr>
             <a:lvl2pPr>
-              <a:defRPr sz="2800"/>
+              <a:defRPr sz="2352"/>
             </a:lvl2pPr>
             <a:lvl3pPr>
-              <a:defRPr sz="2400"/>
+              <a:defRPr sz="2016"/>
             </a:lvl3pPr>
             <a:lvl4pPr>
-              <a:defRPr sz="2000"/>
+              <a:defRPr sz="1680"/>
             </a:lvl4pPr>
             <a:lvl5pPr>
-              <a:defRPr sz="2000"/>
+              <a:defRPr sz="1680"/>
             </a:lvl5pPr>
             <a:lvl6pPr>
-              <a:defRPr sz="2000"/>
+              <a:defRPr sz="1680"/>
             </a:lvl6pPr>
             <a:lvl7pPr>
-              <a:defRPr sz="2000"/>
+              <a:defRPr sz="1680"/>
             </a:lvl7pPr>
             <a:lvl8pPr>
-              <a:defRPr sz="2000"/>
+              <a:defRPr sz="1680"/>
             </a:lvl8pPr>
             <a:lvl9pPr>
-              <a:defRPr sz="2000"/>
+              <a:defRPr sz="1680"/>
             </a:lvl9pPr>
           </a:lstStyle>
           <a:p>
@@ -2283,18 +3087,13 @@
               <a:rPr lang="en-US"/>
               <a:t>Fifth level</a:t>
             </a:r>
-          </a:p>
-        </p:txBody>
-      </p:sp>
-      <p:sp>
-        <p:nvSpPr>
-          <p:cNvPr id="4" name="Text Placeholder 3">
-            <a:extLst>
-              <a:ext uri="{FF2B5EF4-FFF2-40B4-BE49-F238E27FC236}">
-                <a16:creationId xmlns:a16="http://schemas.microsoft.com/office/drawing/2014/main" id="{AB606E9F-5A13-304F-B738-188AB89B9315}"/>
-              </a:ext>
-            </a:extLst>
-          </p:cNvPr>
+            <a:endParaRPr lang="en-US" dirty="0"/>
+          </a:p>
+        </p:txBody>
+      </p:sp>
+      <p:sp>
+        <p:nvSpPr>
+          <p:cNvPr id="4" name="Text Placeholder 3"/>
           <p:cNvSpPr>
             <a:spLocks noGrp="1"/>
           </p:cNvSpPr>
@@ -2304,8 +3103,8 @@
         </p:nvSpPr>
         <p:spPr>
           <a:xfrm>
-            <a:off x="839788" y="2057400"/>
-            <a:ext cx="3932237" cy="3811588"/>
+            <a:off x="736892" y="1728311"/>
+            <a:ext cx="3450436" cy="3201911"/>
           </a:xfrm>
         </p:spPr>
         <p:txBody>
@@ -2313,39 +3112,39 @@
           <a:lstStyle>
             <a:lvl1pPr marL="0" indent="0">
               <a:buNone/>
-              <a:defRPr sz="1600"/>
+              <a:defRPr sz="1344"/>
             </a:lvl1pPr>
-            <a:lvl2pPr marL="457200" indent="0">
-              <a:buNone/>
-              <a:defRPr sz="1400"/>
+            <a:lvl2pPr marL="384048" indent="0">
+              <a:buNone/>
+              <a:defRPr sz="1176"/>
             </a:lvl2pPr>
-            <a:lvl3pPr marL="914400" indent="0">
-              <a:buNone/>
-              <a:defRPr sz="1200"/>
+            <a:lvl3pPr marL="768096" indent="0">
+              <a:buNone/>
+              <a:defRPr sz="1008"/>
             </a:lvl3pPr>
-            <a:lvl4pPr marL="1371600" indent="0">
-              <a:buNone/>
-              <a:defRPr sz="1000"/>
+            <a:lvl4pPr marL="1152144" indent="0">
+              <a:buNone/>
+              <a:defRPr sz="840"/>
             </a:lvl4pPr>
-            <a:lvl5pPr marL="1828800" indent="0">
-              <a:buNone/>
-              <a:defRPr sz="1000"/>
+            <a:lvl5pPr marL="1536192" indent="0">
+              <a:buNone/>
+              <a:defRPr sz="840"/>
             </a:lvl5pPr>
-            <a:lvl6pPr marL="2286000" indent="0">
-              <a:buNone/>
-              <a:defRPr sz="1000"/>
+            <a:lvl6pPr marL="1920240" indent="0">
+              <a:buNone/>
+              <a:defRPr sz="840"/>
             </a:lvl6pPr>
-            <a:lvl7pPr marL="2743200" indent="0">
-              <a:buNone/>
-              <a:defRPr sz="1000"/>
+            <a:lvl7pPr marL="2304288" indent="0">
+              <a:buNone/>
+              <a:defRPr sz="840"/>
             </a:lvl7pPr>
-            <a:lvl8pPr marL="3200400" indent="0">
-              <a:buNone/>
-              <a:defRPr sz="1000"/>
+            <a:lvl8pPr marL="2688336" indent="0">
+              <a:buNone/>
+              <a:defRPr sz="840"/>
             </a:lvl8pPr>
-            <a:lvl9pPr marL="3657600" indent="0">
-              <a:buNone/>
-              <a:defRPr sz="1000"/>
+            <a:lvl9pPr marL="3072384" indent="0">
+              <a:buNone/>
+              <a:defRPr sz="840"/>
             </a:lvl9pPr>
           </a:lstStyle>
           <a:p>
@@ -2359,13 +3158,7 @@
       </p:sp>
       <p:sp>
         <p:nvSpPr>
-          <p:cNvPr id="5" name="Date Placeholder 4">
-            <a:extLst>
-              <a:ext uri="{FF2B5EF4-FFF2-40B4-BE49-F238E27FC236}">
-                <a16:creationId xmlns:a16="http://schemas.microsoft.com/office/drawing/2014/main" id="{A9162B82-F987-0245-9B10-9682C1EA7298}"/>
-              </a:ext>
-            </a:extLst>
-          </p:cNvPr>
+          <p:cNvPr id="5" name="Date Placeholder 4"/>
           <p:cNvSpPr>
             <a:spLocks noGrp="1"/>
           </p:cNvSpPr>
@@ -2380,7 +3173,7 @@
           <a:p>
             <a:fld id="{AB667D60-C70F-8545-8032-B49411841C93}" type="datetimeFigureOut">
               <a:rPr lang="en-US" smtClean="0"/>
-              <a:t>4/19/20</a:t>
+              <a:t>4/20/20</a:t>
             </a:fld>
             <a:endParaRPr lang="en-US"/>
           </a:p>
@@ -2388,13 +3181,7 @@
       </p:sp>
       <p:sp>
         <p:nvSpPr>
-          <p:cNvPr id="6" name="Footer Placeholder 5">
-            <a:extLst>
-              <a:ext uri="{FF2B5EF4-FFF2-40B4-BE49-F238E27FC236}">
-                <a16:creationId xmlns:a16="http://schemas.microsoft.com/office/drawing/2014/main" id="{24970CAE-1D6C-D54B-8A80-A1DCBF4D901D}"/>
-              </a:ext>
-            </a:extLst>
-          </p:cNvPr>
+          <p:cNvPr id="6" name="Footer Placeholder 5"/>
           <p:cNvSpPr>
             <a:spLocks noGrp="1"/>
           </p:cNvSpPr>
@@ -2413,13 +3200,7 @@
       </p:sp>
       <p:sp>
         <p:nvSpPr>
-          <p:cNvPr id="7" name="Slide Number Placeholder 6">
-            <a:extLst>
-              <a:ext uri="{FF2B5EF4-FFF2-40B4-BE49-F238E27FC236}">
-                <a16:creationId xmlns:a16="http://schemas.microsoft.com/office/drawing/2014/main" id="{FFDF033E-E6C0-A84A-B9DB-844B0A979A1F}"/>
-              </a:ext>
-            </a:extLst>
-          </p:cNvPr>
+          <p:cNvPr id="7" name="Slide Number Placeholder 6"/>
           <p:cNvSpPr>
             <a:spLocks noGrp="1"/>
           </p:cNvSpPr>
@@ -2443,7 +3224,7 @@
     </p:spTree>
     <p:extLst>
       <p:ext uri="{BB962C8B-B14F-4D97-AF65-F5344CB8AC3E}">
-        <p14:creationId xmlns:p14="http://schemas.microsoft.com/office/powerpoint/2010/main" val="1453845464"/>
+        <p14:creationId xmlns:p14="http://schemas.microsoft.com/office/powerpoint/2010/main" val="2070335395"/>
       </p:ext>
     </p:extLst>
   </p:cSld>
@@ -2472,13 +3253,7 @@
       </p:grpSpPr>
       <p:sp>
         <p:nvSpPr>
-          <p:cNvPr id="2" name="Title 1">
-            <a:extLst>
-              <a:ext uri="{FF2B5EF4-FFF2-40B4-BE49-F238E27FC236}">
-                <a16:creationId xmlns:a16="http://schemas.microsoft.com/office/drawing/2014/main" id="{9459965D-89E1-0746-84A0-3D39C8B5347E}"/>
-              </a:ext>
-            </a:extLst>
-          </p:cNvPr>
+          <p:cNvPr id="2" name="Title 1"/>
           <p:cNvSpPr>
             <a:spLocks noGrp="1"/>
           </p:cNvSpPr>
@@ -2488,15 +3263,15 @@
         </p:nvSpPr>
         <p:spPr>
           <a:xfrm>
-            <a:off x="839788" y="457200"/>
-            <a:ext cx="3932237" cy="1600200"/>
+            <a:off x="736892" y="384069"/>
+            <a:ext cx="3450436" cy="1344242"/>
           </a:xfrm>
         </p:spPr>
         <p:txBody>
           <a:bodyPr anchor="b"/>
           <a:lstStyle>
             <a:lvl1pPr>
-              <a:defRPr sz="3200"/>
+              <a:defRPr sz="2688"/>
             </a:lvl1pPr>
           </a:lstStyle>
           <a:p>
@@ -2504,20 +3279,15 @@
               <a:rPr lang="en-US"/>
               <a:t>Click to edit Master title style</a:t>
             </a:r>
-          </a:p>
-        </p:txBody>
-      </p:sp>
-      <p:sp>
-        <p:nvSpPr>
-          <p:cNvPr id="3" name="Picture Placeholder 2">
-            <a:extLst>
-              <a:ext uri="{FF2B5EF4-FFF2-40B4-BE49-F238E27FC236}">
-                <a16:creationId xmlns:a16="http://schemas.microsoft.com/office/drawing/2014/main" id="{A69C7E08-C24C-714D-A570-A642432A805D}"/>
-              </a:ext>
-            </a:extLst>
-          </p:cNvPr>
-          <p:cNvSpPr>
-            <a:spLocks noGrp="1"/>
+            <a:endParaRPr lang="en-US" dirty="0"/>
+          </a:p>
+        </p:txBody>
+      </p:sp>
+      <p:sp>
+        <p:nvSpPr>
+          <p:cNvPr id="3" name="Picture Placeholder 2"/>
+          <p:cNvSpPr>
+            <a:spLocks noGrp="1" noChangeAspect="1"/>
           </p:cNvSpPr>
           <p:nvPr>
             <p:ph type="pic" idx="1"/>
@@ -2525,64 +3295,62 @@
         </p:nvSpPr>
         <p:spPr>
           <a:xfrm>
-            <a:off x="5183188" y="987425"/>
-            <a:ext cx="6172200" cy="4873625"/>
+            <a:off x="4548113" y="829483"/>
+            <a:ext cx="5415945" cy="4094071"/>
           </a:xfrm>
         </p:spPr>
         <p:txBody>
-          <a:bodyPr/>
+          <a:bodyPr anchor="t"/>
           <a:lstStyle>
             <a:lvl1pPr marL="0" indent="0">
               <a:buNone/>
-              <a:defRPr sz="3200"/>
+              <a:defRPr sz="2688"/>
             </a:lvl1pPr>
-            <a:lvl2pPr marL="457200" indent="0">
-              <a:buNone/>
-              <a:defRPr sz="2800"/>
+            <a:lvl2pPr marL="384048" indent="0">
+              <a:buNone/>
+              <a:defRPr sz="2352"/>
             </a:lvl2pPr>
-            <a:lvl3pPr marL="914400" indent="0">
-              <a:buNone/>
-              <a:defRPr sz="2400"/>
+            <a:lvl3pPr marL="768096" indent="0">
+              <a:buNone/>
+              <a:defRPr sz="2016"/>
             </a:lvl3pPr>
-            <a:lvl4pPr marL="1371600" indent="0">
-              <a:buNone/>
-              <a:defRPr sz="2000"/>
+            <a:lvl4pPr marL="1152144" indent="0">
+              <a:buNone/>
+              <a:defRPr sz="1680"/>
             </a:lvl4pPr>
-            <a:lvl5pPr marL="1828800" indent="0">
-              <a:buNone/>
-              <a:defRPr sz="2000"/>
+            <a:lvl5pPr marL="1536192" indent="0">
+              <a:buNone/>
+              <a:defRPr sz="1680"/>
             </a:lvl5pPr>
-            <a:lvl6pPr marL="2286000" indent="0">
-              <a:buNone/>
-              <a:defRPr sz="2000"/>
+            <a:lvl6pPr marL="1920240" indent="0">
+              <a:buNone/>
+              <a:defRPr sz="1680"/>
             </a:lvl6pPr>
-            <a:lvl7pPr marL="2743200" indent="0">
-              <a:buNone/>
-              <a:defRPr sz="2000"/>
+            <a:lvl7pPr marL="2304288" indent="0">
+              <a:buNone/>
+              <a:defRPr sz="1680"/>
             </a:lvl7pPr>
-            <a:lvl8pPr marL="3200400" indent="0">
-              <a:buNone/>
-              <a:defRPr sz="2000"/>
+            <a:lvl8pPr marL="2688336" indent="0">
+              <a:buNone/>
+              <a:defRPr sz="1680"/>
             </a:lvl8pPr>
-            <a:lvl9pPr marL="3657600" indent="0">
-              <a:buNone/>
-              <a:defRPr sz="2000"/>
+            <a:lvl9pPr marL="3072384" indent="0">
+              <a:buNone/>
+              <a:defRPr sz="1680"/>
             </a:lvl9pPr>
           </a:lstStyle>
           <a:p>
-            <a:endParaRPr lang="en-US"/>
-          </a:p>
-        </p:txBody>
-      </p:sp>
-      <p:sp>
-        <p:nvSpPr>
-          <p:cNvPr id="4" name="Text Placeholder 3">
-            <a:extLst>
-              <a:ext uri="{FF2B5EF4-FFF2-40B4-BE49-F238E27FC236}">
-                <a16:creationId xmlns:a16="http://schemas.microsoft.com/office/drawing/2014/main" id="{4353CBEC-F461-1543-8FFC-50C4F09F9E75}"/>
-              </a:ext>
-            </a:extLst>
-          </p:cNvPr>
+            <a:r>
+              <a:rPr lang="en-US"/>
+              <a:t>Click icon to add picture</a:t>
+            </a:r>
+            <a:endParaRPr lang="en-US" dirty="0"/>
+          </a:p>
+        </p:txBody>
+      </p:sp>
+      <p:sp>
+        <p:nvSpPr>
+          <p:cNvPr id="4" name="Text Placeholder 3"/>
           <p:cNvSpPr>
             <a:spLocks noGrp="1"/>
           </p:cNvSpPr>
@@ -2592,8 +3360,8 @@
         </p:nvSpPr>
         <p:spPr>
           <a:xfrm>
-            <a:off x="839788" y="2057400"/>
-            <a:ext cx="3932237" cy="3811588"/>
+            <a:off x="736892" y="1728311"/>
+            <a:ext cx="3450436" cy="3201911"/>
           </a:xfrm>
         </p:spPr>
         <p:txBody>
@@ -2601,39 +3369,39 @@
           <a:lstStyle>
             <a:lvl1pPr marL="0" indent="0">
               <a:buNone/>
-              <a:defRPr sz="1600"/>
+              <a:defRPr sz="1344"/>
             </a:lvl1pPr>
-            <a:lvl2pPr marL="457200" indent="0">
-              <a:buNone/>
-              <a:defRPr sz="1400"/>
+            <a:lvl2pPr marL="384048" indent="0">
+              <a:buNone/>
+              <a:defRPr sz="1176"/>
             </a:lvl2pPr>
-            <a:lvl3pPr marL="914400" indent="0">
-              <a:buNone/>
-              <a:defRPr sz="1200"/>
+            <a:lvl3pPr marL="768096" indent="0">
+              <a:buNone/>
+              <a:defRPr sz="1008"/>
             </a:lvl3pPr>
-            <a:lvl4pPr marL="1371600" indent="0">
-              <a:buNone/>
-              <a:defRPr sz="1000"/>
+            <a:lvl4pPr marL="1152144" indent="0">
+              <a:buNone/>
+              <a:defRPr sz="840"/>
             </a:lvl4pPr>
-            <a:lvl5pPr marL="1828800" indent="0">
-              <a:buNone/>
-              <a:defRPr sz="1000"/>
+            <a:lvl5pPr marL="1536192" indent="0">
+              <a:buNone/>
+              <a:defRPr sz="840"/>
             </a:lvl5pPr>
-            <a:lvl6pPr marL="2286000" indent="0">
-              <a:buNone/>
-              <a:defRPr sz="1000"/>
+            <a:lvl6pPr marL="1920240" indent="0">
+              <a:buNone/>
+              <a:defRPr sz="840"/>
             </a:lvl6pPr>
-            <a:lvl7pPr marL="2743200" indent="0">
-              <a:buNone/>
-              <a:defRPr sz="1000"/>
+            <a:lvl7pPr marL="2304288" indent="0">
+              <a:buNone/>
+              <a:defRPr sz="840"/>
             </a:lvl7pPr>
-            <a:lvl8pPr marL="3200400" indent="0">
-              <a:buNone/>
-              <a:defRPr sz="1000"/>
+            <a:lvl8pPr marL="2688336" indent="0">
+              <a:buNone/>
+              <a:defRPr sz="840"/>
             </a:lvl8pPr>
-            <a:lvl9pPr marL="3657600" indent="0">
-              <a:buNone/>
-              <a:defRPr sz="1000"/>
+            <a:lvl9pPr marL="3072384" indent="0">
+              <a:buNone/>
+              <a:defRPr sz="840"/>
             </a:lvl9pPr>
           </a:lstStyle>
           <a:p>
@@ -2647,13 +3415,7 @@
       </p:sp>
       <p:sp>
         <p:nvSpPr>
-          <p:cNvPr id="5" name="Date Placeholder 4">
-            <a:extLst>
-              <a:ext uri="{FF2B5EF4-FFF2-40B4-BE49-F238E27FC236}">
-                <a16:creationId xmlns:a16="http://schemas.microsoft.com/office/drawing/2014/main" id="{0799CE6D-1E4C-E64D-8EB4-810F96F4EDA1}"/>
-              </a:ext>
-            </a:extLst>
-          </p:cNvPr>
+          <p:cNvPr id="5" name="Date Placeholder 4"/>
           <p:cNvSpPr>
             <a:spLocks noGrp="1"/>
           </p:cNvSpPr>
@@ -2668,7 +3430,7 @@
           <a:p>
             <a:fld id="{AB667D60-C70F-8545-8032-B49411841C93}" type="datetimeFigureOut">
               <a:rPr lang="en-US" smtClean="0"/>
-              <a:t>4/19/20</a:t>
+              <a:t>4/20/20</a:t>
             </a:fld>
             <a:endParaRPr lang="en-US"/>
           </a:p>
@@ -2676,13 +3438,7 @@
       </p:sp>
       <p:sp>
         <p:nvSpPr>
-          <p:cNvPr id="6" name="Footer Placeholder 5">
-            <a:extLst>
-              <a:ext uri="{FF2B5EF4-FFF2-40B4-BE49-F238E27FC236}">
-                <a16:creationId xmlns:a16="http://schemas.microsoft.com/office/drawing/2014/main" id="{2B4274B1-BC97-D340-A5DA-0996D3F6C2A8}"/>
-              </a:ext>
-            </a:extLst>
-          </p:cNvPr>
+          <p:cNvPr id="6" name="Footer Placeholder 5"/>
           <p:cNvSpPr>
             <a:spLocks noGrp="1"/>
           </p:cNvSpPr>
@@ -2701,13 +3457,7 @@
       </p:sp>
       <p:sp>
         <p:nvSpPr>
-          <p:cNvPr id="7" name="Slide Number Placeholder 6">
-            <a:extLst>
-              <a:ext uri="{FF2B5EF4-FFF2-40B4-BE49-F238E27FC236}">
-                <a16:creationId xmlns:a16="http://schemas.microsoft.com/office/drawing/2014/main" id="{35BDC002-FCC8-0B4B-A6A3-EB171DDDA9EE}"/>
-              </a:ext>
-            </a:extLst>
-          </p:cNvPr>
+          <p:cNvPr id="7" name="Slide Number Placeholder 6"/>
           <p:cNvSpPr>
             <a:spLocks noGrp="1"/>
           </p:cNvSpPr>
@@ -2731,7 +3481,7 @@
     </p:spTree>
     <p:extLst>
       <p:ext uri="{BB962C8B-B14F-4D97-AF65-F5344CB8AC3E}">
-        <p14:creationId xmlns:p14="http://schemas.microsoft.com/office/powerpoint/2010/main" val="3883536601"/>
+        <p14:creationId xmlns:p14="http://schemas.microsoft.com/office/powerpoint/2010/main" val="1423095299"/>
       </p:ext>
     </p:extLst>
   </p:cSld>
@@ -2765,13 +3515,7 @@
       </p:grpSpPr>
       <p:sp>
         <p:nvSpPr>
-          <p:cNvPr id="2" name="Title Placeholder 1">
-            <a:extLst>
-              <a:ext uri="{FF2B5EF4-FFF2-40B4-BE49-F238E27FC236}">
-                <a16:creationId xmlns:a16="http://schemas.microsoft.com/office/drawing/2014/main" id="{9B97EFE9-41FD-6443-AEAA-7A461982764A}"/>
-              </a:ext>
-            </a:extLst>
-          </p:cNvPr>
+          <p:cNvPr id="2" name="Title Placeholder 1"/>
           <p:cNvSpPr>
             <a:spLocks noGrp="1"/>
           </p:cNvSpPr>
@@ -2781,8 +3525,8 @@
         </p:nvSpPr>
         <p:spPr>
           <a:xfrm>
-            <a:off x="838200" y="365125"/>
-            <a:ext cx="10515600" cy="1325563"/>
+            <a:off x="735499" y="306723"/>
+            <a:ext cx="9227166" cy="1113534"/>
           </a:xfrm>
           <a:prstGeom prst="rect">
             <a:avLst/>
@@ -2798,18 +3542,13 @@
               <a:rPr lang="en-US"/>
               <a:t>Click to edit Master title style</a:t>
             </a:r>
-          </a:p>
-        </p:txBody>
-      </p:sp>
-      <p:sp>
-        <p:nvSpPr>
-          <p:cNvPr id="3" name="Text Placeholder 2">
-            <a:extLst>
-              <a:ext uri="{FF2B5EF4-FFF2-40B4-BE49-F238E27FC236}">
-                <a16:creationId xmlns:a16="http://schemas.microsoft.com/office/drawing/2014/main" id="{8D308B4A-7947-2147-AB35-106E1CFAA107}"/>
-              </a:ext>
-            </a:extLst>
-          </p:cNvPr>
+            <a:endParaRPr lang="en-US" dirty="0"/>
+          </a:p>
+        </p:txBody>
+      </p:sp>
+      <p:sp>
+        <p:nvSpPr>
+          <p:cNvPr id="3" name="Text Placeholder 2"/>
           <p:cNvSpPr>
             <a:spLocks noGrp="1"/>
           </p:cNvSpPr>
@@ -2819,8 +3558,8 @@
         </p:nvSpPr>
         <p:spPr>
           <a:xfrm>
-            <a:off x="838200" y="1825625"/>
-            <a:ext cx="10515600" cy="4351338"/>
+            <a:off x="735499" y="1533609"/>
+            <a:ext cx="9227166" cy="3655326"/>
           </a:xfrm>
           <a:prstGeom prst="rect">
             <a:avLst/>
@@ -2865,18 +3604,13 @@
               <a:rPr lang="en-US"/>
               <a:t>Fifth level</a:t>
             </a:r>
-          </a:p>
-        </p:txBody>
-      </p:sp>
-      <p:sp>
-        <p:nvSpPr>
-          <p:cNvPr id="4" name="Date Placeholder 3">
-            <a:extLst>
-              <a:ext uri="{FF2B5EF4-FFF2-40B4-BE49-F238E27FC236}">
-                <a16:creationId xmlns:a16="http://schemas.microsoft.com/office/drawing/2014/main" id="{496E0640-5D10-C54E-8D33-6D161823F60C}"/>
-              </a:ext>
-            </a:extLst>
-          </p:cNvPr>
+            <a:endParaRPr lang="en-US" dirty="0"/>
+          </a:p>
+        </p:txBody>
+      </p:sp>
+      <p:sp>
+        <p:nvSpPr>
+          <p:cNvPr id="4" name="Date Placeholder 3"/>
           <p:cNvSpPr>
             <a:spLocks noGrp="1"/>
           </p:cNvSpPr>
@@ -2886,8 +3620,8 @@
         </p:nvSpPr>
         <p:spPr>
           <a:xfrm>
-            <a:off x="838200" y="6356350"/>
-            <a:ext cx="2743200" cy="365125"/>
+            <a:off x="735499" y="5339629"/>
+            <a:ext cx="2407087" cy="306722"/>
           </a:xfrm>
           <a:prstGeom prst="rect">
             <a:avLst/>
@@ -2897,7 +3631,7 @@
           <a:bodyPr vert="horz" lIns="91440" tIns="45720" rIns="91440" bIns="45720" rtlCol="0" anchor="ctr"/>
           <a:lstStyle>
             <a:lvl1pPr algn="l">
-              <a:defRPr sz="1200">
+              <a:defRPr sz="1008">
                 <a:solidFill>
                   <a:schemeClr val="tx1">
                     <a:tint val="75000"/>
@@ -2909,7 +3643,7 @@
           <a:p>
             <a:fld id="{AB667D60-C70F-8545-8032-B49411841C93}" type="datetimeFigureOut">
               <a:rPr lang="en-US" smtClean="0"/>
-              <a:t>4/19/20</a:t>
+              <a:t>4/20/20</a:t>
             </a:fld>
             <a:endParaRPr lang="en-US"/>
           </a:p>
@@ -2917,13 +3651,7 @@
       </p:sp>
       <p:sp>
         <p:nvSpPr>
-          <p:cNvPr id="5" name="Footer Placeholder 4">
-            <a:extLst>
-              <a:ext uri="{FF2B5EF4-FFF2-40B4-BE49-F238E27FC236}">
-                <a16:creationId xmlns:a16="http://schemas.microsoft.com/office/drawing/2014/main" id="{BBBBDDF3-A7EF-0844-B4FC-C8C4138998F4}"/>
-              </a:ext>
-            </a:extLst>
-          </p:cNvPr>
+          <p:cNvPr id="5" name="Footer Placeholder 4"/>
           <p:cNvSpPr>
             <a:spLocks noGrp="1"/>
           </p:cNvSpPr>
@@ -2933,8 +3661,8 @@
         </p:nvSpPr>
         <p:spPr>
           <a:xfrm>
-            <a:off x="4038600" y="6356350"/>
-            <a:ext cx="4114800" cy="365125"/>
+            <a:off x="3543767" y="5339629"/>
+            <a:ext cx="3610630" cy="306722"/>
           </a:xfrm>
           <a:prstGeom prst="rect">
             <a:avLst/>
@@ -2944,7 +3672,7 @@
           <a:bodyPr vert="horz" lIns="91440" tIns="45720" rIns="91440" bIns="45720" rtlCol="0" anchor="ctr"/>
           <a:lstStyle>
             <a:lvl1pPr algn="ctr">
-              <a:defRPr sz="1200">
+              <a:defRPr sz="1008">
                 <a:solidFill>
                   <a:schemeClr val="tx1">
                     <a:tint val="75000"/>
@@ -2960,13 +3688,7 @@
       </p:sp>
       <p:sp>
         <p:nvSpPr>
-          <p:cNvPr id="6" name="Slide Number Placeholder 5">
-            <a:extLst>
-              <a:ext uri="{FF2B5EF4-FFF2-40B4-BE49-F238E27FC236}">
-                <a16:creationId xmlns:a16="http://schemas.microsoft.com/office/drawing/2014/main" id="{A4ACFA7D-B337-BA46-8345-5F26A45AE7B2}"/>
-              </a:ext>
-            </a:extLst>
-          </p:cNvPr>
+          <p:cNvPr id="6" name="Slide Number Placeholder 5"/>
           <p:cNvSpPr>
             <a:spLocks noGrp="1"/>
           </p:cNvSpPr>
@@ -2976,8 +3698,8 @@
         </p:nvSpPr>
         <p:spPr>
           <a:xfrm>
-            <a:off x="8610600" y="6356350"/>
-            <a:ext cx="2743200" cy="365125"/>
+            <a:off x="7555577" y="5339629"/>
+            <a:ext cx="2407087" cy="306722"/>
           </a:xfrm>
           <a:prstGeom prst="rect">
             <a:avLst/>
@@ -2987,7 +3709,7 @@
           <a:bodyPr vert="horz" lIns="91440" tIns="45720" rIns="91440" bIns="45720" rtlCol="0" anchor="ctr"/>
           <a:lstStyle>
             <a:lvl1pPr algn="r">
-              <a:defRPr sz="1200">
+              <a:defRPr sz="1008">
                 <a:solidFill>
                   <a:schemeClr val="tx1">
                     <a:tint val="75000"/>
@@ -3008,27 +3730,27 @@
     </p:spTree>
     <p:extLst>
       <p:ext uri="{BB962C8B-B14F-4D97-AF65-F5344CB8AC3E}">
-        <p14:creationId xmlns:p14="http://schemas.microsoft.com/office/powerpoint/2010/main" val="3471692575"/>
+        <p14:creationId xmlns:p14="http://schemas.microsoft.com/office/powerpoint/2010/main" val="4127215801"/>
       </p:ext>
     </p:extLst>
   </p:cSld>
   <p:clrMap bg1="lt1" tx1="dk1" bg2="lt2" tx2="dk2" accent1="accent1" accent2="accent2" accent3="accent3" accent4="accent4" accent5="accent5" accent6="accent6" hlink="hlink" folHlink="folHlink"/>
   <p:sldLayoutIdLst>
-    <p:sldLayoutId id="2147483649" r:id="rId1"/>
-    <p:sldLayoutId id="2147483650" r:id="rId2"/>
-    <p:sldLayoutId id="2147483651" r:id="rId3"/>
-    <p:sldLayoutId id="2147483652" r:id="rId4"/>
-    <p:sldLayoutId id="2147483653" r:id="rId5"/>
-    <p:sldLayoutId id="2147483654" r:id="rId6"/>
-    <p:sldLayoutId id="2147483655" r:id="rId7"/>
-    <p:sldLayoutId id="2147483656" r:id="rId8"/>
-    <p:sldLayoutId id="2147483657" r:id="rId9"/>
-    <p:sldLayoutId id="2147483658" r:id="rId10"/>
-    <p:sldLayoutId id="2147483659" r:id="rId11"/>
+    <p:sldLayoutId id="2147483685" r:id="rId1"/>
+    <p:sldLayoutId id="2147483686" r:id="rId2"/>
+    <p:sldLayoutId id="2147483687" r:id="rId3"/>
+    <p:sldLayoutId id="2147483688" r:id="rId4"/>
+    <p:sldLayoutId id="2147483689" r:id="rId5"/>
+    <p:sldLayoutId id="2147483690" r:id="rId6"/>
+    <p:sldLayoutId id="2147483691" r:id="rId7"/>
+    <p:sldLayoutId id="2147483692" r:id="rId8"/>
+    <p:sldLayoutId id="2147483693" r:id="rId9"/>
+    <p:sldLayoutId id="2147483694" r:id="rId10"/>
+    <p:sldLayoutId id="2147483695" r:id="rId11"/>
   </p:sldLayoutIdLst>
   <p:txStyles>
     <p:titleStyle>
-      <a:lvl1pPr algn="l" defTabSz="914400" rtl="0" eaLnBrk="1" latinLnBrk="0" hangingPunct="1">
+      <a:lvl1pPr algn="l" defTabSz="768096" rtl="0" eaLnBrk="1" latinLnBrk="0" hangingPunct="1">
         <a:lnSpc>
           <a:spcPct val="90000"/>
         </a:lnSpc>
@@ -3036,7 +3758,7 @@
           <a:spcPct val="0"/>
         </a:spcBef>
         <a:buNone/>
-        <a:defRPr sz="4400" kern="1200">
+        <a:defRPr sz="3696" kern="1200">
           <a:solidFill>
             <a:schemeClr val="tx1"/>
           </a:solidFill>
@@ -3047,16 +3769,16 @@
       </a:lvl1pPr>
     </p:titleStyle>
     <p:bodyStyle>
-      <a:lvl1pPr marL="228600" indent="-228600" algn="l" defTabSz="914400" rtl="0" eaLnBrk="1" latinLnBrk="0" hangingPunct="1">
+      <a:lvl1pPr marL="192024" indent="-192024" algn="l" defTabSz="768096" rtl="0" eaLnBrk="1" latinLnBrk="0" hangingPunct="1">
         <a:lnSpc>
           <a:spcPct val="90000"/>
         </a:lnSpc>
         <a:spcBef>
-          <a:spcPts val="1000"/>
+          <a:spcPts val="840"/>
         </a:spcBef>
         <a:buFont typeface="Arial" panose="020B0604020202020204" pitchFamily="34" charset="0"/>
         <a:buChar char="•"/>
-        <a:defRPr sz="2800" kern="1200">
+        <a:defRPr sz="2352" kern="1200">
           <a:solidFill>
             <a:schemeClr val="tx1"/>
           </a:solidFill>
@@ -3065,16 +3787,16 @@
           <a:cs typeface="+mn-cs"/>
         </a:defRPr>
       </a:lvl1pPr>
-      <a:lvl2pPr marL="685800" indent="-228600" algn="l" defTabSz="914400" rtl="0" eaLnBrk="1" latinLnBrk="0" hangingPunct="1">
+      <a:lvl2pPr marL="576072" indent="-192024" algn="l" defTabSz="768096" rtl="0" eaLnBrk="1" latinLnBrk="0" hangingPunct="1">
         <a:lnSpc>
           <a:spcPct val="90000"/>
         </a:lnSpc>
         <a:spcBef>
-          <a:spcPts val="500"/>
+          <a:spcPts val="420"/>
         </a:spcBef>
         <a:buFont typeface="Arial" panose="020B0604020202020204" pitchFamily="34" charset="0"/>
         <a:buChar char="•"/>
-        <a:defRPr sz="2400" kern="1200">
+        <a:defRPr sz="2016" kern="1200">
           <a:solidFill>
             <a:schemeClr val="tx1"/>
           </a:solidFill>
@@ -3083,16 +3805,16 @@
           <a:cs typeface="+mn-cs"/>
         </a:defRPr>
       </a:lvl2pPr>
-      <a:lvl3pPr marL="1143000" indent="-228600" algn="l" defTabSz="914400" rtl="0" eaLnBrk="1" latinLnBrk="0" hangingPunct="1">
+      <a:lvl3pPr marL="960120" indent="-192024" algn="l" defTabSz="768096" rtl="0" eaLnBrk="1" latinLnBrk="0" hangingPunct="1">
         <a:lnSpc>
           <a:spcPct val="90000"/>
         </a:lnSpc>
         <a:spcBef>
-          <a:spcPts val="500"/>
+          <a:spcPts val="420"/>
         </a:spcBef>
         <a:buFont typeface="Arial" panose="020B0604020202020204" pitchFamily="34" charset="0"/>
         <a:buChar char="•"/>
-        <a:defRPr sz="2000" kern="1200">
+        <a:defRPr sz="1680" kern="1200">
           <a:solidFill>
             <a:schemeClr val="tx1"/>
           </a:solidFill>
@@ -3101,16 +3823,16 @@
           <a:cs typeface="+mn-cs"/>
         </a:defRPr>
       </a:lvl3pPr>
-      <a:lvl4pPr marL="1600200" indent="-228600" algn="l" defTabSz="914400" rtl="0" eaLnBrk="1" latinLnBrk="0" hangingPunct="1">
+      <a:lvl4pPr marL="1344168" indent="-192024" algn="l" defTabSz="768096" rtl="0" eaLnBrk="1" latinLnBrk="0" hangingPunct="1">
         <a:lnSpc>
           <a:spcPct val="90000"/>
         </a:lnSpc>
         <a:spcBef>
-          <a:spcPts val="500"/>
+          <a:spcPts val="420"/>
         </a:spcBef>
         <a:buFont typeface="Arial" panose="020B0604020202020204" pitchFamily="34" charset="0"/>
         <a:buChar char="•"/>
-        <a:defRPr sz="1800" kern="1200">
+        <a:defRPr sz="1512" kern="1200">
           <a:solidFill>
             <a:schemeClr val="tx1"/>
           </a:solidFill>
@@ -3119,16 +3841,16 @@
           <a:cs typeface="+mn-cs"/>
         </a:defRPr>
       </a:lvl4pPr>
-      <a:lvl5pPr marL="2057400" indent="-228600" algn="l" defTabSz="914400" rtl="0" eaLnBrk="1" latinLnBrk="0" hangingPunct="1">
+      <a:lvl5pPr marL="1728216" indent="-192024" algn="l" defTabSz="768096" rtl="0" eaLnBrk="1" latinLnBrk="0" hangingPunct="1">
         <a:lnSpc>
           <a:spcPct val="90000"/>
         </a:lnSpc>
         <a:spcBef>
-          <a:spcPts val="500"/>
+          <a:spcPts val="420"/>
         </a:spcBef>
         <a:buFont typeface="Arial" panose="020B0604020202020204" pitchFamily="34" charset="0"/>
         <a:buChar char="•"/>
-        <a:defRPr sz="1800" kern="1200">
+        <a:defRPr sz="1512" kern="1200">
           <a:solidFill>
             <a:schemeClr val="tx1"/>
           </a:solidFill>
@@ -3137,16 +3859,16 @@
           <a:cs typeface="+mn-cs"/>
         </a:defRPr>
       </a:lvl5pPr>
-      <a:lvl6pPr marL="2514600" indent="-228600" algn="l" defTabSz="914400" rtl="0" eaLnBrk="1" latinLnBrk="0" hangingPunct="1">
+      <a:lvl6pPr marL="2112264" indent="-192024" algn="l" defTabSz="768096" rtl="0" eaLnBrk="1" latinLnBrk="0" hangingPunct="1">
         <a:lnSpc>
           <a:spcPct val="90000"/>
         </a:lnSpc>
         <a:spcBef>
-          <a:spcPts val="500"/>
+          <a:spcPts val="420"/>
         </a:spcBef>
         <a:buFont typeface="Arial" panose="020B0604020202020204" pitchFamily="34" charset="0"/>
         <a:buChar char="•"/>
-        <a:defRPr sz="1800" kern="1200">
+        <a:defRPr sz="1512" kern="1200">
           <a:solidFill>
             <a:schemeClr val="tx1"/>
           </a:solidFill>
@@ -3155,16 +3877,16 @@
           <a:cs typeface="+mn-cs"/>
         </a:defRPr>
       </a:lvl6pPr>
-      <a:lvl7pPr marL="2971800" indent="-228600" algn="l" defTabSz="914400" rtl="0" eaLnBrk="1" latinLnBrk="0" hangingPunct="1">
+      <a:lvl7pPr marL="2496312" indent="-192024" algn="l" defTabSz="768096" rtl="0" eaLnBrk="1" latinLnBrk="0" hangingPunct="1">
         <a:lnSpc>
           <a:spcPct val="90000"/>
         </a:lnSpc>
         <a:spcBef>
-          <a:spcPts val="500"/>
+          <a:spcPts val="420"/>
         </a:spcBef>
         <a:buFont typeface="Arial" panose="020B0604020202020204" pitchFamily="34" charset="0"/>
         <a:buChar char="•"/>
-        <a:defRPr sz="1800" kern="1200">
+        <a:defRPr sz="1512" kern="1200">
           <a:solidFill>
             <a:schemeClr val="tx1"/>
           </a:solidFill>
@@ -3173,16 +3895,16 @@
           <a:cs typeface="+mn-cs"/>
         </a:defRPr>
       </a:lvl7pPr>
-      <a:lvl8pPr marL="3429000" indent="-228600" algn="l" defTabSz="914400" rtl="0" eaLnBrk="1" latinLnBrk="0" hangingPunct="1">
+      <a:lvl8pPr marL="2880360" indent="-192024" algn="l" defTabSz="768096" rtl="0" eaLnBrk="1" latinLnBrk="0" hangingPunct="1">
         <a:lnSpc>
           <a:spcPct val="90000"/>
         </a:lnSpc>
         <a:spcBef>
-          <a:spcPts val="500"/>
+          <a:spcPts val="420"/>
         </a:spcBef>
         <a:buFont typeface="Arial" panose="020B0604020202020204" pitchFamily="34" charset="0"/>
         <a:buChar char="•"/>
-        <a:defRPr sz="1800" kern="1200">
+        <a:defRPr sz="1512" kern="1200">
           <a:solidFill>
             <a:schemeClr val="tx1"/>
           </a:solidFill>
@@ -3191,16 +3913,16 @@
           <a:cs typeface="+mn-cs"/>
         </a:defRPr>
       </a:lvl8pPr>
-      <a:lvl9pPr marL="3886200" indent="-228600" algn="l" defTabSz="914400" rtl="0" eaLnBrk="1" latinLnBrk="0" hangingPunct="1">
+      <a:lvl9pPr marL="3264408" indent="-192024" algn="l" defTabSz="768096" rtl="0" eaLnBrk="1" latinLnBrk="0" hangingPunct="1">
         <a:lnSpc>
           <a:spcPct val="90000"/>
         </a:lnSpc>
         <a:spcBef>
-          <a:spcPts val="500"/>
+          <a:spcPts val="420"/>
         </a:spcBef>
         <a:buFont typeface="Arial" panose="020B0604020202020204" pitchFamily="34" charset="0"/>
         <a:buChar char="•"/>
-        <a:defRPr sz="1800" kern="1200">
+        <a:defRPr sz="1512" kern="1200">
           <a:solidFill>
             <a:schemeClr val="tx1"/>
           </a:solidFill>
@@ -3214,8 +3936,8 @@
       <a:defPPr>
         <a:defRPr lang="en-US"/>
       </a:defPPr>
-      <a:lvl1pPr marL="0" algn="l" defTabSz="914400" rtl="0" eaLnBrk="1" latinLnBrk="0" hangingPunct="1">
-        <a:defRPr sz="1800" kern="1200">
+      <a:lvl1pPr marL="0" algn="l" defTabSz="768096" rtl="0" eaLnBrk="1" latinLnBrk="0" hangingPunct="1">
+        <a:defRPr sz="1512" kern="1200">
           <a:solidFill>
             <a:schemeClr val="tx1"/>
           </a:solidFill>
@@ -3224,8 +3946,8 @@
           <a:cs typeface="+mn-cs"/>
         </a:defRPr>
       </a:lvl1pPr>
-      <a:lvl2pPr marL="457200" algn="l" defTabSz="914400" rtl="0" eaLnBrk="1" latinLnBrk="0" hangingPunct="1">
-        <a:defRPr sz="1800" kern="1200">
+      <a:lvl2pPr marL="384048" algn="l" defTabSz="768096" rtl="0" eaLnBrk="1" latinLnBrk="0" hangingPunct="1">
+        <a:defRPr sz="1512" kern="1200">
           <a:solidFill>
             <a:schemeClr val="tx1"/>
           </a:solidFill>
@@ -3234,8 +3956,8 @@
           <a:cs typeface="+mn-cs"/>
         </a:defRPr>
       </a:lvl2pPr>
-      <a:lvl3pPr marL="914400" algn="l" defTabSz="914400" rtl="0" eaLnBrk="1" latinLnBrk="0" hangingPunct="1">
-        <a:defRPr sz="1800" kern="1200">
+      <a:lvl3pPr marL="768096" algn="l" defTabSz="768096" rtl="0" eaLnBrk="1" latinLnBrk="0" hangingPunct="1">
+        <a:defRPr sz="1512" kern="1200">
           <a:solidFill>
             <a:schemeClr val="tx1"/>
           </a:solidFill>
@@ -3244,8 +3966,8 @@
           <a:cs typeface="+mn-cs"/>
         </a:defRPr>
       </a:lvl3pPr>
-      <a:lvl4pPr marL="1371600" algn="l" defTabSz="914400" rtl="0" eaLnBrk="1" latinLnBrk="0" hangingPunct="1">
-        <a:defRPr sz="1800" kern="1200">
+      <a:lvl4pPr marL="1152144" algn="l" defTabSz="768096" rtl="0" eaLnBrk="1" latinLnBrk="0" hangingPunct="1">
+        <a:defRPr sz="1512" kern="1200">
           <a:solidFill>
             <a:schemeClr val="tx1"/>
           </a:solidFill>
@@ -3254,8 +3976,8 @@
           <a:cs typeface="+mn-cs"/>
         </a:defRPr>
       </a:lvl4pPr>
-      <a:lvl5pPr marL="1828800" algn="l" defTabSz="914400" rtl="0" eaLnBrk="1" latinLnBrk="0" hangingPunct="1">
-        <a:defRPr sz="1800" kern="1200">
+      <a:lvl5pPr marL="1536192" algn="l" defTabSz="768096" rtl="0" eaLnBrk="1" latinLnBrk="0" hangingPunct="1">
+        <a:defRPr sz="1512" kern="1200">
           <a:solidFill>
             <a:schemeClr val="tx1"/>
           </a:solidFill>
@@ -3264,8 +3986,8 @@
           <a:cs typeface="+mn-cs"/>
         </a:defRPr>
       </a:lvl5pPr>
-      <a:lvl6pPr marL="2286000" algn="l" defTabSz="914400" rtl="0" eaLnBrk="1" latinLnBrk="0" hangingPunct="1">
-        <a:defRPr sz="1800" kern="1200">
+      <a:lvl6pPr marL="1920240" algn="l" defTabSz="768096" rtl="0" eaLnBrk="1" latinLnBrk="0" hangingPunct="1">
+        <a:defRPr sz="1512" kern="1200">
           <a:solidFill>
             <a:schemeClr val="tx1"/>
           </a:solidFill>
@@ -3274,8 +3996,8 @@
           <a:cs typeface="+mn-cs"/>
         </a:defRPr>
       </a:lvl6pPr>
-      <a:lvl7pPr marL="2743200" algn="l" defTabSz="914400" rtl="0" eaLnBrk="1" latinLnBrk="0" hangingPunct="1">
-        <a:defRPr sz="1800" kern="1200">
+      <a:lvl7pPr marL="2304288" algn="l" defTabSz="768096" rtl="0" eaLnBrk="1" latinLnBrk="0" hangingPunct="1">
+        <a:defRPr sz="1512" kern="1200">
           <a:solidFill>
             <a:schemeClr val="tx1"/>
           </a:solidFill>
@@ -3284,8 +4006,8 @@
           <a:cs typeface="+mn-cs"/>
         </a:defRPr>
       </a:lvl7pPr>
-      <a:lvl8pPr marL="3200400" algn="l" defTabSz="914400" rtl="0" eaLnBrk="1" latinLnBrk="0" hangingPunct="1">
-        <a:defRPr sz="1800" kern="1200">
+      <a:lvl8pPr marL="2688336" algn="l" defTabSz="768096" rtl="0" eaLnBrk="1" latinLnBrk="0" hangingPunct="1">
+        <a:defRPr sz="1512" kern="1200">
           <a:solidFill>
             <a:schemeClr val="tx1"/>
           </a:solidFill>
@@ -3294,8 +4016,8 @@
           <a:cs typeface="+mn-cs"/>
         </a:defRPr>
       </a:lvl8pPr>
-      <a:lvl9pPr marL="3657600" algn="l" defTabSz="914400" rtl="0" eaLnBrk="1" latinLnBrk="0" hangingPunct="1">
-        <a:defRPr sz="1800" kern="1200">
+      <a:lvl9pPr marL="3072384" algn="l" defTabSz="768096" rtl="0" eaLnBrk="1" latinLnBrk="0" hangingPunct="1">
+        <a:defRPr sz="1512" kern="1200">
           <a:solidFill>
             <a:schemeClr val="tx1"/>
           </a:solidFill>
@@ -3328,10 +4050,10 @@
       </p:grpSpPr>
       <p:grpSp>
         <p:nvGrpSpPr>
-          <p:cNvPr id="2" name="Group 1">
+          <p:cNvPr id="36" name="Group 35">
             <a:extLst>
               <a:ext uri="{FF2B5EF4-FFF2-40B4-BE49-F238E27FC236}">
-                <a16:creationId xmlns:a16="http://schemas.microsoft.com/office/drawing/2014/main" id="{209ECB72-75ED-C744-9EA4-10C3B5FA94E9}"/>
+                <a16:creationId xmlns:a16="http://schemas.microsoft.com/office/drawing/2014/main" id="{F8CEE61E-0D81-604C-BD70-314DBFD433F8}"/>
               </a:ext>
             </a:extLst>
           </p:cNvPr>
@@ -3348,10 +4070,10 @@
         </p:grpSpPr>
         <p:grpSp>
           <p:nvGrpSpPr>
-            <p:cNvPr id="32" name="Group 31">
+            <p:cNvPr id="37" name="Group 36">
               <a:extLst>
                 <a:ext uri="{FF2B5EF4-FFF2-40B4-BE49-F238E27FC236}">
-                  <a16:creationId xmlns:a16="http://schemas.microsoft.com/office/drawing/2014/main" id="{D63E8912-8140-8247-A39B-DB7BF450736D}"/>
+                  <a16:creationId xmlns:a16="http://schemas.microsoft.com/office/drawing/2014/main" id="{3306731B-C314-A041-A89A-DF30575FC237}"/>
                 </a:ext>
               </a:extLst>
             </p:cNvPr>
@@ -3368,10 +4090,10 @@
           </p:grpSpPr>
           <p:grpSp>
             <p:nvGrpSpPr>
-              <p:cNvPr id="29" name="Group 28">
+              <p:cNvPr id="39" name="Group 38">
                 <a:extLst>
                   <a:ext uri="{FF2B5EF4-FFF2-40B4-BE49-F238E27FC236}">
-                    <a16:creationId xmlns:a16="http://schemas.microsoft.com/office/drawing/2014/main" id="{0D76DD31-8C0D-2844-9F2F-834DD5D97977}"/>
+                    <a16:creationId xmlns:a16="http://schemas.microsoft.com/office/drawing/2014/main" id="{CEB2E474-BF2D-704A-9B42-AE470B2C2D28}"/>
                   </a:ext>
                 </a:extLst>
               </p:cNvPr>
@@ -3388,10 +4110,10 @@
             </p:grpSpPr>
             <p:pic>
               <p:nvPicPr>
-                <p:cNvPr id="15" name="Picture 14">
+                <p:cNvPr id="41" name="Picture 40">
                   <a:extLst>
                     <a:ext uri="{FF2B5EF4-FFF2-40B4-BE49-F238E27FC236}">
-                      <a16:creationId xmlns:a16="http://schemas.microsoft.com/office/drawing/2014/main" id="{B646ADDC-C777-A040-ABFC-C258C877BF98}"/>
+                      <a16:creationId xmlns:a16="http://schemas.microsoft.com/office/drawing/2014/main" id="{2CE71567-3476-FC4D-86FF-1DFBBD93A87B}"/>
                     </a:ext>
                   </a:extLst>
                 </p:cNvPr>
@@ -3417,10 +4139,10 @@
             </p:pic>
             <p:sp>
               <p:nvSpPr>
-                <p:cNvPr id="7" name="TextBox 6">
+                <p:cNvPr id="42" name="TextBox 41">
                   <a:extLst>
                     <a:ext uri="{FF2B5EF4-FFF2-40B4-BE49-F238E27FC236}">
-                      <a16:creationId xmlns:a16="http://schemas.microsoft.com/office/drawing/2014/main" id="{220D7EED-6EAE-D84A-B9A6-C9006449AD63}"/>
+                      <a16:creationId xmlns:a16="http://schemas.microsoft.com/office/drawing/2014/main" id="{98EABCB7-3047-8B4B-B7F7-E7C29A502A1B}"/>
                     </a:ext>
                   </a:extLst>
                 </p:cNvPr>
@@ -3452,10 +4174,10 @@
             </p:sp>
             <p:sp>
               <p:nvSpPr>
-                <p:cNvPr id="12" name="TextBox 11">
+                <p:cNvPr id="43" name="TextBox 42">
                   <a:extLst>
                     <a:ext uri="{FF2B5EF4-FFF2-40B4-BE49-F238E27FC236}">
-                      <a16:creationId xmlns:a16="http://schemas.microsoft.com/office/drawing/2014/main" id="{983E5833-CC73-3F43-8AAF-680BC500BE4A}"/>
+                      <a16:creationId xmlns:a16="http://schemas.microsoft.com/office/drawing/2014/main" id="{4BDF7150-00C0-D646-9F9F-703051D8A4FD}"/>
                     </a:ext>
                   </a:extLst>
                 </p:cNvPr>
@@ -3487,10 +4209,10 @@
             </p:sp>
             <p:sp>
               <p:nvSpPr>
-                <p:cNvPr id="18" name="TextBox 17">
+                <p:cNvPr id="44" name="TextBox 43">
                   <a:extLst>
                     <a:ext uri="{FF2B5EF4-FFF2-40B4-BE49-F238E27FC236}">
-                      <a16:creationId xmlns:a16="http://schemas.microsoft.com/office/drawing/2014/main" id="{94C133CD-015A-4749-B79F-DD72DD889809}"/>
+                      <a16:creationId xmlns:a16="http://schemas.microsoft.com/office/drawing/2014/main" id="{78F498BE-159A-434D-9A14-A5E0957A15BF}"/>
                     </a:ext>
                   </a:extLst>
                 </p:cNvPr>
@@ -3523,10 +4245,10 @@
           </p:grpSp>
           <p:pic>
             <p:nvPicPr>
-              <p:cNvPr id="31" name="Picture 30" descr="A screenshot of a social media post&#10;&#10;Description automatically generated">
+              <p:cNvPr id="40" name="Picture 39" descr="A screenshot of a social media post&#10;&#10;Description automatically generated">
                 <a:extLst>
                   <a:ext uri="{FF2B5EF4-FFF2-40B4-BE49-F238E27FC236}">
-                    <a16:creationId xmlns:a16="http://schemas.microsoft.com/office/drawing/2014/main" id="{0DE141D7-7CB6-284A-A441-96C1A4525C44}"/>
+                    <a16:creationId xmlns:a16="http://schemas.microsoft.com/office/drawing/2014/main" id="{5AE0610E-17B9-9A4E-BB95-E3A1FB7CB6E5}"/>
                   </a:ext>
                 </a:extLst>
               </p:cNvPr>
@@ -3554,10 +4276,10 @@
         </p:grpSp>
         <p:pic>
           <p:nvPicPr>
-            <p:cNvPr id="34" name="Picture 33">
+            <p:cNvPr id="38" name="Picture 37">
               <a:extLst>
                 <a:ext uri="{FF2B5EF4-FFF2-40B4-BE49-F238E27FC236}">
-                  <a16:creationId xmlns:a16="http://schemas.microsoft.com/office/drawing/2014/main" id="{103A2941-D652-BE47-AE60-9F94DAFAEACC}"/>
+                  <a16:creationId xmlns:a16="http://schemas.microsoft.com/office/drawing/2014/main" id="{5B06AD6A-D375-DE43-9D48-98655D67DF12}"/>
                 </a:ext>
               </a:extLst>
             </p:cNvPr>
@@ -3598,7 +4320,7 @@
 <file path=ppt/theme/theme1.xml><?xml version="1.0" encoding="utf-8"?>
 <a:theme xmlns:a="http://schemas.openxmlformats.org/drawingml/2006/main" name="Office Theme">
   <a:themeElements>
-    <a:clrScheme name="Office">
+    <a:clrScheme name="Office Theme">
       <a:dk1>
         <a:sysClr val="windowText" lastClr="000000"/>
       </a:dk1>
@@ -3636,7 +4358,7 @@
         <a:srgbClr val="954F72"/>
       </a:folHlink>
     </a:clrScheme>
-    <a:fontScheme name="Office">
+    <a:fontScheme name="Office Theme">
       <a:majorFont>
         <a:latin typeface="Calibri Light" panose="020F0302020204030204"/>
         <a:ea typeface=""/>
@@ -3671,23 +4393,6 @@
         <a:font script="Viet" typeface="Times New Roman"/>
         <a:font script="Uigh" typeface="Microsoft Uighur"/>
         <a:font script="Geor" typeface="Sylfaen"/>
-        <a:font script="Armn" typeface="Arial"/>
-        <a:font script="Bugi" typeface="Leelawadee UI"/>
-        <a:font script="Bopo" typeface="Microsoft JhengHei"/>
-        <a:font script="Java" typeface="Javanese Text"/>
-        <a:font script="Lisu" typeface="Segoe UI"/>
-        <a:font script="Mymr" typeface="Myanmar Text"/>
-        <a:font script="Nkoo" typeface="Ebrima"/>
-        <a:font script="Olck" typeface="Nirmala UI"/>
-        <a:font script="Osma" typeface="Ebrima"/>
-        <a:font script="Phag" typeface="Phagspa"/>
-        <a:font script="Syrn" typeface="Estrangelo Edessa"/>
-        <a:font script="Syrj" typeface="Estrangelo Edessa"/>
-        <a:font script="Syre" typeface="Estrangelo Edessa"/>
-        <a:font script="Sora" typeface="Nirmala UI"/>
-        <a:font script="Tale" typeface="Microsoft Tai Le"/>
-        <a:font script="Talu" typeface="Microsoft New Tai Lue"/>
-        <a:font script="Tfng" typeface="Ebrima"/>
       </a:majorFont>
       <a:minorFont>
         <a:latin typeface="Calibri" panose="020F0502020204030204"/>
@@ -3723,26 +4428,9 @@
         <a:font script="Viet" typeface="Arial"/>
         <a:font script="Uigh" typeface="Microsoft Uighur"/>
         <a:font script="Geor" typeface="Sylfaen"/>
-        <a:font script="Armn" typeface="Arial"/>
-        <a:font script="Bugi" typeface="Leelawadee UI"/>
-        <a:font script="Bopo" typeface="Microsoft JhengHei"/>
-        <a:font script="Java" typeface="Javanese Text"/>
-        <a:font script="Lisu" typeface="Segoe UI"/>
-        <a:font script="Mymr" typeface="Myanmar Text"/>
-        <a:font script="Nkoo" typeface="Ebrima"/>
-        <a:font script="Olck" typeface="Nirmala UI"/>
-        <a:font script="Osma" typeface="Ebrima"/>
-        <a:font script="Phag" typeface="Phagspa"/>
-        <a:font script="Syrn" typeface="Estrangelo Edessa"/>
-        <a:font script="Syrj" typeface="Estrangelo Edessa"/>
-        <a:font script="Syre" typeface="Estrangelo Edessa"/>
-        <a:font script="Sora" typeface="Nirmala UI"/>
-        <a:font script="Tale" typeface="Microsoft Tai Le"/>
-        <a:font script="Talu" typeface="Microsoft New Tai Lue"/>
-        <a:font script="Tfng" typeface="Ebrima"/>
       </a:minorFont>
     </a:fontScheme>
-    <a:fmtScheme name="Office">
+    <a:fmtScheme name="Office Theme">
       <a:fillStyleLst>
         <a:solidFill>
           <a:schemeClr val="phClr"/>
